--- a/Team1_MentalHealthAnalysis.pptx
+++ b/Team1_MentalHealthAnalysis.pptx
@@ -123,6 +123,11 @@
       </a:defRPr>
     </a:lvl9pPr>
   </p:defaultTextStyle>
+  <p:extLst>
+    <p:ext uri="{EFAFB233-063F-42B5-8137-9DF3F51BA10A}">
+      <p15:sldGuideLst xmlns:p15="http://schemas.microsoft.com/office/powerpoint/2012/main"/>
+    </p:ext>
+  </p:extLst>
 </p:presentation>
 </file>
 
@@ -208,7 +213,7 @@
           <a:p>
             <a:fld id="{3DD01368-8FBB-BC4A-BE92-0D57780A3867}" type="datetimeFigureOut">
               <a:rPr lang="en-US" smtClean="0"/>
-              <a:t>1/11/18</a:t>
+              <a:t>1/13/18</a:t>
             </a:fld>
             <a:endParaRPr lang="en-US" dirty="0"/>
           </a:p>
@@ -3157,7 +3162,7 @@
           <a:p>
             <a:fld id="{48A87A34-81AB-432B-8DAE-1953F412C126}" type="datetimeFigureOut">
               <a:rPr lang="en-US" smtClean="0"/>
-              <a:t>1/11/18</a:t>
+              <a:t>1/13/18</a:t>
             </a:fld>
             <a:endParaRPr lang="en-US" dirty="0"/>
           </a:p>
@@ -3496,7 +3501,7 @@
             <a:fld id="{48A87A34-81AB-432B-8DAE-1953F412C126}" type="datetimeFigureOut">
               <a:rPr lang="en-US" smtClean="0"/>
               <a:pPr/>
-              <a:t>1/11/18</a:t>
+              <a:t>1/13/18</a:t>
             </a:fld>
             <a:endParaRPr lang="en-US" dirty="0"/>
           </a:p>
@@ -3899,7 +3904,7 @@
             <a:fld id="{48A87A34-81AB-432B-8DAE-1953F412C126}" type="datetimeFigureOut">
               <a:rPr lang="en-US" smtClean="0"/>
               <a:pPr/>
-              <a:t>1/11/18</a:t>
+              <a:t>1/13/18</a:t>
             </a:fld>
             <a:endParaRPr lang="en-US" dirty="0"/>
           </a:p>
@@ -4237,7 +4242,7 @@
             <a:fld id="{48A87A34-81AB-432B-8DAE-1953F412C126}" type="datetimeFigureOut">
               <a:rPr lang="en-US" smtClean="0"/>
               <a:pPr/>
-              <a:t>1/11/18</a:t>
+              <a:t>1/13/18</a:t>
             </a:fld>
             <a:endParaRPr lang="en-US" dirty="0"/>
           </a:p>
@@ -4559,7 +4564,7 @@
             <a:fld id="{48A87A34-81AB-432B-8DAE-1953F412C126}" type="datetimeFigureOut">
               <a:rPr lang="en-US" smtClean="0"/>
               <a:pPr/>
-              <a:t>1/11/18</a:t>
+              <a:t>1/13/18</a:t>
             </a:fld>
             <a:endParaRPr lang="en-US" dirty="0"/>
           </a:p>
@@ -4957,7 +4962,7 @@
             <a:fld id="{48A87A34-81AB-432B-8DAE-1953F412C126}" type="datetimeFigureOut">
               <a:rPr lang="en-US" smtClean="0"/>
               <a:pPr/>
-              <a:t>1/11/18</a:t>
+              <a:t>1/13/18</a:t>
             </a:fld>
             <a:endParaRPr lang="en-US" dirty="0"/>
           </a:p>
@@ -5215,7 +5220,7 @@
           <a:p>
             <a:fld id="{48A87A34-81AB-432B-8DAE-1953F412C126}" type="datetimeFigureOut">
               <a:rPr lang="en-US" smtClean="0"/>
-              <a:t>1/11/18</a:t>
+              <a:t>1/13/18</a:t>
             </a:fld>
             <a:endParaRPr lang="en-US" dirty="0"/>
           </a:p>
@@ -5477,7 +5482,7 @@
           <a:p>
             <a:fld id="{48A87A34-81AB-432B-8DAE-1953F412C126}" type="datetimeFigureOut">
               <a:rPr lang="en-US" smtClean="0"/>
-              <a:t>1/11/18</a:t>
+              <a:t>1/13/18</a:t>
             </a:fld>
             <a:endParaRPr lang="en-US" dirty="0"/>
           </a:p>
@@ -5739,7 +5744,7 @@
           <a:p>
             <a:fld id="{48A87A34-81AB-432B-8DAE-1953F412C126}" type="datetimeFigureOut">
               <a:rPr lang="en-US" smtClean="0"/>
-              <a:t>1/11/18</a:t>
+              <a:t>1/13/18</a:t>
             </a:fld>
             <a:endParaRPr lang="en-US" dirty="0"/>
           </a:p>
@@ -6068,7 +6073,7 @@
           <a:p>
             <a:fld id="{48A87A34-81AB-432B-8DAE-1953F412C126}" type="datetimeFigureOut">
               <a:rPr lang="en-US" smtClean="0"/>
-              <a:t>1/11/18</a:t>
+              <a:t>1/13/18</a:t>
             </a:fld>
             <a:endParaRPr lang="en-US" dirty="0"/>
           </a:p>
@@ -6391,7 +6396,7 @@
           <a:p>
             <a:fld id="{48A87A34-81AB-432B-8DAE-1953F412C126}" type="datetimeFigureOut">
               <a:rPr lang="en-US" smtClean="0"/>
-              <a:t>1/11/18</a:t>
+              <a:t>1/13/18</a:t>
             </a:fld>
             <a:endParaRPr lang="en-US" dirty="0"/>
           </a:p>
@@ -6848,7 +6853,7 @@
           <a:p>
             <a:fld id="{48A87A34-81AB-432B-8DAE-1953F412C126}" type="datetimeFigureOut">
               <a:rPr lang="en-US" smtClean="0"/>
-              <a:t>1/11/18</a:t>
+              <a:t>1/13/18</a:t>
             </a:fld>
             <a:endParaRPr lang="en-US" dirty="0"/>
           </a:p>
@@ -7053,7 +7058,7 @@
           <a:p>
             <a:fld id="{48A87A34-81AB-432B-8DAE-1953F412C126}" type="datetimeFigureOut">
               <a:rPr lang="en-US" smtClean="0"/>
-              <a:t>1/11/18</a:t>
+              <a:t>1/13/18</a:t>
             </a:fld>
             <a:endParaRPr lang="en-US" dirty="0"/>
           </a:p>
@@ -7230,7 +7235,7 @@
           <a:p>
             <a:fld id="{48A87A34-81AB-432B-8DAE-1953F412C126}" type="datetimeFigureOut">
               <a:rPr lang="en-US" smtClean="0"/>
-              <a:t>1/11/18</a:t>
+              <a:t>1/13/18</a:t>
             </a:fld>
             <a:endParaRPr lang="en-US" dirty="0"/>
           </a:p>
@@ -7563,7 +7568,7 @@
           <a:p>
             <a:fld id="{48A87A34-81AB-432B-8DAE-1953F412C126}" type="datetimeFigureOut">
               <a:rPr lang="en-US" smtClean="0"/>
-              <a:t>1/11/18</a:t>
+              <a:t>1/13/18</a:t>
             </a:fld>
             <a:endParaRPr lang="en-US" dirty="0"/>
           </a:p>
@@ -7909,7 +7914,7 @@
             <a:fld id="{48A87A34-81AB-432B-8DAE-1953F412C126}" type="datetimeFigureOut">
               <a:rPr lang="en-US" smtClean="0"/>
               <a:pPr/>
-              <a:t>1/11/18</a:t>
+              <a:t>1/13/18</a:t>
             </a:fld>
             <a:endParaRPr lang="en-US" dirty="0"/>
           </a:p>
@@ -10027,7 +10032,7 @@
             <a:fld id="{48A87A34-81AB-432B-8DAE-1953F412C126}" type="datetimeFigureOut">
               <a:rPr lang="en-US" smtClean="0"/>
               <a:pPr/>
-              <a:t>1/11/18</a:t>
+              <a:t>1/13/18</a:t>
             </a:fld>
             <a:endParaRPr lang="en-US" dirty="0"/>
           </a:p>
@@ -10691,18 +10696,7 @@
                 <a:ea typeface="Cambria" charset="0"/>
                 <a:cs typeface="Cambria" charset="0"/>
               </a:rPr>
-              <a:t>Ilelaboye</a:t>
-            </a:r>
-            <a:r>
-              <a:rPr lang="en-US" sz="2000" dirty="0">
-                <a:solidFill>
-                  <a:schemeClr val="tx1"/>
-                </a:solidFill>
-                <a:latin typeface="Cambria" charset="0"/>
-                <a:ea typeface="Cambria" charset="0"/>
-                <a:cs typeface="Cambria" charset="0"/>
-              </a:rPr>
-              <a:t> </a:t>
+              <a:t>Ilelaboye </a:t>
             </a:r>
             <a:r>
               <a:rPr lang="en-US" sz="2000" dirty="0" smtClean="0">
@@ -16794,12 +16788,6 @@
               </a:rPr>
               <a:t>Today</a:t>
             </a:r>
-            <a:endParaRPr lang="en-US" sz="800" dirty="0">
-              <a:solidFill>
-                <a:schemeClr val="dk1"/>
-              </a:solidFill>
-              <a:latin typeface="Calibri" panose="020F0502020204030204" pitchFamily="34" charset="0"/>
-            </a:endParaRPr>
           </a:p>
         </p:txBody>
       </p:sp>
@@ -17023,14 +17011,6 @@
               </a:rPr>
               <a:t>Milestone 1</a:t>
             </a:r>
-            <a:endParaRPr lang="en-US" sz="1000" b="1" spc="-6" dirty="0">
-              <a:solidFill>
-                <a:srgbClr val="3B5998"/>
-              </a:solidFill>
-              <a:latin typeface="Cambria" charset="0"/>
-              <a:ea typeface="Cambria" charset="0"/>
-              <a:cs typeface="Cambria" charset="0"/>
-            </a:endParaRPr>
           </a:p>
         </p:txBody>
       </p:sp>
@@ -17201,14 +17181,6 @@
               </a:rPr>
               <a:t>Milestone 3</a:t>
             </a:r>
-            <a:endParaRPr lang="en-US" sz="1000" b="1" spc="-6" dirty="0">
-              <a:solidFill>
-                <a:srgbClr val="FF0000"/>
-              </a:solidFill>
-              <a:latin typeface="Cambria" charset="0"/>
-              <a:ea typeface="Cambria" charset="0"/>
-              <a:cs typeface="Cambria" charset="0"/>
-            </a:endParaRPr>
           </a:p>
         </p:txBody>
       </p:sp>
@@ -17267,7 +17239,6 @@
               <a:rPr lang="en-US" dirty="0"/>
               <a:t>2 Million Records)</a:t>
             </a:r>
-            <a:endParaRPr lang="en-US" dirty="0"/>
           </a:p>
         </p:txBody>
       </p:sp>
@@ -17315,7 +17286,6 @@
               <a:rPr lang="en-US" b="1" dirty="0"/>
               <a:t>Milestone 2</a:t>
             </a:r>
-            <a:endParaRPr lang="en-US" b="1" dirty="0"/>
           </a:p>
         </p:txBody>
       </p:sp>
@@ -17406,7 +17376,6 @@
               <a:rPr lang="en-US" dirty="0"/>
               <a:t>Milestone 4</a:t>
             </a:r>
-            <a:endParaRPr lang="en-US" dirty="0"/>
           </a:p>
         </p:txBody>
       </p:sp>
@@ -17446,12 +17415,6 @@
               </a:rPr>
               <a:t>Nov 7</a:t>
             </a:r>
-            <a:endParaRPr lang="en-US" sz="800" dirty="0">
-              <a:solidFill>
-                <a:srgbClr val="D1282E"/>
-              </a:solidFill>
-              <a:latin typeface="Calibri" panose="020F0502020204030204" pitchFamily="34" charset="0"/>
-            </a:endParaRPr>
           </a:p>
         </p:txBody>
       </p:sp>
@@ -17578,12 +17541,6 @@
               </a:rPr>
               <a:t>Dec 20</a:t>
             </a:r>
-            <a:endParaRPr lang="en-US" sz="800" dirty="0">
-              <a:solidFill>
-                <a:srgbClr val="D1282E"/>
-              </a:solidFill>
-              <a:latin typeface="Calibri" panose="020F0502020204030204" pitchFamily="34" charset="0"/>
-            </a:endParaRPr>
           </a:p>
         </p:txBody>
       </p:sp>
@@ -17625,14 +17582,6 @@
               </a:rPr>
               <a:t>Milestone 7</a:t>
             </a:r>
-            <a:endParaRPr lang="en-US" sz="1000" b="1" spc="-6" dirty="0">
-              <a:solidFill>
-                <a:srgbClr val="489A61"/>
-              </a:solidFill>
-              <a:latin typeface="Cambria" charset="0"/>
-              <a:ea typeface="Cambria" charset="0"/>
-              <a:cs typeface="Cambria" charset="0"/>
-            </a:endParaRPr>
           </a:p>
         </p:txBody>
       </p:sp>
@@ -17907,12 +17856,6 @@
               </a:rPr>
               <a:t>6 days</a:t>
             </a:r>
-            <a:endParaRPr lang="en-US" sz="1000" dirty="0">
-              <a:solidFill>
-                <a:srgbClr val="C0504D"/>
-              </a:solidFill>
-              <a:latin typeface="Calibri" panose="020F0502020204030204" pitchFamily="34" charset="0"/>
-            </a:endParaRPr>
           </a:p>
         </p:txBody>
       </p:sp>
@@ -18106,12 +18049,6 @@
               </a:rPr>
               <a:t>18 days</a:t>
             </a:r>
-            <a:endParaRPr lang="en-US" sz="1000" dirty="0">
-              <a:solidFill>
-                <a:srgbClr val="C0504D"/>
-              </a:solidFill>
-              <a:latin typeface="Calibri" panose="020F0502020204030204" pitchFamily="34" charset="0"/>
-            </a:endParaRPr>
           </a:p>
         </p:txBody>
       </p:sp>
@@ -18305,12 +18242,6 @@
               </a:rPr>
               <a:t>24 days</a:t>
             </a:r>
-            <a:endParaRPr lang="en-US" sz="1000" dirty="0">
-              <a:solidFill>
-                <a:srgbClr val="C0504D"/>
-              </a:solidFill>
-              <a:latin typeface="Calibri" panose="020F0502020204030204" pitchFamily="34" charset="0"/>
-            </a:endParaRPr>
           </a:p>
         </p:txBody>
       </p:sp>
@@ -18504,12 +18435,6 @@
               </a:rPr>
               <a:t>16 days</a:t>
             </a:r>
-            <a:endParaRPr lang="en-US" sz="1000" dirty="0">
-              <a:solidFill>
-                <a:srgbClr val="C0504D"/>
-              </a:solidFill>
-              <a:latin typeface="Calibri" panose="020F0502020204030204" pitchFamily="34" charset="0"/>
-            </a:endParaRPr>
           </a:p>
         </p:txBody>
       </p:sp>
@@ -18703,12 +18628,6 @@
               </a:rPr>
               <a:t>25 days</a:t>
             </a:r>
-            <a:endParaRPr lang="en-US" sz="1000" dirty="0">
-              <a:solidFill>
-                <a:srgbClr val="C0504D"/>
-              </a:solidFill>
-              <a:latin typeface="Calibri" panose="020F0502020204030204" pitchFamily="34" charset="0"/>
-            </a:endParaRPr>
           </a:p>
         </p:txBody>
       </p:sp>
@@ -20596,11 +20515,6 @@
               </a:rPr>
               <a:t>Milestone 6</a:t>
             </a:r>
-            <a:endParaRPr lang="en-US" dirty="0">
-              <a:latin typeface="Cambria" charset="0"/>
-              <a:ea typeface="Cambria" charset="0"/>
-              <a:cs typeface="Cambria" charset="0"/>
-            </a:endParaRPr>
           </a:p>
         </p:txBody>
       </p:sp>
@@ -21350,25 +21264,6 @@
                 <a:cs typeface="Cambria" charset="0"/>
               </a:rPr>
               <a:t>APPROACH:  </a:t>
-            </a:r>
-            <a:r>
-              <a:rPr lang="en-US" dirty="0" smtClean="0">
-                <a:solidFill>
-                  <a:srgbClr val="FF0000"/>
-                </a:solidFill>
-                <a:latin typeface="Cambria" charset="0"/>
-                <a:ea typeface="Cambria" charset="0"/>
-                <a:cs typeface="Cambria" charset="0"/>
-              </a:rPr>
-              <a:t>TOCHECK: IF WITH PROCESS</a:t>
-            </a:r>
-            <a:r>
-              <a:rPr lang="en-US" dirty="0" smtClean="0">
-                <a:latin typeface="Cambria" charset="0"/>
-                <a:ea typeface="Cambria" charset="0"/>
-                <a:cs typeface="Cambria" charset="0"/>
-              </a:rPr>
-              <a:t/>
             </a:r>
             <a:br>
               <a:rPr lang="en-US" dirty="0" smtClean="0">
@@ -21583,11 +21478,6 @@
                         </a:rPr>
                         <a:t>File Sizes </a:t>
                       </a:r>
-                      <a:endParaRPr lang="en-US" sz="2000" b="1" i="0" dirty="0" smtClean="0">
-                        <a:latin typeface="Cambria" charset="0"/>
-                        <a:ea typeface="Cambria" charset="0"/>
-                        <a:cs typeface="Cambria" charset="0"/>
-                      </a:endParaRPr>
                     </a:p>
                     <a:p>
                       <a:pPr algn="ctr"/>
@@ -21608,15 +21498,7 @@
                           <a:ea typeface="Cambria" charset="0"/>
                           <a:cs typeface="Cambria" charset="0"/>
                         </a:rPr>
-                        <a:t>(Initial</a:t>
-                      </a:r>
-                      <a:r>
-                        <a:rPr lang="en-US" sz="2000" b="1" i="0" dirty="0" smtClean="0">
-                          <a:latin typeface="Cambria" charset="0"/>
-                          <a:ea typeface="Cambria" charset="0"/>
-                          <a:cs typeface="Cambria" charset="0"/>
-                        </a:rPr>
-                        <a:t>)</a:t>
+                        <a:t>(Initial)</a:t>
                       </a:r>
                       <a:endParaRPr lang="en-US" sz="2000" b="1" i="0" dirty="0">
                         <a:latin typeface="Cambria" charset="0"/>

--- a/Team1_MentalHealthAnalysis.pptx
+++ b/Team1_MentalHealthAnalysis.pptx
@@ -123,7 +123,16 @@
       </a:defRPr>
     </a:lvl9pPr>
   </p:defaultTextStyle>
+  <p:extLst>
+    <p:ext uri="{EFAFB233-063F-42B5-8137-9DF3F51BA10A}">
+      <p15:sldGuideLst xmlns:p15="http://schemas.microsoft.com/office/powerpoint/2012/main"/>
+    </p:ext>
+  </p:extLst>
 </p:presentation>
+</file>
+
+<file path=ppt/revisionInfo.xml><?xml version="1.0" encoding="utf-8"?>
+<p1510:revInfo xmlns:a="http://schemas.openxmlformats.org/drawingml/2006/main" xmlns:r="http://schemas.openxmlformats.org/officeDocument/2006/relationships" xmlns:p1510="http://schemas.microsoft.com/office/powerpoint/2015/10/main"/>
 </file>
 
 <file path=ppt/notesMasters/notesMaster1.xml><?xml version="1.0" encoding="utf-8"?>
@@ -208,7 +217,7 @@
           <a:p>
             <a:fld id="{3DD01368-8FBB-BC4A-BE92-0D57780A3867}" type="datetimeFigureOut">
               <a:rPr lang="en-US" smtClean="0"/>
-              <a:t>1/11/18</a:t>
+              <a:t>1/13/2018</a:t>
             </a:fld>
             <a:endParaRPr lang="en-US" dirty="0"/>
           </a:p>
@@ -272,38 +281,37 @@
           <a:p>
             <a:pPr lvl="0"/>
             <a:r>
-              <a:rPr lang="en-US" smtClean="0"/>
+              <a:rPr lang="en-US"/>
               <a:t>Click to edit Master text styles</a:t>
             </a:r>
           </a:p>
           <a:p>
             <a:pPr lvl="1"/>
             <a:r>
-              <a:rPr lang="en-US" smtClean="0"/>
+              <a:rPr lang="en-US"/>
               <a:t>Second level</a:t>
             </a:r>
           </a:p>
           <a:p>
             <a:pPr lvl="2"/>
             <a:r>
-              <a:rPr lang="en-US" smtClean="0"/>
+              <a:rPr lang="en-US"/>
               <a:t>Third level</a:t>
             </a:r>
           </a:p>
           <a:p>
             <a:pPr lvl="3"/>
             <a:r>
-              <a:rPr lang="en-US" smtClean="0"/>
+              <a:rPr lang="en-US"/>
               <a:t>Fourth level</a:t>
             </a:r>
           </a:p>
           <a:p>
             <a:pPr lvl="4"/>
             <a:r>
-              <a:rPr lang="en-US" smtClean="0"/>
+              <a:rPr lang="en-US"/>
               <a:t>Fifth level</a:t>
             </a:r>
-            <a:endParaRPr lang="en-US"/>
           </a:p>
         </p:txBody>
       </p:sp>
@@ -614,7 +622,7 @@
               <a:defRPr/>
             </a:pPr>
             <a:r>
-              <a:rPr lang="en-US" sz="1200" dirty="0" smtClean="0">
+              <a:rPr lang="en-US" sz="1200" dirty="0">
                 <a:solidFill>
                   <a:srgbClr val="FF0000"/>
                 </a:solidFill>
@@ -625,7 +633,7 @@
               <a:t>Recession time </a:t>
             </a:r>
             <a:r>
-              <a:rPr lang="mr-IN" sz="1200" dirty="0" smtClean="0">
+              <a:rPr lang="mr-IN" sz="1200" dirty="0">
                 <a:solidFill>
                   <a:srgbClr val="FF0000"/>
                 </a:solidFill>
@@ -636,7 +644,7 @@
               <a:t>–</a:t>
             </a:r>
             <a:r>
-              <a:rPr lang="en-US" sz="1200" dirty="0" smtClean="0">
+              <a:rPr lang="en-US" sz="1200" dirty="0">
                 <a:solidFill>
                   <a:srgbClr val="FF0000"/>
                 </a:solidFill>
@@ -658,7 +666,7 @@
               <a:defRPr/>
             </a:pPr>
             <a:r>
-              <a:rPr lang="en-US" sz="1200" dirty="0" smtClean="0">
+              <a:rPr lang="en-US" sz="1200" dirty="0">
                 <a:solidFill>
                   <a:srgbClr val="FF0000"/>
                 </a:solidFill>
@@ -670,46 +678,46 @@
             </a:r>
           </a:p>
           <a:p>
-            <a:endParaRPr lang="en-US" dirty="0" smtClean="0"/>
-          </a:p>
-          <a:p>
-            <a:r>
-              <a:rPr lang="en-US" dirty="0" smtClean="0"/>
+            <a:endParaRPr lang="en-US" dirty="0"/>
+          </a:p>
+          <a:p>
+            <a:r>
+              <a:rPr lang="en-US" dirty="0"/>
               <a:t>How do you define who</a:t>
             </a:r>
             <a:r>
-              <a:rPr lang="en-US" baseline="0" dirty="0" smtClean="0"/>
+              <a:rPr lang="en-US" baseline="0" dirty="0"/>
               <a:t> is a person with good mental health state vs worse mental health state</a:t>
             </a:r>
           </a:p>
           <a:p>
             <a:r>
-              <a:rPr lang="en-US" baseline="0" dirty="0" smtClean="0"/>
+              <a:rPr lang="en-US" baseline="0" dirty="0"/>
               <a:t>Focussed on questions that related to these factors </a:t>
             </a:r>
             <a:r>
-              <a:rPr lang="mr-IN" baseline="0" dirty="0" smtClean="0"/>
+              <a:rPr lang="mr-IN" baseline="0" dirty="0"/>
               <a:t>–</a:t>
             </a:r>
             <a:r>
-              <a:rPr lang="en-US" baseline="0" dirty="0" smtClean="0"/>
+              <a:rPr lang="en-US" baseline="0" dirty="0"/>
               <a:t> We also had many calcualted variables SAS data that need to be parsed </a:t>
             </a:r>
           </a:p>
           <a:p>
-            <a:endParaRPr lang="en-US" baseline="0" dirty="0" smtClean="0"/>
-          </a:p>
-          <a:p>
-            <a:r>
-              <a:rPr lang="en-US" baseline="0" dirty="0" smtClean="0"/>
+            <a:endParaRPr lang="en-US" baseline="0" dirty="0"/>
+          </a:p>
+          <a:p>
+            <a:r>
+              <a:rPr lang="en-US" baseline="0" dirty="0"/>
               <a:t>CDC goes to great length to look at all kinds of data across many many facyors </a:t>
             </a:r>
             <a:r>
-              <a:rPr lang="mr-IN" baseline="0" dirty="0" smtClean="0"/>
+              <a:rPr lang="mr-IN" baseline="0" dirty="0"/>
               <a:t>–</a:t>
             </a:r>
             <a:r>
-              <a:rPr lang="en-US" baseline="0" dirty="0" smtClean="0"/>
+              <a:rPr lang="en-US" baseline="0" dirty="0"/>
               <a:t> we reserached on scientific papers that shares factors that historically seeem to affect mental health state more and ensure to use questions that relate to those factors to pull in data </a:t>
             </a:r>
             <a:endParaRPr lang="en-US" dirty="0"/>
@@ -806,7 +814,7 @@
               <a:defRPr/>
             </a:pPr>
             <a:r>
-              <a:rPr lang="en-US" sz="1200" dirty="0" smtClean="0">
+              <a:rPr lang="en-US" sz="1200" dirty="0">
                 <a:solidFill>
                   <a:srgbClr val="FF0000"/>
                 </a:solidFill>
@@ -827,7 +835,7 @@
               <a:buNone/>
               <a:defRPr/>
             </a:pPr>
-            <a:endParaRPr lang="en-US" sz="1200" dirty="0" smtClean="0">
+            <a:endParaRPr lang="en-US" sz="1200" dirty="0">
               <a:solidFill>
                 <a:srgbClr val="FF0000"/>
               </a:solidFill>
@@ -846,7 +854,7 @@
               <a:buNone/>
               <a:defRPr/>
             </a:pPr>
-            <a:endParaRPr lang="en-US" sz="1200" dirty="0" smtClean="0">
+            <a:endParaRPr lang="en-US" sz="1200" dirty="0">
               <a:solidFill>
                 <a:srgbClr val="FF0000"/>
               </a:solidFill>
@@ -866,7 +874,7 @@
               <a:defRPr/>
             </a:pPr>
             <a:r>
-              <a:rPr lang="en-US" sz="1200" dirty="0" smtClean="0">
+              <a:rPr lang="en-US" sz="1200" dirty="0">
                 <a:solidFill>
                   <a:srgbClr val="FF0000"/>
                 </a:solidFill>
@@ -877,7 +885,7 @@
               <a:t>Recession time </a:t>
             </a:r>
             <a:r>
-              <a:rPr lang="mr-IN" sz="1200" dirty="0" smtClean="0">
+              <a:rPr lang="mr-IN" sz="1200" dirty="0">
                 <a:solidFill>
                   <a:srgbClr val="FF0000"/>
                 </a:solidFill>
@@ -888,7 +896,7 @@
               <a:t>–</a:t>
             </a:r>
             <a:r>
-              <a:rPr lang="en-US" sz="1200" dirty="0" smtClean="0">
+              <a:rPr lang="en-US" sz="1200" dirty="0">
                 <a:solidFill>
                   <a:srgbClr val="FF0000"/>
                 </a:solidFill>
@@ -910,7 +918,7 @@
               <a:defRPr/>
             </a:pPr>
             <a:r>
-              <a:rPr lang="en-US" sz="1200" dirty="0" smtClean="0">
+              <a:rPr lang="en-US" sz="1200" dirty="0">
                 <a:solidFill>
                   <a:srgbClr val="FF0000"/>
                 </a:solidFill>
@@ -922,46 +930,46 @@
             </a:r>
           </a:p>
           <a:p>
-            <a:endParaRPr lang="en-US" dirty="0" smtClean="0"/>
-          </a:p>
-          <a:p>
-            <a:r>
-              <a:rPr lang="en-US" dirty="0" smtClean="0"/>
+            <a:endParaRPr lang="en-US" dirty="0"/>
+          </a:p>
+          <a:p>
+            <a:r>
+              <a:rPr lang="en-US" dirty="0"/>
               <a:t>How do you define who</a:t>
             </a:r>
             <a:r>
-              <a:rPr lang="en-US" baseline="0" dirty="0" smtClean="0"/>
+              <a:rPr lang="en-US" baseline="0" dirty="0"/>
               <a:t> is a person with good mental health state vs worse mental health state</a:t>
             </a:r>
           </a:p>
           <a:p>
             <a:r>
-              <a:rPr lang="en-US" baseline="0" dirty="0" smtClean="0"/>
+              <a:rPr lang="en-US" baseline="0" dirty="0"/>
               <a:t>Focussed on questions that related to these factors </a:t>
             </a:r>
             <a:r>
-              <a:rPr lang="mr-IN" baseline="0" dirty="0" smtClean="0"/>
+              <a:rPr lang="mr-IN" baseline="0" dirty="0"/>
               <a:t>–</a:t>
             </a:r>
             <a:r>
-              <a:rPr lang="en-US" baseline="0" dirty="0" smtClean="0"/>
+              <a:rPr lang="en-US" baseline="0" dirty="0"/>
               <a:t> We also had many calcualted variables SAS data that need to be parsed </a:t>
             </a:r>
           </a:p>
           <a:p>
-            <a:endParaRPr lang="en-US" baseline="0" dirty="0" smtClean="0"/>
-          </a:p>
-          <a:p>
-            <a:r>
-              <a:rPr lang="en-US" baseline="0" dirty="0" smtClean="0"/>
+            <a:endParaRPr lang="en-US" baseline="0" dirty="0"/>
+          </a:p>
+          <a:p>
+            <a:r>
+              <a:rPr lang="en-US" baseline="0" dirty="0"/>
               <a:t>CDC goes to great length to look at all kinds of data across many many facyors </a:t>
             </a:r>
             <a:r>
-              <a:rPr lang="mr-IN" baseline="0" dirty="0" smtClean="0"/>
+              <a:rPr lang="mr-IN" baseline="0" dirty="0"/>
               <a:t>–</a:t>
             </a:r>
             <a:r>
-              <a:rPr lang="en-US" baseline="0" dirty="0" smtClean="0"/>
+              <a:rPr lang="en-US" baseline="0" dirty="0"/>
               <a:t> we reserached on scientific papers that shares factors that historically seeem to affect mental health state more and ensure to use questions that relate to those factors to pull in data </a:t>
             </a:r>
             <a:endParaRPr lang="en-US" dirty="0"/>
@@ -1058,7 +1066,7 @@
               <a:defRPr/>
             </a:pPr>
             <a:r>
-              <a:rPr lang="en-US" sz="1200" dirty="0" smtClean="0">
+              <a:rPr lang="en-US" sz="1200" dirty="0">
                 <a:solidFill>
                   <a:srgbClr val="FF0000"/>
                 </a:solidFill>
@@ -1079,7 +1087,7 @@
               <a:buNone/>
               <a:defRPr/>
             </a:pPr>
-            <a:endParaRPr lang="en-US" sz="1200" dirty="0" smtClean="0">
+            <a:endParaRPr lang="en-US" sz="1200" dirty="0">
               <a:solidFill>
                 <a:srgbClr val="FF0000"/>
               </a:solidFill>
@@ -1098,7 +1106,7 @@
               <a:buNone/>
               <a:defRPr/>
             </a:pPr>
-            <a:endParaRPr lang="en-US" sz="1200" dirty="0" smtClean="0">
+            <a:endParaRPr lang="en-US" sz="1200" dirty="0">
               <a:solidFill>
                 <a:srgbClr val="FF0000"/>
               </a:solidFill>
@@ -1118,7 +1126,7 @@
               <a:defRPr/>
             </a:pPr>
             <a:r>
-              <a:rPr lang="en-US" sz="1200" dirty="0" smtClean="0">
+              <a:rPr lang="en-US" sz="1200" dirty="0">
                 <a:solidFill>
                   <a:srgbClr val="FF0000"/>
                 </a:solidFill>
@@ -1129,7 +1137,7 @@
               <a:t>Recession time </a:t>
             </a:r>
             <a:r>
-              <a:rPr lang="mr-IN" sz="1200" dirty="0" smtClean="0">
+              <a:rPr lang="mr-IN" sz="1200" dirty="0">
                 <a:solidFill>
                   <a:srgbClr val="FF0000"/>
                 </a:solidFill>
@@ -1140,7 +1148,7 @@
               <a:t>–</a:t>
             </a:r>
             <a:r>
-              <a:rPr lang="en-US" sz="1200" dirty="0" smtClean="0">
+              <a:rPr lang="en-US" sz="1200" dirty="0">
                 <a:solidFill>
                   <a:srgbClr val="FF0000"/>
                 </a:solidFill>
@@ -1162,7 +1170,7 @@
               <a:defRPr/>
             </a:pPr>
             <a:r>
-              <a:rPr lang="en-US" sz="1200" dirty="0" smtClean="0">
+              <a:rPr lang="en-US" sz="1200" dirty="0">
                 <a:solidFill>
                   <a:srgbClr val="FF0000"/>
                 </a:solidFill>
@@ -1174,46 +1182,46 @@
             </a:r>
           </a:p>
           <a:p>
-            <a:endParaRPr lang="en-US" dirty="0" smtClean="0"/>
-          </a:p>
-          <a:p>
-            <a:r>
-              <a:rPr lang="en-US" dirty="0" smtClean="0"/>
+            <a:endParaRPr lang="en-US" dirty="0"/>
+          </a:p>
+          <a:p>
+            <a:r>
+              <a:rPr lang="en-US" dirty="0"/>
               <a:t>How do you define who</a:t>
             </a:r>
             <a:r>
-              <a:rPr lang="en-US" baseline="0" dirty="0" smtClean="0"/>
+              <a:rPr lang="en-US" baseline="0" dirty="0"/>
               <a:t> is a person with good mental health state vs worse mental health state</a:t>
             </a:r>
           </a:p>
           <a:p>
             <a:r>
-              <a:rPr lang="en-US" baseline="0" dirty="0" smtClean="0"/>
+              <a:rPr lang="en-US" baseline="0" dirty="0"/>
               <a:t>Focussed on questions that related to these factors </a:t>
             </a:r>
             <a:r>
-              <a:rPr lang="mr-IN" baseline="0" dirty="0" smtClean="0"/>
+              <a:rPr lang="mr-IN" baseline="0" dirty="0"/>
               <a:t>–</a:t>
             </a:r>
             <a:r>
-              <a:rPr lang="en-US" baseline="0" dirty="0" smtClean="0"/>
+              <a:rPr lang="en-US" baseline="0" dirty="0"/>
               <a:t> We also had many calcualted variables SAS data that need to be parsed </a:t>
             </a:r>
           </a:p>
           <a:p>
-            <a:endParaRPr lang="en-US" baseline="0" dirty="0" smtClean="0"/>
-          </a:p>
-          <a:p>
-            <a:r>
-              <a:rPr lang="en-US" baseline="0" dirty="0" smtClean="0"/>
+            <a:endParaRPr lang="en-US" baseline="0" dirty="0"/>
+          </a:p>
+          <a:p>
+            <a:r>
+              <a:rPr lang="en-US" baseline="0" dirty="0"/>
               <a:t>CDC goes to great length to look at all kinds of data across many many facyors </a:t>
             </a:r>
             <a:r>
-              <a:rPr lang="mr-IN" baseline="0" dirty="0" smtClean="0"/>
+              <a:rPr lang="mr-IN" baseline="0" dirty="0"/>
               <a:t>–</a:t>
             </a:r>
             <a:r>
-              <a:rPr lang="en-US" baseline="0" dirty="0" smtClean="0"/>
+              <a:rPr lang="en-US" baseline="0" dirty="0"/>
               <a:t> we reserached on scientific papers that shares factors that historically seeem to affect mental health state more and ensure to use questions that relate to those factors to pull in data </a:t>
             </a:r>
             <a:endParaRPr lang="en-US" dirty="0"/>
@@ -1301,42 +1309,42 @@
           <a:lstStyle/>
           <a:p>
             <a:r>
-              <a:rPr lang="en-US" dirty="0" smtClean="0"/>
+              <a:rPr lang="en-US" dirty="0"/>
               <a:t>How do you define who</a:t>
             </a:r>
             <a:r>
-              <a:rPr lang="en-US" baseline="0" dirty="0" smtClean="0"/>
+              <a:rPr lang="en-US" baseline="0" dirty="0"/>
               <a:t> is a person with good mental health state vs worse mental health state</a:t>
             </a:r>
           </a:p>
           <a:p>
             <a:r>
-              <a:rPr lang="en-US" baseline="0" dirty="0" smtClean="0"/>
+              <a:rPr lang="en-US" baseline="0" dirty="0"/>
               <a:t>Focussed on questions that related to these factors </a:t>
             </a:r>
             <a:r>
-              <a:rPr lang="mr-IN" baseline="0" dirty="0" smtClean="0"/>
+              <a:rPr lang="mr-IN" baseline="0" dirty="0"/>
               <a:t>–</a:t>
             </a:r>
             <a:r>
-              <a:rPr lang="en-US" baseline="0" dirty="0" smtClean="0"/>
+              <a:rPr lang="en-US" baseline="0" dirty="0"/>
               <a:t> We also had many calcualted variables SAS data that need to be parsed </a:t>
             </a:r>
           </a:p>
           <a:p>
-            <a:endParaRPr lang="en-US" baseline="0" dirty="0" smtClean="0"/>
-          </a:p>
-          <a:p>
-            <a:r>
-              <a:rPr lang="en-US" baseline="0" dirty="0" smtClean="0"/>
+            <a:endParaRPr lang="en-US" baseline="0" dirty="0"/>
+          </a:p>
+          <a:p>
+            <a:r>
+              <a:rPr lang="en-US" baseline="0" dirty="0"/>
               <a:t>CDC goes to great length to look at all kinds of data across many many facyors </a:t>
             </a:r>
             <a:r>
-              <a:rPr lang="mr-IN" baseline="0" dirty="0" smtClean="0"/>
+              <a:rPr lang="mr-IN" baseline="0" dirty="0"/>
               <a:t>–</a:t>
             </a:r>
             <a:r>
-              <a:rPr lang="en-US" baseline="0" dirty="0" smtClean="0"/>
+              <a:rPr lang="en-US" baseline="0" dirty="0"/>
               <a:t> we reserached on scientific papers that shares factors that historically seeem to affect mental health state more and ensure to use questions that relate to those factors to pull in data </a:t>
             </a:r>
             <a:endParaRPr lang="en-US" dirty="0"/>
@@ -1424,42 +1432,42 @@
           <a:lstStyle/>
           <a:p>
             <a:r>
-              <a:rPr lang="en-US" dirty="0" smtClean="0"/>
+              <a:rPr lang="en-US" dirty="0"/>
               <a:t>How do you define who</a:t>
             </a:r>
             <a:r>
-              <a:rPr lang="en-US" baseline="0" dirty="0" smtClean="0"/>
+              <a:rPr lang="en-US" baseline="0" dirty="0"/>
               <a:t> is a person with good mental health state vs worse mental health state</a:t>
             </a:r>
           </a:p>
           <a:p>
             <a:r>
-              <a:rPr lang="en-US" baseline="0" dirty="0" smtClean="0"/>
+              <a:rPr lang="en-US" baseline="0" dirty="0"/>
               <a:t>Focussed on questions that related to these factors </a:t>
             </a:r>
             <a:r>
-              <a:rPr lang="mr-IN" baseline="0" dirty="0" smtClean="0"/>
+              <a:rPr lang="mr-IN" baseline="0" dirty="0"/>
               <a:t>–</a:t>
             </a:r>
             <a:r>
-              <a:rPr lang="en-US" baseline="0" dirty="0" smtClean="0"/>
+              <a:rPr lang="en-US" baseline="0" dirty="0"/>
               <a:t> We also had many calcualted variables SAS data that need to be parsed </a:t>
             </a:r>
           </a:p>
           <a:p>
-            <a:endParaRPr lang="en-US" baseline="0" dirty="0" smtClean="0"/>
-          </a:p>
-          <a:p>
-            <a:r>
-              <a:rPr lang="en-US" baseline="0" dirty="0" smtClean="0"/>
+            <a:endParaRPr lang="en-US" baseline="0" dirty="0"/>
+          </a:p>
+          <a:p>
+            <a:r>
+              <a:rPr lang="en-US" baseline="0" dirty="0"/>
               <a:t>CDC goes to great length to look at all kinds of data across many many facyors </a:t>
             </a:r>
             <a:r>
-              <a:rPr lang="mr-IN" baseline="0" dirty="0" smtClean="0"/>
+              <a:rPr lang="mr-IN" baseline="0" dirty="0"/>
               <a:t>–</a:t>
             </a:r>
             <a:r>
-              <a:rPr lang="en-US" baseline="0" dirty="0" smtClean="0"/>
+              <a:rPr lang="en-US" baseline="0" dirty="0"/>
               <a:t> we reserached on scientific papers that shares factors that historically seeem to affect mental health state more and ensure to use questions that relate to those factors to pull in data </a:t>
             </a:r>
             <a:endParaRPr lang="en-US" dirty="0"/>
@@ -1547,56 +1555,56 @@
           <a:lstStyle/>
           <a:p>
             <a:r>
-              <a:rPr lang="en-US" dirty="0" smtClean="0">
+              <a:rPr lang="en-US" dirty="0">
                 <a:latin typeface="Cambria" charset="0"/>
                 <a:ea typeface="Cambria" charset="0"/>
                 <a:cs typeface="Cambria" charset="0"/>
               </a:rPr>
               <a:t>FACTS BEHIND THE FIGURES </a:t>
             </a:r>
-            <a:endParaRPr lang="en-US" dirty="0" smtClean="0"/>
-          </a:p>
-          <a:p>
-            <a:endParaRPr lang="en-US" dirty="0" smtClean="0"/>
-          </a:p>
-          <a:p>
-            <a:r>
-              <a:rPr lang="en-US" dirty="0" smtClean="0"/>
+            <a:endParaRPr lang="en-US" dirty="0"/>
+          </a:p>
+          <a:p>
+            <a:endParaRPr lang="en-US" dirty="0"/>
+          </a:p>
+          <a:p>
+            <a:r>
+              <a:rPr lang="en-US" dirty="0"/>
               <a:t>How do you define who</a:t>
             </a:r>
             <a:r>
-              <a:rPr lang="en-US" baseline="0" dirty="0" smtClean="0"/>
+              <a:rPr lang="en-US" baseline="0" dirty="0"/>
               <a:t> is a person with good mental health state vs worse mental health state</a:t>
             </a:r>
           </a:p>
           <a:p>
             <a:r>
-              <a:rPr lang="en-US" baseline="0" dirty="0" smtClean="0"/>
+              <a:rPr lang="en-US" baseline="0" dirty="0"/>
               <a:t>Focussed on questions that related to these factors </a:t>
             </a:r>
             <a:r>
-              <a:rPr lang="mr-IN" baseline="0" dirty="0" smtClean="0"/>
+              <a:rPr lang="mr-IN" baseline="0" dirty="0"/>
               <a:t>–</a:t>
             </a:r>
             <a:r>
-              <a:rPr lang="en-US" baseline="0" dirty="0" smtClean="0"/>
+              <a:rPr lang="en-US" baseline="0" dirty="0"/>
               <a:t> We also had many calcualted variables SAS data that need to be parsed </a:t>
             </a:r>
           </a:p>
           <a:p>
-            <a:endParaRPr lang="en-US" baseline="0" dirty="0" smtClean="0"/>
-          </a:p>
-          <a:p>
-            <a:r>
-              <a:rPr lang="en-US" baseline="0" dirty="0" smtClean="0"/>
+            <a:endParaRPr lang="en-US" baseline="0" dirty="0"/>
+          </a:p>
+          <a:p>
+            <a:r>
+              <a:rPr lang="en-US" baseline="0" dirty="0"/>
               <a:t>CDC goes to great length to look at all kinds of data across many many facyors </a:t>
             </a:r>
             <a:r>
-              <a:rPr lang="mr-IN" baseline="0" dirty="0" smtClean="0"/>
+              <a:rPr lang="mr-IN" baseline="0" dirty="0"/>
               <a:t>–</a:t>
             </a:r>
             <a:r>
-              <a:rPr lang="en-US" baseline="0" dirty="0" smtClean="0"/>
+              <a:rPr lang="en-US" baseline="0" dirty="0"/>
               <a:t> we reserached on scientific papers that shares factors that historically seeem to affect mental health state more and ensure to use questions that relate to those factors to pull in data </a:t>
             </a:r>
             <a:endParaRPr lang="en-US" dirty="0"/>
@@ -1684,42 +1692,42 @@
           <a:lstStyle/>
           <a:p>
             <a:r>
-              <a:rPr lang="en-US" dirty="0" smtClean="0"/>
+              <a:rPr lang="en-US" dirty="0"/>
               <a:t>How do you define who</a:t>
             </a:r>
             <a:r>
-              <a:rPr lang="en-US" baseline="0" dirty="0" smtClean="0"/>
+              <a:rPr lang="en-US" baseline="0" dirty="0"/>
               <a:t> is a person with good mental health state vs worse mental health state</a:t>
             </a:r>
           </a:p>
           <a:p>
             <a:r>
-              <a:rPr lang="en-US" baseline="0" dirty="0" smtClean="0"/>
+              <a:rPr lang="en-US" baseline="0" dirty="0"/>
               <a:t>Focussed on questions that related to these factors </a:t>
             </a:r>
             <a:r>
-              <a:rPr lang="mr-IN" baseline="0" dirty="0" smtClean="0"/>
+              <a:rPr lang="mr-IN" baseline="0" dirty="0"/>
               <a:t>–</a:t>
             </a:r>
             <a:r>
-              <a:rPr lang="en-US" baseline="0" dirty="0" smtClean="0"/>
+              <a:rPr lang="en-US" baseline="0" dirty="0"/>
               <a:t> We also had many calcualted variables SAS data that need to be parsed </a:t>
             </a:r>
           </a:p>
           <a:p>
-            <a:endParaRPr lang="en-US" baseline="0" dirty="0" smtClean="0"/>
-          </a:p>
-          <a:p>
-            <a:r>
-              <a:rPr lang="en-US" baseline="0" dirty="0" smtClean="0"/>
+            <a:endParaRPr lang="en-US" baseline="0" dirty="0"/>
+          </a:p>
+          <a:p>
+            <a:r>
+              <a:rPr lang="en-US" baseline="0" dirty="0"/>
               <a:t>CDC goes to great length to look at all kinds of data across many many facyors </a:t>
             </a:r>
             <a:r>
-              <a:rPr lang="mr-IN" baseline="0" dirty="0" smtClean="0"/>
+              <a:rPr lang="mr-IN" baseline="0" dirty="0"/>
               <a:t>–</a:t>
             </a:r>
             <a:r>
-              <a:rPr lang="en-US" baseline="0" dirty="0" smtClean="0"/>
+              <a:rPr lang="en-US" baseline="0" dirty="0"/>
               <a:t> we reserached on scientific papers that shares factors that historically seeem to affect mental health state more and ensure to use questions that relate to those factors to pull in data </a:t>
             </a:r>
             <a:endParaRPr lang="en-US" dirty="0"/>
@@ -1807,36 +1815,36 @@
           <a:lstStyle/>
           <a:p>
             <a:r>
-              <a:rPr lang="en-US" dirty="0" smtClean="0"/>
+              <a:rPr lang="en-US" dirty="0"/>
               <a:t>Talk about benefits of this research later</a:t>
             </a:r>
             <a:r>
-              <a:rPr lang="en-US" baseline="0" dirty="0" smtClean="0"/>
+              <a:rPr lang="en-US" baseline="0" dirty="0"/>
               <a:t> on </a:t>
             </a:r>
             <a:r>
-              <a:rPr lang="mr-IN" baseline="0" dirty="0" smtClean="0"/>
+              <a:rPr lang="mr-IN" baseline="0" dirty="0"/>
               <a:t>–</a:t>
             </a:r>
             <a:r>
-              <a:rPr lang="en-US" baseline="0" dirty="0" smtClean="0"/>
+              <a:rPr lang="en-US" baseline="0" dirty="0"/>
               <a:t> just keep this in mind while we focus on the rest </a:t>
             </a:r>
             <a:r>
-              <a:rPr lang="en-US" dirty="0" smtClean="0"/>
+              <a:rPr lang="en-US" dirty="0"/>
               <a:t>Helpful in targeting campaigns </a:t>
             </a:r>
           </a:p>
           <a:p>
-            <a:endParaRPr lang="en-US" dirty="0" smtClean="0"/>
-          </a:p>
-          <a:p>
-            <a:r>
-              <a:rPr lang="en-US" dirty="0" smtClean="0"/>
+            <a:endParaRPr lang="en-US" dirty="0"/>
+          </a:p>
+          <a:p>
+            <a:r>
+              <a:rPr lang="en-US" dirty="0"/>
               <a:t>You can do across any state based on what can</a:t>
             </a:r>
             <a:r>
-              <a:rPr lang="en-US" baseline="0" dirty="0" smtClean="0"/>
+              <a:rPr lang="en-US" baseline="0" dirty="0"/>
               <a:t> be done </a:t>
             </a:r>
             <a:endParaRPr lang="en-US" dirty="0"/>
@@ -1924,54 +1932,54 @@
           <a:lstStyle/>
           <a:p>
             <a:r>
-              <a:rPr lang="en-US" dirty="0" smtClean="0"/>
+              <a:rPr lang="en-US" dirty="0"/>
               <a:t>How do you define who</a:t>
             </a:r>
             <a:r>
-              <a:rPr lang="en-US" baseline="0" dirty="0" smtClean="0"/>
+              <a:rPr lang="en-US" baseline="0" dirty="0"/>
               <a:t> is a person with good mental health state vs worse mental health state</a:t>
             </a:r>
           </a:p>
           <a:p>
             <a:r>
-              <a:rPr lang="en-US" baseline="0" dirty="0" smtClean="0"/>
+              <a:rPr lang="en-US" baseline="0" dirty="0"/>
               <a:t>Focussed on questions that related to these factors </a:t>
             </a:r>
             <a:r>
-              <a:rPr lang="mr-IN" baseline="0" dirty="0" smtClean="0"/>
+              <a:rPr lang="mr-IN" baseline="0" dirty="0"/>
               <a:t>–</a:t>
             </a:r>
             <a:r>
-              <a:rPr lang="en-US" baseline="0" dirty="0" smtClean="0"/>
+              <a:rPr lang="en-US" baseline="0" dirty="0"/>
               <a:t> We also had many calcualted variables SAS data that need to be parsed </a:t>
             </a:r>
           </a:p>
           <a:p>
-            <a:endParaRPr lang="en-US" baseline="0" dirty="0" smtClean="0"/>
-          </a:p>
-          <a:p>
-            <a:r>
-              <a:rPr lang="en-US" baseline="0" dirty="0" smtClean="0"/>
+            <a:endParaRPr lang="en-US" baseline="0" dirty="0"/>
+          </a:p>
+          <a:p>
+            <a:r>
+              <a:rPr lang="en-US" baseline="0" dirty="0"/>
               <a:t>Talk briefly about leaflet libraries that allows to put Choropleth Maps of US with data info</a:t>
             </a:r>
           </a:p>
           <a:p>
-            <a:endParaRPr lang="en-US" baseline="0" dirty="0" smtClean="0"/>
-          </a:p>
-          <a:p>
-            <a:r>
-              <a:rPr lang="en-US" baseline="0" dirty="0" smtClean="0"/>
+            <a:endParaRPr lang="en-US" baseline="0" dirty="0"/>
+          </a:p>
+          <a:p>
+            <a:r>
+              <a:rPr lang="en-US" baseline="0" dirty="0"/>
               <a:t>CDC goes to great length to look at all kinds of data across many many facyors </a:t>
             </a:r>
             <a:r>
-              <a:rPr lang="mr-IN" baseline="0" dirty="0" smtClean="0"/>
+              <a:rPr lang="mr-IN" baseline="0" dirty="0"/>
               <a:t>–</a:t>
             </a:r>
             <a:r>
-              <a:rPr lang="en-US" baseline="0" dirty="0" smtClean="0"/>
+              <a:rPr lang="en-US" baseline="0" dirty="0"/>
               <a:t> we researched on scientific papers that shares factors that historically seem to affect mental health state more and ensure to use questions that relate to those factors to pull in data </a:t>
             </a:r>
-            <a:endParaRPr lang="en-US" dirty="0" smtClean="0"/>
+            <a:endParaRPr lang="en-US" dirty="0"/>
           </a:p>
           <a:p>
             <a:endParaRPr lang="en-US" dirty="0"/>
@@ -2059,20 +2067,20 @@
           <a:lstStyle/>
           <a:p>
             <a:r>
-              <a:rPr lang="en-US" dirty="0" smtClean="0"/>
+              <a:rPr lang="en-US" dirty="0"/>
               <a:t>The average records yearly is 467,841</a:t>
             </a:r>
           </a:p>
           <a:p>
-            <a:endParaRPr lang="en-US" dirty="0" smtClean="0"/>
-          </a:p>
-          <a:p>
-            <a:r>
-              <a:rPr lang="en-US" dirty="0" smtClean="0"/>
+            <a:endParaRPr lang="en-US" dirty="0"/>
+          </a:p>
+          <a:p>
+            <a:r>
+              <a:rPr lang="en-US" dirty="0"/>
               <a:t>CDC is a </a:t>
             </a:r>
             <a:r>
-              <a:rPr lang="en-US" sz="1200" b="0" i="0" kern="1200" dirty="0" smtClean="0">
+              <a:rPr lang="en-US" sz="1200" b="0" i="0" kern="1200" dirty="0">
                 <a:solidFill>
                   <a:schemeClr val="tx1"/>
                 </a:solidFill>
@@ -2085,7 +2093,7 @@
             </a:r>
           </a:p>
           <a:p>
-            <a:endParaRPr lang="en-US" sz="1200" b="0" i="0" kern="1200" dirty="0" smtClean="0">
+            <a:endParaRPr lang="en-US" sz="1200" b="0" i="0" kern="1200" dirty="0">
               <a:solidFill>
                 <a:schemeClr val="tx1"/>
               </a:solidFill>
@@ -2097,27 +2105,27 @@
           </a:p>
           <a:p>
             <a:r>
-              <a:rPr lang="en-US" dirty="0" smtClean="0"/>
+              <a:rPr lang="en-US" dirty="0"/>
               <a:t>Constraint </a:t>
             </a:r>
             <a:r>
-              <a:rPr lang="mr-IN" dirty="0" smtClean="0"/>
+              <a:rPr lang="mr-IN" dirty="0"/>
               <a:t>–</a:t>
             </a:r>
             <a:r>
-              <a:rPr lang="en-US" dirty="0" smtClean="0"/>
+              <a:rPr lang="en-US" dirty="0"/>
               <a:t> take any data with a pinch of salt</a:t>
             </a:r>
             <a:r>
-              <a:rPr lang="en-US" baseline="0" dirty="0" smtClean="0"/>
+              <a:rPr lang="en-US" baseline="0" dirty="0"/>
               <a:t> when reviewing it </a:t>
             </a:r>
             <a:r>
-              <a:rPr lang="mr-IN" baseline="0" dirty="0" smtClean="0"/>
+              <a:rPr lang="mr-IN" baseline="0" dirty="0"/>
               <a:t>–</a:t>
             </a:r>
             <a:r>
-              <a:rPr lang="en-US" baseline="0" dirty="0" smtClean="0"/>
+              <a:rPr lang="en-US" baseline="0" dirty="0"/>
               <a:t> caveats to be aware off </a:t>
             </a:r>
           </a:p>
@@ -2140,55 +2148,54 @@
               <a:defRPr/>
             </a:pPr>
             <a:r>
-              <a:rPr lang="en-US" baseline="0" dirty="0" smtClean="0"/>
+              <a:rPr lang="en-US" baseline="0" dirty="0"/>
               <a:t>CDC goes to great length to look at all kinds of data across many many facyors </a:t>
             </a:r>
             <a:r>
-              <a:rPr lang="mr-IN" baseline="0" dirty="0" smtClean="0"/>
+              <a:rPr lang="mr-IN" baseline="0" dirty="0"/>
               <a:t>–</a:t>
             </a:r>
             <a:r>
-              <a:rPr lang="en-US" baseline="0" dirty="0" smtClean="0"/>
+              <a:rPr lang="en-US" baseline="0" dirty="0"/>
               <a:t> we researched on scientific papers that shares factors that historically seem to affect mental health state more and ensure to use questions that relate to those factors to pull in data </a:t>
             </a:r>
-            <a:endParaRPr lang="en-US" dirty="0" smtClean="0"/>
-          </a:p>
-          <a:p>
-            <a:endParaRPr lang="en-US" baseline="0" dirty="0" smtClean="0"/>
-          </a:p>
-          <a:p>
-            <a:endParaRPr lang="en-US" dirty="0" smtClean="0"/>
-          </a:p>
-          <a:p>
-            <a:r>
-              <a:rPr lang="en-US" dirty="0" smtClean="0"/>
+            <a:endParaRPr lang="en-US" dirty="0"/>
+          </a:p>
+          <a:p>
+            <a:endParaRPr lang="en-US" baseline="0" dirty="0"/>
+          </a:p>
+          <a:p>
+            <a:endParaRPr lang="en-US" dirty="0"/>
+          </a:p>
+          <a:p>
+            <a:r>
+              <a:rPr lang="en-US" dirty="0"/>
               <a:t>Talk about benefits of this research later</a:t>
             </a:r>
             <a:r>
-              <a:rPr lang="en-US" baseline="0" dirty="0" smtClean="0"/>
+              <a:rPr lang="en-US" baseline="0" dirty="0"/>
               <a:t> on </a:t>
             </a:r>
             <a:r>
-              <a:rPr lang="mr-IN" baseline="0" dirty="0" smtClean="0"/>
+              <a:rPr lang="mr-IN" baseline="0" dirty="0"/>
               <a:t>–</a:t>
             </a:r>
             <a:r>
-              <a:rPr lang="en-US" baseline="0" dirty="0" smtClean="0"/>
+              <a:rPr lang="en-US" baseline="0" dirty="0"/>
               <a:t> just keep this in mind while we focus on the rest </a:t>
             </a:r>
             <a:r>
-              <a:rPr lang="mr-IN" baseline="0" dirty="0" smtClean="0"/>
+              <a:rPr lang="mr-IN" baseline="0" dirty="0"/>
               <a:t>–</a:t>
             </a:r>
             <a:r>
-              <a:rPr lang="en-US" baseline="0" dirty="0" smtClean="0"/>
+              <a:rPr lang="en-US" baseline="0" dirty="0"/>
               <a:t> at the end talk about benefits and how this can be sued at end </a:t>
             </a:r>
             <a:r>
-              <a:rPr lang="en-US" dirty="0" smtClean="0"/>
+              <a:rPr lang="en-US" dirty="0"/>
               <a:t>Helpful in targeting campaigns </a:t>
             </a:r>
-            <a:endParaRPr lang="en-US" dirty="0"/>
           </a:p>
         </p:txBody>
       </p:sp>
@@ -2273,42 +2280,42 @@
           <a:lstStyle/>
           <a:p>
             <a:r>
-              <a:rPr lang="en-US" dirty="0" smtClean="0"/>
+              <a:rPr lang="en-US" dirty="0"/>
               <a:t>How do you define who</a:t>
             </a:r>
             <a:r>
-              <a:rPr lang="en-US" baseline="0" dirty="0" smtClean="0"/>
+              <a:rPr lang="en-US" baseline="0" dirty="0"/>
               <a:t> is a person with good mental health state vs worse mental health state</a:t>
             </a:r>
           </a:p>
           <a:p>
             <a:r>
-              <a:rPr lang="en-US" baseline="0" dirty="0" smtClean="0"/>
+              <a:rPr lang="en-US" baseline="0" dirty="0"/>
               <a:t>Focussed on questions that related to these factors </a:t>
             </a:r>
             <a:r>
-              <a:rPr lang="mr-IN" baseline="0" dirty="0" smtClean="0"/>
+              <a:rPr lang="mr-IN" baseline="0" dirty="0"/>
               <a:t>–</a:t>
             </a:r>
             <a:r>
-              <a:rPr lang="en-US" baseline="0" dirty="0" smtClean="0"/>
+              <a:rPr lang="en-US" baseline="0" dirty="0"/>
               <a:t> We also had many calcualted variables SAS data that need to be parsed </a:t>
             </a:r>
           </a:p>
           <a:p>
-            <a:endParaRPr lang="en-US" baseline="0" dirty="0" smtClean="0"/>
-          </a:p>
-          <a:p>
-            <a:r>
-              <a:rPr lang="en-US" baseline="0" dirty="0" smtClean="0"/>
+            <a:endParaRPr lang="en-US" baseline="0" dirty="0"/>
+          </a:p>
+          <a:p>
+            <a:r>
+              <a:rPr lang="en-US" baseline="0" dirty="0"/>
               <a:t>CDC goes to great length to look at all kinds of data across many many facyors </a:t>
             </a:r>
             <a:r>
-              <a:rPr lang="mr-IN" baseline="0" dirty="0" smtClean="0"/>
+              <a:rPr lang="mr-IN" baseline="0" dirty="0"/>
               <a:t>–</a:t>
             </a:r>
             <a:r>
-              <a:rPr lang="en-US" baseline="0" dirty="0" smtClean="0"/>
+              <a:rPr lang="en-US" baseline="0" dirty="0"/>
               <a:t> we researched on scientific papers that shares factors that historically seem to affect mental health state more and ensure to use questions that relate to those factors to pull in data </a:t>
             </a:r>
             <a:endParaRPr lang="en-US" dirty="0"/>
@@ -2396,38 +2403,38 @@
           <a:lstStyle/>
           <a:p>
             <a:r>
-              <a:rPr lang="en-US" dirty="0" smtClean="0"/>
+              <a:rPr lang="en-US" dirty="0"/>
               <a:t>How do you define who</a:t>
             </a:r>
             <a:r>
-              <a:rPr lang="en-US" baseline="0" dirty="0" smtClean="0"/>
+              <a:rPr lang="en-US" baseline="0" dirty="0"/>
               <a:t> is a person with good mental health state vs worse mental health state</a:t>
             </a:r>
           </a:p>
           <a:p>
             <a:r>
-              <a:rPr lang="en-US" baseline="0" dirty="0" smtClean="0"/>
+              <a:rPr lang="en-US" baseline="0" dirty="0"/>
               <a:t>Focussed on questions that related to these factors </a:t>
             </a:r>
             <a:r>
-              <a:rPr lang="mr-IN" baseline="0" dirty="0" smtClean="0"/>
+              <a:rPr lang="mr-IN" baseline="0" dirty="0"/>
               <a:t>–</a:t>
             </a:r>
             <a:r>
-              <a:rPr lang="en-US" baseline="0" dirty="0" smtClean="0"/>
+              <a:rPr lang="en-US" baseline="0" dirty="0"/>
               <a:t> We also had many calcualted variables SAS data that need to be parsed </a:t>
             </a:r>
           </a:p>
           <a:p>
-            <a:endParaRPr lang="en-US" baseline="0" dirty="0" smtClean="0"/>
-          </a:p>
-          <a:p>
-            <a:r>
-              <a:rPr lang="en-US" baseline="0" dirty="0" smtClean="0"/>
+            <a:endParaRPr lang="en-US" baseline="0" dirty="0"/>
+          </a:p>
+          <a:p>
+            <a:r>
+              <a:rPr lang="en-US" baseline="0" dirty="0"/>
               <a:t>Wallah and the result is </a:t>
             </a:r>
             <a:r>
-              <a:rPr lang="en-US" baseline="0" dirty="0" smtClean="0">
+              <a:rPr lang="en-US" baseline="0" dirty="0">
                 <a:solidFill>
                   <a:srgbClr val="FF0000"/>
                 </a:solidFill>
@@ -2436,19 +2443,19 @@
             </a:r>
           </a:p>
           <a:p>
-            <a:endParaRPr lang="en-US" baseline="0" dirty="0" smtClean="0"/>
-          </a:p>
-          <a:p>
-            <a:r>
-              <a:rPr lang="en-US" baseline="0" dirty="0" smtClean="0"/>
+            <a:endParaRPr lang="en-US" baseline="0" dirty="0"/>
+          </a:p>
+          <a:p>
+            <a:r>
+              <a:rPr lang="en-US" baseline="0" dirty="0"/>
               <a:t>CDC goes to great length to look at all kinds of data across many many facyors </a:t>
             </a:r>
             <a:r>
-              <a:rPr lang="mr-IN" baseline="0" dirty="0" smtClean="0"/>
+              <a:rPr lang="mr-IN" baseline="0" dirty="0"/>
               <a:t>–</a:t>
             </a:r>
             <a:r>
-              <a:rPr lang="en-US" baseline="0" dirty="0" smtClean="0"/>
+              <a:rPr lang="en-US" baseline="0" dirty="0"/>
               <a:t> we reserached on scientific papers that shares factors that historically seeem to affect mental health state more and ensure to use questions that relate to those factors to pull in data </a:t>
             </a:r>
             <a:endParaRPr lang="en-US" dirty="0"/>
@@ -2535,17 +2542,16 @@
           <a:bodyPr/>
           <a:lstStyle/>
           <a:p>
-            <a:endParaRPr lang="en-US" dirty="0" smtClean="0"/>
-          </a:p>
-          <a:p>
-            <a:endParaRPr lang="en-US" dirty="0" smtClean="0"/>
-          </a:p>
-          <a:p>
-            <a:r>
-              <a:rPr lang="en-US" dirty="0" smtClean="0"/>
+            <a:endParaRPr lang="en-US" dirty="0"/>
+          </a:p>
+          <a:p>
+            <a:endParaRPr lang="en-US" dirty="0"/>
+          </a:p>
+          <a:p>
+            <a:r>
+              <a:rPr lang="en-US" dirty="0"/>
               <a:t>https://plot.ly</a:t>
             </a:r>
-            <a:endParaRPr lang="en-US" dirty="0"/>
           </a:p>
         </p:txBody>
       </p:sp>
@@ -2639,7 +2645,7 @@
               <a:defRPr/>
             </a:pPr>
             <a:r>
-              <a:rPr lang="en-US" sz="1200" dirty="0" smtClean="0">
+              <a:rPr lang="en-US" sz="1200" dirty="0">
                 <a:solidFill>
                   <a:srgbClr val="FF0000"/>
                 </a:solidFill>
@@ -2650,7 +2656,7 @@
               <a:t>Recession time </a:t>
             </a:r>
             <a:r>
-              <a:rPr lang="mr-IN" sz="1200" dirty="0" smtClean="0">
+              <a:rPr lang="mr-IN" sz="1200" dirty="0">
                 <a:solidFill>
                   <a:srgbClr val="FF0000"/>
                 </a:solidFill>
@@ -2661,7 +2667,7 @@
               <a:t>–</a:t>
             </a:r>
             <a:r>
-              <a:rPr lang="en-US" sz="1200" dirty="0" smtClean="0">
+              <a:rPr lang="en-US" sz="1200" dirty="0">
                 <a:solidFill>
                   <a:srgbClr val="FF0000"/>
                 </a:solidFill>
@@ -2683,7 +2689,7 @@
               <a:defRPr/>
             </a:pPr>
             <a:r>
-              <a:rPr lang="en-US" sz="1200" dirty="0" smtClean="0">
+              <a:rPr lang="en-US" sz="1200" dirty="0">
                 <a:solidFill>
                   <a:srgbClr val="FF0000"/>
                 </a:solidFill>
@@ -2695,46 +2701,46 @@
             </a:r>
           </a:p>
           <a:p>
-            <a:endParaRPr lang="en-US" dirty="0" smtClean="0"/>
-          </a:p>
-          <a:p>
-            <a:r>
-              <a:rPr lang="en-US" dirty="0" smtClean="0"/>
+            <a:endParaRPr lang="en-US" dirty="0"/>
+          </a:p>
+          <a:p>
+            <a:r>
+              <a:rPr lang="en-US" dirty="0"/>
               <a:t>How do you define who</a:t>
             </a:r>
             <a:r>
-              <a:rPr lang="en-US" baseline="0" dirty="0" smtClean="0"/>
+              <a:rPr lang="en-US" baseline="0" dirty="0"/>
               <a:t> is a person with good mental health state vs worse mental health state</a:t>
             </a:r>
           </a:p>
           <a:p>
             <a:r>
-              <a:rPr lang="en-US" baseline="0" dirty="0" smtClean="0"/>
+              <a:rPr lang="en-US" baseline="0" dirty="0"/>
               <a:t>Focussed on questions that related to these factors </a:t>
             </a:r>
             <a:r>
-              <a:rPr lang="mr-IN" baseline="0" dirty="0" smtClean="0"/>
+              <a:rPr lang="mr-IN" baseline="0" dirty="0"/>
               <a:t>–</a:t>
             </a:r>
             <a:r>
-              <a:rPr lang="en-US" baseline="0" dirty="0" smtClean="0"/>
+              <a:rPr lang="en-US" baseline="0" dirty="0"/>
               <a:t> We also had many calcualted variables SAS data that need to be parsed </a:t>
             </a:r>
           </a:p>
           <a:p>
-            <a:endParaRPr lang="en-US" baseline="0" dirty="0" smtClean="0"/>
-          </a:p>
-          <a:p>
-            <a:r>
-              <a:rPr lang="en-US" baseline="0" dirty="0" smtClean="0"/>
+            <a:endParaRPr lang="en-US" baseline="0" dirty="0"/>
+          </a:p>
+          <a:p>
+            <a:r>
+              <a:rPr lang="en-US" baseline="0" dirty="0"/>
               <a:t>CDC goes to great length to look at all kinds of data across many many facyors </a:t>
             </a:r>
             <a:r>
-              <a:rPr lang="mr-IN" baseline="0" dirty="0" smtClean="0"/>
+              <a:rPr lang="mr-IN" baseline="0" dirty="0"/>
               <a:t>–</a:t>
             </a:r>
             <a:r>
-              <a:rPr lang="en-US" baseline="0" dirty="0" smtClean="0"/>
+              <a:rPr lang="en-US" baseline="0" dirty="0"/>
               <a:t> we reserached on scientific papers that shares factors that historically seeem to affect mental health state more and ensure to use questions that relate to those factors to pull in data </a:t>
             </a:r>
             <a:endParaRPr lang="en-US" dirty="0"/>
@@ -2831,7 +2837,7 @@
               <a:defRPr/>
             </a:pPr>
             <a:r>
-              <a:rPr lang="en-US" sz="1200" dirty="0" smtClean="0">
+              <a:rPr lang="en-US" sz="1200" dirty="0">
                 <a:solidFill>
                   <a:srgbClr val="FF0000"/>
                 </a:solidFill>
@@ -2842,7 +2848,7 @@
               <a:t>Recession time </a:t>
             </a:r>
             <a:r>
-              <a:rPr lang="mr-IN" sz="1200" dirty="0" smtClean="0">
+              <a:rPr lang="mr-IN" sz="1200" dirty="0">
                 <a:solidFill>
                   <a:srgbClr val="FF0000"/>
                 </a:solidFill>
@@ -2853,7 +2859,7 @@
               <a:t>–</a:t>
             </a:r>
             <a:r>
-              <a:rPr lang="en-US" sz="1200" dirty="0" smtClean="0">
+              <a:rPr lang="en-US" sz="1200" dirty="0">
                 <a:solidFill>
                   <a:srgbClr val="FF0000"/>
                 </a:solidFill>
@@ -2875,7 +2881,7 @@
               <a:defRPr/>
             </a:pPr>
             <a:r>
-              <a:rPr lang="en-US" sz="1200" dirty="0" smtClean="0">
+              <a:rPr lang="en-US" sz="1200" dirty="0">
                 <a:solidFill>
                   <a:srgbClr val="FF0000"/>
                 </a:solidFill>
@@ -2887,46 +2893,46 @@
             </a:r>
           </a:p>
           <a:p>
-            <a:endParaRPr lang="en-US" dirty="0" smtClean="0"/>
-          </a:p>
-          <a:p>
-            <a:r>
-              <a:rPr lang="en-US" dirty="0" smtClean="0"/>
+            <a:endParaRPr lang="en-US" dirty="0"/>
+          </a:p>
+          <a:p>
+            <a:r>
+              <a:rPr lang="en-US" dirty="0"/>
               <a:t>How do you define who</a:t>
             </a:r>
             <a:r>
-              <a:rPr lang="en-US" baseline="0" dirty="0" smtClean="0"/>
+              <a:rPr lang="en-US" baseline="0" dirty="0"/>
               <a:t> is a person with good mental health state vs worse mental health state</a:t>
             </a:r>
           </a:p>
           <a:p>
             <a:r>
-              <a:rPr lang="en-US" baseline="0" dirty="0" smtClean="0"/>
+              <a:rPr lang="en-US" baseline="0" dirty="0"/>
               <a:t>Focussed on questions that related to these factors </a:t>
             </a:r>
             <a:r>
-              <a:rPr lang="mr-IN" baseline="0" dirty="0" smtClean="0"/>
+              <a:rPr lang="mr-IN" baseline="0" dirty="0"/>
               <a:t>–</a:t>
             </a:r>
             <a:r>
-              <a:rPr lang="en-US" baseline="0" dirty="0" smtClean="0"/>
+              <a:rPr lang="en-US" baseline="0" dirty="0"/>
               <a:t> We also had many calcualted variables SAS data that need to be parsed </a:t>
             </a:r>
           </a:p>
           <a:p>
-            <a:endParaRPr lang="en-US" baseline="0" dirty="0" smtClean="0"/>
-          </a:p>
-          <a:p>
-            <a:r>
-              <a:rPr lang="en-US" baseline="0" dirty="0" smtClean="0"/>
+            <a:endParaRPr lang="en-US" baseline="0" dirty="0"/>
+          </a:p>
+          <a:p>
+            <a:r>
+              <a:rPr lang="en-US" baseline="0" dirty="0"/>
               <a:t>CDC goes to great length to look at all kinds of data across many many facyors </a:t>
             </a:r>
             <a:r>
-              <a:rPr lang="mr-IN" baseline="0" dirty="0" smtClean="0"/>
+              <a:rPr lang="mr-IN" baseline="0" dirty="0"/>
               <a:t>–</a:t>
             </a:r>
             <a:r>
-              <a:rPr lang="en-US" baseline="0" dirty="0" smtClean="0"/>
+              <a:rPr lang="en-US" baseline="0" dirty="0"/>
               <a:t> we reserached on scientific papers that shares factors that historically seeem to affect mental health state more and ensure to use questions that relate to those factors to pull in data </a:t>
             </a:r>
             <a:endParaRPr lang="en-US" dirty="0"/>
@@ -3013,7 +3019,7 @@
           </a:lstStyle>
           <a:p>
             <a:r>
-              <a:rPr lang="en-US" smtClean="0"/>
+              <a:rPr lang="en-US"/>
               <a:t>Click to edit Master title style</a:t>
             </a:r>
             <a:endParaRPr lang="en-US" dirty="0"/>
@@ -3133,7 +3139,7 @@
           </a:lstStyle>
           <a:p>
             <a:r>
-              <a:rPr lang="en-US" smtClean="0"/>
+              <a:rPr lang="en-US"/>
               <a:t>Click to edit Master subtitle style</a:t>
             </a:r>
             <a:endParaRPr lang="en-US" dirty="0"/>
@@ -3157,7 +3163,7 @@
           <a:p>
             <a:fld id="{48A87A34-81AB-432B-8DAE-1953F412C126}" type="datetimeFigureOut">
               <a:rPr lang="en-US" smtClean="0"/>
-              <a:t>1/11/18</a:t>
+              <a:t>1/13/2018</a:t>
             </a:fld>
             <a:endParaRPr lang="en-US" dirty="0"/>
           </a:p>
@@ -3349,7 +3355,7 @@
           </a:lstStyle>
           <a:p>
             <a:r>
-              <a:rPr lang="en-US" smtClean="0"/>
+              <a:rPr lang="en-US"/>
               <a:t>Click to edit Master title style</a:t>
             </a:r>
             <a:endParaRPr lang="en-US" dirty="0"/>
@@ -3472,7 +3478,7 @@
           <a:p>
             <a:pPr lvl="0"/>
             <a:r>
-              <a:rPr lang="en-US" smtClean="0"/>
+              <a:rPr lang="en-US"/>
               <a:t>Click to edit Master text styles</a:t>
             </a:r>
           </a:p>
@@ -3496,7 +3502,7 @@
             <a:fld id="{48A87A34-81AB-432B-8DAE-1953F412C126}" type="datetimeFigureOut">
               <a:rPr lang="en-US" smtClean="0"/>
               <a:pPr/>
-              <a:t>1/11/18</a:t>
+              <a:t>1/13/2018</a:t>
             </a:fld>
             <a:endParaRPr lang="en-US" dirty="0"/>
           </a:p>
@@ -3689,7 +3695,7 @@
           </a:lstStyle>
           <a:p>
             <a:r>
-              <a:rPr lang="en-US" smtClean="0"/>
+              <a:rPr lang="en-US"/>
               <a:t>Click to edit Master title style</a:t>
             </a:r>
             <a:endParaRPr lang="en-US" dirty="0"/>
@@ -3753,7 +3759,7 @@
           <a:p>
             <a:pPr lvl="0"/>
             <a:r>
-              <a:rPr lang="en-US" smtClean="0"/>
+              <a:rPr lang="en-US"/>
               <a:t>Click to edit Master text styles</a:t>
             </a:r>
           </a:p>
@@ -3875,7 +3881,7 @@
           <a:p>
             <a:pPr lvl="0"/>
             <a:r>
-              <a:rPr lang="en-US" smtClean="0"/>
+              <a:rPr lang="en-US"/>
               <a:t>Click to edit Master text styles</a:t>
             </a:r>
           </a:p>
@@ -3899,7 +3905,7 @@
             <a:fld id="{48A87A34-81AB-432B-8DAE-1953F412C126}" type="datetimeFigureOut">
               <a:rPr lang="en-US" smtClean="0"/>
               <a:pPr/>
-              <a:t>1/11/18</a:t>
+              <a:t>1/13/2018</a:t>
             </a:fld>
             <a:endParaRPr lang="en-US" dirty="0"/>
           </a:p>
@@ -4168,7 +4174,7 @@
           </a:lstStyle>
           <a:p>
             <a:r>
-              <a:rPr lang="en-US" smtClean="0"/>
+              <a:rPr lang="en-US"/>
               <a:t>Click to edit Master title style</a:t>
             </a:r>
             <a:endParaRPr lang="en-US" dirty="0"/>
@@ -4213,7 +4219,7 @@
               <a:buNone/>
             </a:pPr>
             <a:r>
-              <a:rPr lang="en-US" smtClean="0"/>
+              <a:rPr lang="en-US"/>
               <a:t>Click to edit Master text styles</a:t>
             </a:r>
           </a:p>
@@ -4237,7 +4243,7 @@
             <a:fld id="{48A87A34-81AB-432B-8DAE-1953F412C126}" type="datetimeFigureOut">
               <a:rPr lang="en-US" smtClean="0"/>
               <a:pPr/>
-              <a:t>1/11/18</a:t>
+              <a:t>1/13/2018</a:t>
             </a:fld>
             <a:endParaRPr lang="en-US" dirty="0"/>
           </a:p>
@@ -4430,7 +4436,7 @@
           </a:lstStyle>
           <a:p>
             <a:r>
-              <a:rPr lang="en-US" smtClean="0"/>
+              <a:rPr lang="en-US"/>
               <a:t>Click to edit Master title style</a:t>
             </a:r>
             <a:endParaRPr lang="en-US" dirty="0"/>
@@ -4491,7 +4497,7 @@
           <a:p>
             <a:pPr lvl="0"/>
             <a:r>
-              <a:rPr lang="en-US" smtClean="0"/>
+              <a:rPr lang="en-US"/>
               <a:t>Click to edit Master text styles</a:t>
             </a:r>
           </a:p>
@@ -4535,7 +4541,7 @@
               <a:buNone/>
             </a:pPr>
             <a:r>
-              <a:rPr lang="en-US" smtClean="0"/>
+              <a:rPr lang="en-US"/>
               <a:t>Click to edit Master text styles</a:t>
             </a:r>
           </a:p>
@@ -4559,7 +4565,7 @@
             <a:fld id="{48A87A34-81AB-432B-8DAE-1953F412C126}" type="datetimeFigureOut">
               <a:rPr lang="en-US" smtClean="0"/>
               <a:pPr/>
-              <a:t>1/11/18</a:t>
+              <a:t>1/13/2018</a:t>
             </a:fld>
             <a:endParaRPr lang="en-US" dirty="0"/>
           </a:p>
@@ -4828,7 +4834,7 @@
           </a:lstStyle>
           <a:p>
             <a:r>
-              <a:rPr lang="en-US" smtClean="0"/>
+              <a:rPr lang="en-US"/>
               <a:t>Click to edit Master title style</a:t>
             </a:r>
             <a:endParaRPr lang="en-US" dirty="0"/>
@@ -4889,7 +4895,7 @@
           <a:p>
             <a:pPr lvl="0"/>
             <a:r>
-              <a:rPr lang="en-US" smtClean="0"/>
+              <a:rPr lang="en-US"/>
               <a:t>Click to edit Master text styles</a:t>
             </a:r>
           </a:p>
@@ -4933,7 +4939,7 @@
               <a:buNone/>
             </a:pPr>
             <a:r>
-              <a:rPr lang="en-US" smtClean="0"/>
+              <a:rPr lang="en-US"/>
               <a:t>Click to edit Master text styles</a:t>
             </a:r>
           </a:p>
@@ -4957,7 +4963,7 @@
             <a:fld id="{48A87A34-81AB-432B-8DAE-1953F412C126}" type="datetimeFigureOut">
               <a:rPr lang="en-US" smtClean="0"/>
               <a:pPr/>
-              <a:t>1/11/18</a:t>
+              <a:t>1/13/2018</a:t>
             </a:fld>
             <a:endParaRPr lang="en-US" dirty="0"/>
           </a:p>
@@ -5139,7 +5145,7 @@
           <a:lstStyle/>
           <a:p>
             <a:r>
-              <a:rPr lang="en-US" smtClean="0"/>
+              <a:rPr lang="en-US"/>
               <a:t>Click to edit Master title style</a:t>
             </a:r>
             <a:endParaRPr lang="en-US" dirty="0"/>
@@ -5163,35 +5169,35 @@
           <a:p>
             <a:pPr lvl="0"/>
             <a:r>
-              <a:rPr lang="en-US" smtClean="0"/>
+              <a:rPr lang="en-US"/>
               <a:t>Click to edit Master text styles</a:t>
             </a:r>
           </a:p>
           <a:p>
             <a:pPr lvl="1"/>
             <a:r>
-              <a:rPr lang="en-US" smtClean="0"/>
+              <a:rPr lang="en-US"/>
               <a:t>Second level</a:t>
             </a:r>
           </a:p>
           <a:p>
             <a:pPr lvl="2"/>
             <a:r>
-              <a:rPr lang="en-US" smtClean="0"/>
+              <a:rPr lang="en-US"/>
               <a:t>Third level</a:t>
             </a:r>
           </a:p>
           <a:p>
             <a:pPr lvl="3"/>
             <a:r>
-              <a:rPr lang="en-US" smtClean="0"/>
+              <a:rPr lang="en-US"/>
               <a:t>Fourth level</a:t>
             </a:r>
           </a:p>
           <a:p>
             <a:pPr lvl="4"/>
             <a:r>
-              <a:rPr lang="en-US" smtClean="0"/>
+              <a:rPr lang="en-US"/>
               <a:t>Fifth level</a:t>
             </a:r>
             <a:endParaRPr lang="en-US" dirty="0"/>
@@ -5215,7 +5221,7 @@
           <a:p>
             <a:fld id="{48A87A34-81AB-432B-8DAE-1953F412C126}" type="datetimeFigureOut">
               <a:rPr lang="en-US" smtClean="0"/>
-              <a:t>1/11/18</a:t>
+              <a:t>1/13/2018</a:t>
             </a:fld>
             <a:endParaRPr lang="en-US" dirty="0"/>
           </a:p>
@@ -5396,7 +5402,7 @@
           <a:lstStyle/>
           <a:p>
             <a:r>
-              <a:rPr lang="en-US" smtClean="0"/>
+              <a:rPr lang="en-US"/>
               <a:t>Click to edit Master title style</a:t>
             </a:r>
             <a:endParaRPr lang="en-US" dirty="0"/>
@@ -5425,35 +5431,35 @@
           <a:p>
             <a:pPr lvl="0"/>
             <a:r>
-              <a:rPr lang="en-US" smtClean="0"/>
+              <a:rPr lang="en-US"/>
               <a:t>Click to edit Master text styles</a:t>
             </a:r>
           </a:p>
           <a:p>
             <a:pPr lvl="1"/>
             <a:r>
-              <a:rPr lang="en-US" smtClean="0"/>
+              <a:rPr lang="en-US"/>
               <a:t>Second level</a:t>
             </a:r>
           </a:p>
           <a:p>
             <a:pPr lvl="2"/>
             <a:r>
-              <a:rPr lang="en-US" smtClean="0"/>
+              <a:rPr lang="en-US"/>
               <a:t>Third level</a:t>
             </a:r>
           </a:p>
           <a:p>
             <a:pPr lvl="3"/>
             <a:r>
-              <a:rPr lang="en-US" smtClean="0"/>
+              <a:rPr lang="en-US"/>
               <a:t>Fourth level</a:t>
             </a:r>
           </a:p>
           <a:p>
             <a:pPr lvl="4"/>
             <a:r>
-              <a:rPr lang="en-US" smtClean="0"/>
+              <a:rPr lang="en-US"/>
               <a:t>Fifth level</a:t>
             </a:r>
             <a:endParaRPr lang="en-US" dirty="0"/>
@@ -5477,7 +5483,7 @@
           <a:p>
             <a:fld id="{48A87A34-81AB-432B-8DAE-1953F412C126}" type="datetimeFigureOut">
               <a:rPr lang="en-US" smtClean="0"/>
-              <a:t>1/11/18</a:t>
+              <a:t>1/13/2018</a:t>
             </a:fld>
             <a:endParaRPr lang="en-US" dirty="0"/>
           </a:p>
@@ -5658,7 +5664,7 @@
           <a:lstStyle/>
           <a:p>
             <a:r>
-              <a:rPr lang="en-US" smtClean="0"/>
+              <a:rPr lang="en-US"/>
               <a:t>Click to edit Master title style</a:t>
             </a:r>
             <a:endParaRPr lang="en-US" dirty="0"/>
@@ -5687,35 +5693,35 @@
           <a:p>
             <a:pPr lvl="0"/>
             <a:r>
-              <a:rPr lang="en-US" smtClean="0"/>
+              <a:rPr lang="en-US"/>
               <a:t>Click to edit Master text styles</a:t>
             </a:r>
           </a:p>
           <a:p>
             <a:pPr lvl="1"/>
             <a:r>
-              <a:rPr lang="en-US" smtClean="0"/>
+              <a:rPr lang="en-US"/>
               <a:t>Second level</a:t>
             </a:r>
           </a:p>
           <a:p>
             <a:pPr lvl="2"/>
             <a:r>
-              <a:rPr lang="en-US" smtClean="0"/>
+              <a:rPr lang="en-US"/>
               <a:t>Third level</a:t>
             </a:r>
           </a:p>
           <a:p>
             <a:pPr lvl="3"/>
             <a:r>
-              <a:rPr lang="en-US" smtClean="0"/>
+              <a:rPr lang="en-US"/>
               <a:t>Fourth level</a:t>
             </a:r>
           </a:p>
           <a:p>
             <a:pPr lvl="4"/>
             <a:r>
-              <a:rPr lang="en-US" smtClean="0"/>
+              <a:rPr lang="en-US"/>
               <a:t>Fifth level</a:t>
             </a:r>
             <a:endParaRPr lang="en-US" dirty="0"/>
@@ -5739,7 +5745,7 @@
           <a:p>
             <a:fld id="{48A87A34-81AB-432B-8DAE-1953F412C126}" type="datetimeFigureOut">
               <a:rPr lang="en-US" smtClean="0"/>
-              <a:t>1/11/18</a:t>
+              <a:t>1/13/2018</a:t>
             </a:fld>
             <a:endParaRPr lang="en-US" dirty="0"/>
           </a:p>
@@ -5924,7 +5930,7 @@
           </a:lstStyle>
           <a:p>
             <a:r>
-              <a:rPr lang="en-US" smtClean="0"/>
+              <a:rPr lang="en-US"/>
               <a:t>Click to edit Master title style</a:t>
             </a:r>
             <a:endParaRPr lang="en-US" dirty="0"/>
@@ -6045,7 +6051,7 @@
           <a:p>
             <a:pPr lvl="0"/>
             <a:r>
-              <a:rPr lang="en-US" smtClean="0"/>
+              <a:rPr lang="en-US"/>
               <a:t>Click to edit Master text styles</a:t>
             </a:r>
           </a:p>
@@ -6068,7 +6074,7 @@
           <a:p>
             <a:fld id="{48A87A34-81AB-432B-8DAE-1953F412C126}" type="datetimeFigureOut">
               <a:rPr lang="en-US" smtClean="0"/>
-              <a:t>1/11/18</a:t>
+              <a:t>1/13/2018</a:t>
             </a:fld>
             <a:endParaRPr lang="en-US" dirty="0"/>
           </a:p>
@@ -6249,7 +6255,7 @@
           <a:lstStyle/>
           <a:p>
             <a:r>
-              <a:rPr lang="en-US" smtClean="0"/>
+              <a:rPr lang="en-US"/>
               <a:t>Click to edit Master title style</a:t>
             </a:r>
             <a:endParaRPr lang="en-US" dirty="0"/>
@@ -6280,35 +6286,35 @@
           <a:p>
             <a:pPr lvl="0"/>
             <a:r>
-              <a:rPr lang="en-US" smtClean="0"/>
+              <a:rPr lang="en-US"/>
               <a:t>Click to edit Master text styles</a:t>
             </a:r>
           </a:p>
           <a:p>
             <a:pPr lvl="1"/>
             <a:r>
-              <a:rPr lang="en-US" smtClean="0"/>
+              <a:rPr lang="en-US"/>
               <a:t>Second level</a:t>
             </a:r>
           </a:p>
           <a:p>
             <a:pPr lvl="2"/>
             <a:r>
-              <a:rPr lang="en-US" smtClean="0"/>
+              <a:rPr lang="en-US"/>
               <a:t>Third level</a:t>
             </a:r>
           </a:p>
           <a:p>
             <a:pPr lvl="3"/>
             <a:r>
-              <a:rPr lang="en-US" smtClean="0"/>
+              <a:rPr lang="en-US"/>
               <a:t>Fourth level</a:t>
             </a:r>
           </a:p>
           <a:p>
             <a:pPr lvl="4"/>
             <a:r>
-              <a:rPr lang="en-US" smtClean="0"/>
+              <a:rPr lang="en-US"/>
               <a:t>Fifth level</a:t>
             </a:r>
             <a:endParaRPr lang="en-US" dirty="0"/>
@@ -6339,35 +6345,35 @@
           <a:p>
             <a:pPr lvl="0"/>
             <a:r>
-              <a:rPr lang="en-US" smtClean="0"/>
+              <a:rPr lang="en-US"/>
               <a:t>Click to edit Master text styles</a:t>
             </a:r>
           </a:p>
           <a:p>
             <a:pPr lvl="1"/>
             <a:r>
-              <a:rPr lang="en-US" smtClean="0"/>
+              <a:rPr lang="en-US"/>
               <a:t>Second level</a:t>
             </a:r>
           </a:p>
           <a:p>
             <a:pPr lvl="2"/>
             <a:r>
-              <a:rPr lang="en-US" smtClean="0"/>
+              <a:rPr lang="en-US"/>
               <a:t>Third level</a:t>
             </a:r>
           </a:p>
           <a:p>
             <a:pPr lvl="3"/>
             <a:r>
-              <a:rPr lang="en-US" smtClean="0"/>
+              <a:rPr lang="en-US"/>
               <a:t>Fourth level</a:t>
             </a:r>
           </a:p>
           <a:p>
             <a:pPr lvl="4"/>
             <a:r>
-              <a:rPr lang="en-US" smtClean="0"/>
+              <a:rPr lang="en-US"/>
               <a:t>Fifth level</a:t>
             </a:r>
             <a:endParaRPr lang="en-US" dirty="0"/>
@@ -6391,7 +6397,7 @@
           <a:p>
             <a:fld id="{48A87A34-81AB-432B-8DAE-1953F412C126}" type="datetimeFigureOut">
               <a:rPr lang="en-US" smtClean="0"/>
-              <a:t>1/11/18</a:t>
+              <a:t>1/13/2018</a:t>
             </a:fld>
             <a:endParaRPr lang="en-US" dirty="0"/>
           </a:p>
@@ -6572,7 +6578,7 @@
           <a:lstStyle/>
           <a:p>
             <a:r>
-              <a:rPr lang="en-US" smtClean="0"/>
+              <a:rPr lang="en-US"/>
               <a:t>Click to edit Master title style</a:t>
             </a:r>
             <a:endParaRPr lang="en-US" dirty="0"/>
@@ -6640,7 +6646,7 @@
           <a:p>
             <a:pPr lvl="0"/>
             <a:r>
-              <a:rPr lang="en-US" smtClean="0"/>
+              <a:rPr lang="en-US"/>
               <a:t>Click to edit Master text styles</a:t>
             </a:r>
           </a:p>
@@ -6670,35 +6676,35 @@
           <a:p>
             <a:pPr lvl="0"/>
             <a:r>
-              <a:rPr lang="en-US" smtClean="0"/>
+              <a:rPr lang="en-US"/>
               <a:t>Click to edit Master text styles</a:t>
             </a:r>
           </a:p>
           <a:p>
             <a:pPr lvl="1"/>
             <a:r>
-              <a:rPr lang="en-US" smtClean="0"/>
+              <a:rPr lang="en-US"/>
               <a:t>Second level</a:t>
             </a:r>
           </a:p>
           <a:p>
             <a:pPr lvl="2"/>
             <a:r>
-              <a:rPr lang="en-US" smtClean="0"/>
+              <a:rPr lang="en-US"/>
               <a:t>Third level</a:t>
             </a:r>
           </a:p>
           <a:p>
             <a:pPr lvl="3"/>
             <a:r>
-              <a:rPr lang="en-US" smtClean="0"/>
+              <a:rPr lang="en-US"/>
               <a:t>Fourth level</a:t>
             </a:r>
           </a:p>
           <a:p>
             <a:pPr lvl="4"/>
             <a:r>
-              <a:rPr lang="en-US" smtClean="0"/>
+              <a:rPr lang="en-US"/>
               <a:t>Fifth level</a:t>
             </a:r>
             <a:endParaRPr lang="en-US" dirty="0"/>
@@ -6766,7 +6772,7 @@
           <a:p>
             <a:pPr lvl="0"/>
             <a:r>
-              <a:rPr lang="en-US" smtClean="0"/>
+              <a:rPr lang="en-US"/>
               <a:t>Click to edit Master text styles</a:t>
             </a:r>
           </a:p>
@@ -6796,35 +6802,35 @@
           <a:p>
             <a:pPr lvl="0"/>
             <a:r>
-              <a:rPr lang="en-US" smtClean="0"/>
+              <a:rPr lang="en-US"/>
               <a:t>Click to edit Master text styles</a:t>
             </a:r>
           </a:p>
           <a:p>
             <a:pPr lvl="1"/>
             <a:r>
-              <a:rPr lang="en-US" smtClean="0"/>
+              <a:rPr lang="en-US"/>
               <a:t>Second level</a:t>
             </a:r>
           </a:p>
           <a:p>
             <a:pPr lvl="2"/>
             <a:r>
-              <a:rPr lang="en-US" smtClean="0"/>
+              <a:rPr lang="en-US"/>
               <a:t>Third level</a:t>
             </a:r>
           </a:p>
           <a:p>
             <a:pPr lvl="3"/>
             <a:r>
-              <a:rPr lang="en-US" smtClean="0"/>
+              <a:rPr lang="en-US"/>
               <a:t>Fourth level</a:t>
             </a:r>
           </a:p>
           <a:p>
             <a:pPr lvl="4"/>
             <a:r>
-              <a:rPr lang="en-US" smtClean="0"/>
+              <a:rPr lang="en-US"/>
               <a:t>Fifth level</a:t>
             </a:r>
             <a:endParaRPr lang="en-US" dirty="0"/>
@@ -6848,7 +6854,7 @@
           <a:p>
             <a:fld id="{48A87A34-81AB-432B-8DAE-1953F412C126}" type="datetimeFigureOut">
               <a:rPr lang="en-US" smtClean="0"/>
-              <a:t>1/11/18</a:t>
+              <a:t>1/13/2018</a:t>
             </a:fld>
             <a:endParaRPr lang="en-US" dirty="0"/>
           </a:p>
@@ -7029,7 +7035,7 @@
           <a:lstStyle/>
           <a:p>
             <a:r>
-              <a:rPr lang="en-US" smtClean="0"/>
+              <a:rPr lang="en-US"/>
               <a:t>Click to edit Master title style</a:t>
             </a:r>
             <a:endParaRPr lang="en-US" dirty="0"/>
@@ -7053,7 +7059,7 @@
           <a:p>
             <a:fld id="{48A87A34-81AB-432B-8DAE-1953F412C126}" type="datetimeFigureOut">
               <a:rPr lang="en-US" smtClean="0"/>
-              <a:t>1/11/18</a:t>
+              <a:t>1/13/2018</a:t>
             </a:fld>
             <a:endParaRPr lang="en-US" dirty="0"/>
           </a:p>
@@ -7230,7 +7236,7 @@
           <a:p>
             <a:fld id="{48A87A34-81AB-432B-8DAE-1953F412C126}" type="datetimeFigureOut">
               <a:rPr lang="en-US" smtClean="0"/>
-              <a:t>1/11/18</a:t>
+              <a:t>1/13/2018</a:t>
             </a:fld>
             <a:endParaRPr lang="en-US" dirty="0"/>
           </a:p>
@@ -7415,7 +7421,7 @@
           </a:lstStyle>
           <a:p>
             <a:r>
-              <a:rPr lang="en-US" smtClean="0"/>
+              <a:rPr lang="en-US"/>
               <a:t>Click to edit Master title style</a:t>
             </a:r>
             <a:endParaRPr lang="en-US" dirty="0"/>
@@ -7446,35 +7452,35 @@
           <a:p>
             <a:pPr lvl="0"/>
             <a:r>
-              <a:rPr lang="en-US" smtClean="0"/>
+              <a:rPr lang="en-US"/>
               <a:t>Click to edit Master text styles</a:t>
             </a:r>
           </a:p>
           <a:p>
             <a:pPr lvl="1"/>
             <a:r>
-              <a:rPr lang="en-US" smtClean="0"/>
+              <a:rPr lang="en-US"/>
               <a:t>Second level</a:t>
             </a:r>
           </a:p>
           <a:p>
             <a:pPr lvl="2"/>
             <a:r>
-              <a:rPr lang="en-US" smtClean="0"/>
+              <a:rPr lang="en-US"/>
               <a:t>Third level</a:t>
             </a:r>
           </a:p>
           <a:p>
             <a:pPr lvl="3"/>
             <a:r>
-              <a:rPr lang="en-US" smtClean="0"/>
+              <a:rPr lang="en-US"/>
               <a:t>Fourth level</a:t>
             </a:r>
           </a:p>
           <a:p>
             <a:pPr lvl="4"/>
             <a:r>
-              <a:rPr lang="en-US" smtClean="0"/>
+              <a:rPr lang="en-US"/>
               <a:t>Fifth level</a:t>
             </a:r>
             <a:endParaRPr lang="en-US" dirty="0"/>
@@ -7540,7 +7546,7 @@
           <a:p>
             <a:pPr lvl="0"/>
             <a:r>
-              <a:rPr lang="en-US" smtClean="0"/>
+              <a:rPr lang="en-US"/>
               <a:t>Click to edit Master text styles</a:t>
             </a:r>
           </a:p>
@@ -7563,7 +7569,7 @@
           <a:p>
             <a:fld id="{48A87A34-81AB-432B-8DAE-1953F412C126}" type="datetimeFigureOut">
               <a:rPr lang="en-US" smtClean="0"/>
-              <a:t>1/11/18</a:t>
+              <a:t>1/13/2018</a:t>
             </a:fld>
             <a:endParaRPr lang="en-US" dirty="0"/>
           </a:p>
@@ -7750,7 +7756,7 @@
           </a:lstStyle>
           <a:p>
             <a:r>
-              <a:rPr lang="en-US" smtClean="0"/>
+              <a:rPr lang="en-US"/>
               <a:t>Click to edit Master title style</a:t>
             </a:r>
             <a:endParaRPr lang="en-US" dirty="0"/>
@@ -7817,10 +7823,9 @@
           </a:lstStyle>
           <a:p>
             <a:r>
-              <a:rPr lang="en-US" dirty="0" smtClean="0"/>
+              <a:rPr lang="en-US" dirty="0"/>
               <a:t>Drag picture to placeholder or click icon to add</a:t>
             </a:r>
-            <a:endParaRPr lang="en-US" dirty="0"/>
           </a:p>
         </p:txBody>
       </p:sp>
@@ -7885,7 +7890,7 @@
           <a:p>
             <a:pPr lvl="0"/>
             <a:r>
-              <a:rPr lang="en-US" smtClean="0"/>
+              <a:rPr lang="en-US"/>
               <a:t>Click to edit Master text styles</a:t>
             </a:r>
           </a:p>
@@ -7909,7 +7914,7 @@
             <a:fld id="{48A87A34-81AB-432B-8DAE-1953F412C126}" type="datetimeFigureOut">
               <a:rPr lang="en-US" smtClean="0"/>
               <a:pPr/>
-              <a:t>1/11/18</a:t>
+              <a:t>1/13/2018</a:t>
             </a:fld>
             <a:endParaRPr lang="en-US" dirty="0"/>
           </a:p>
@@ -9922,7 +9927,7 @@
           <a:lstStyle/>
           <a:p>
             <a:r>
-              <a:rPr lang="en-US" smtClean="0"/>
+              <a:rPr lang="en-US"/>
               <a:t>Click to edit Master title style</a:t>
             </a:r>
             <a:endParaRPr lang="en-US" dirty="0"/>
@@ -9956,35 +9961,35 @@
           <a:p>
             <a:pPr lvl="0"/>
             <a:r>
-              <a:rPr lang="en-US" smtClean="0"/>
+              <a:rPr lang="en-US"/>
               <a:t>Click to edit Master text styles</a:t>
             </a:r>
           </a:p>
           <a:p>
             <a:pPr lvl="1"/>
             <a:r>
-              <a:rPr lang="en-US" smtClean="0"/>
+              <a:rPr lang="en-US"/>
               <a:t>Second level</a:t>
             </a:r>
           </a:p>
           <a:p>
             <a:pPr lvl="2"/>
             <a:r>
-              <a:rPr lang="en-US" smtClean="0"/>
+              <a:rPr lang="en-US"/>
               <a:t>Third level</a:t>
             </a:r>
           </a:p>
           <a:p>
             <a:pPr lvl="3"/>
             <a:r>
-              <a:rPr lang="en-US" smtClean="0"/>
+              <a:rPr lang="en-US"/>
               <a:t>Fourth level</a:t>
             </a:r>
           </a:p>
           <a:p>
             <a:pPr lvl="4"/>
             <a:r>
-              <a:rPr lang="en-US" smtClean="0"/>
+              <a:rPr lang="en-US"/>
               <a:t>Fifth level</a:t>
             </a:r>
             <a:endParaRPr lang="en-US" dirty="0"/>
@@ -10027,7 +10032,7 @@
             <a:fld id="{48A87A34-81AB-432B-8DAE-1953F412C126}" type="datetimeFigureOut">
               <a:rPr lang="en-US" smtClean="0"/>
               <a:pPr/>
-              <a:t>1/11/18</a:t>
+              <a:t>1/13/2018</a:t>
             </a:fld>
             <a:endParaRPr lang="en-US" dirty="0"/>
           </a:p>
@@ -10569,7 +10574,7 @@
           <a:lstStyle/>
           <a:p>
             <a:r>
-              <a:rPr lang="en-US" dirty="0" smtClean="0">
+              <a:rPr lang="en-US" dirty="0">
                 <a:latin typeface="Cambria" charset="0"/>
                 <a:ea typeface="Cambria" charset="0"/>
                 <a:cs typeface="Cambria" charset="0"/>
@@ -10577,25 +10582,20 @@
               <a:t>TEAM 1</a:t>
             </a:r>
             <a:br>
-              <a:rPr lang="en-US" dirty="0" smtClean="0">
+              <a:rPr lang="en-US" dirty="0">
                 <a:latin typeface="Cambria" charset="0"/>
                 <a:ea typeface="Cambria" charset="0"/>
                 <a:cs typeface="Cambria" charset="0"/>
               </a:rPr>
             </a:br>
             <a:r>
-              <a:rPr lang="en-US" dirty="0" smtClean="0">
+              <a:rPr lang="en-US" dirty="0">
                 <a:latin typeface="Cambria" charset="0"/>
                 <a:ea typeface="Cambria" charset="0"/>
                 <a:cs typeface="Cambria" charset="0"/>
               </a:rPr>
               <a:t>MENTAL HEALTH ANALYSIS</a:t>
             </a:r>
-            <a:endParaRPr lang="en-US" dirty="0">
-              <a:latin typeface="Cambria" charset="0"/>
-              <a:ea typeface="Cambria" charset="0"/>
-              <a:cs typeface="Cambria" charset="0"/>
-            </a:endParaRPr>
           </a:p>
         </p:txBody>
       </p:sp>
@@ -10620,7 +10620,7 @@
           <a:lstStyle/>
           <a:p>
             <a:r>
-              <a:rPr lang="en-US" b="1" dirty="0" smtClean="0">
+              <a:rPr lang="en-US" b="1" dirty="0">
                 <a:solidFill>
                   <a:schemeClr val="tx1"/>
                 </a:solidFill>
@@ -10631,7 +10631,7 @@
               <a:t>JAN 13</a:t>
             </a:r>
             <a:r>
-              <a:rPr lang="en-US" b="1" baseline="30000" dirty="0" smtClean="0">
+              <a:rPr lang="en-US" b="1" baseline="30000" dirty="0">
                 <a:solidFill>
                   <a:schemeClr val="tx1"/>
                 </a:solidFill>
@@ -10642,7 +10642,7 @@
               <a:t>th</a:t>
             </a:r>
             <a:r>
-              <a:rPr lang="en-US" b="1" dirty="0" smtClean="0">
+              <a:rPr lang="en-US" b="1" dirty="0">
                 <a:solidFill>
                   <a:schemeClr val="tx1"/>
                 </a:solidFill>
@@ -10654,7 +10654,7 @@
             </a:r>
           </a:p>
           <a:p>
-            <a:endParaRPr lang="en-US" b="1" dirty="0" smtClean="0">
+            <a:endParaRPr lang="en-US" b="1" dirty="0">
               <a:solidFill>
                 <a:schemeClr val="tx1"/>
               </a:solidFill>
@@ -10662,7 +10662,7 @@
           </a:p>
           <a:p>
             <a:r>
-              <a:rPr lang="en-US" b="1" dirty="0" smtClean="0">
+              <a:rPr lang="en-US" b="1" dirty="0">
                 <a:solidFill>
                   <a:schemeClr val="tx1"/>
                 </a:solidFill>
@@ -10671,17 +10671,6 @@
             </a:r>
           </a:p>
           <a:p>
-            <a:r>
-              <a:rPr lang="en-US" sz="2000" dirty="0" smtClean="0">
-                <a:solidFill>
-                  <a:schemeClr val="tx1"/>
-                </a:solidFill>
-                <a:latin typeface="Cambria" charset="0"/>
-                <a:ea typeface="Cambria" charset="0"/>
-                <a:cs typeface="Cambria" charset="0"/>
-              </a:rPr>
-              <a:t>Aiyana Liz Mathew, Aruna Amaresan, Aswathy Mohan, Michael </a:t>
-            </a:r>
             <a:r>
               <a:rPr lang="en-US" sz="2000" dirty="0">
                 <a:solidFill>
@@ -10691,29 +10680,7 @@
                 <a:ea typeface="Cambria" charset="0"/>
                 <a:cs typeface="Cambria" charset="0"/>
               </a:rPr>
-              <a:t>Ilelaboye</a:t>
-            </a:r>
-            <a:r>
-              <a:rPr lang="en-US" sz="2000" dirty="0">
-                <a:solidFill>
-                  <a:schemeClr val="tx1"/>
-                </a:solidFill>
-                <a:latin typeface="Cambria" charset="0"/>
-                <a:ea typeface="Cambria" charset="0"/>
-                <a:cs typeface="Cambria" charset="0"/>
-              </a:rPr>
-              <a:t> </a:t>
-            </a:r>
-            <a:r>
-              <a:rPr lang="en-US" sz="2000" dirty="0" smtClean="0">
-                <a:solidFill>
-                  <a:schemeClr val="tx1"/>
-                </a:solidFill>
-                <a:latin typeface="Cambria" charset="0"/>
-                <a:ea typeface="Cambria" charset="0"/>
-                <a:cs typeface="Cambria" charset="0"/>
-              </a:rPr>
-              <a:t>  </a:t>
+              <a:t>Aiyana Liz Mathew, Aruna Amaresan, Aswathy Mohan, Michael Ilelaboye   </a:t>
             </a:r>
           </a:p>
           <a:p>
@@ -10731,13 +10698,6 @@
   <p:clrMapOvr>
     <a:masterClrMapping/>
   </p:clrMapOvr>
-  <p:timing>
-    <p:tnLst>
-      <p:par>
-        <p:cTn id="1" dur="indefinite" restart="never" nodeType="tmRoot"/>
-      </p:par>
-    </p:tnLst>
-  </p:timing>
 </p:sld>
 </file>
 
@@ -10781,18 +10741,13 @@
           <a:lstStyle/>
           <a:p>
             <a:r>
-              <a:rPr lang="en-US" dirty="0" smtClean="0">
+              <a:rPr lang="en-US" dirty="0">
                 <a:latin typeface="Cambria" charset="0"/>
                 <a:ea typeface="Cambria" charset="0"/>
                 <a:cs typeface="Cambria" charset="0"/>
               </a:rPr>
               <a:t>FINDINGS:  MENTAL HEALTH ACROSS YEARS BY GENDER AND RACE </a:t>
             </a:r>
-            <a:endParaRPr lang="en-US" dirty="0">
-              <a:latin typeface="Cambria" charset="0"/>
-              <a:ea typeface="Cambria" charset="0"/>
-              <a:cs typeface="Cambria" charset="0"/>
-            </a:endParaRPr>
           </a:p>
         </p:txBody>
       </p:sp>
@@ -10827,7 +10782,7 @@
               <a:buChar char="Ø"/>
             </a:pPr>
             <a:r>
-              <a:rPr lang="en-US" sz="1600" dirty="0" smtClean="0">
+              <a:rPr lang="en-US" sz="1600" dirty="0">
                 <a:solidFill>
                   <a:schemeClr val="tx1"/>
                 </a:solidFill>
@@ -10848,7 +10803,7 @@
               <a:buChar char="Ø"/>
             </a:pPr>
             <a:r>
-              <a:rPr lang="en-US" sz="1600" dirty="0" smtClean="0">
+              <a:rPr lang="en-US" sz="1600" dirty="0">
                 <a:solidFill>
                   <a:schemeClr val="tx1"/>
                 </a:solidFill>
@@ -10869,7 +10824,7 @@
               <a:buChar char="Ø"/>
             </a:pPr>
             <a:r>
-              <a:rPr lang="en-US" sz="1600" dirty="0" smtClean="0">
+              <a:rPr lang="en-US" sz="1600" dirty="0">
                 <a:solidFill>
                   <a:schemeClr val="tx1"/>
                 </a:solidFill>
@@ -10880,7 +10835,7 @@
               <a:t>Constraint: Reason for above </a:t>
             </a:r>
             <a:r>
-              <a:rPr lang="mr-IN" sz="1600" dirty="0" smtClean="0">
+              <a:rPr lang="mr-IN" sz="1600" dirty="0">
                 <a:solidFill>
                   <a:schemeClr val="tx1"/>
                 </a:solidFill>
@@ -10891,7 +10846,7 @@
               <a:t>–</a:t>
             </a:r>
             <a:r>
-              <a:rPr lang="en-US" sz="1600" dirty="0" smtClean="0">
+              <a:rPr lang="en-US" sz="1600" dirty="0">
                 <a:solidFill>
                   <a:schemeClr val="tx1"/>
                 </a:solidFill>
@@ -10902,7 +10857,7 @@
               <a:t> Possible that the Phone survey may have been with more white Americans than folks of other race or ethnicity </a:t>
             </a:r>
             <a:r>
-              <a:rPr lang="mr-IN" sz="1600" dirty="0" smtClean="0">
+              <a:rPr lang="mr-IN" sz="1600" dirty="0">
                 <a:solidFill>
                   <a:schemeClr val="tx1"/>
                 </a:solidFill>
@@ -10913,7 +10868,7 @@
               <a:t>–</a:t>
             </a:r>
             <a:r>
-              <a:rPr lang="en-US" sz="1600" dirty="0" smtClean="0">
+              <a:rPr lang="en-US" sz="1600" dirty="0">
                 <a:solidFill>
                   <a:schemeClr val="tx1"/>
                 </a:solidFill>
@@ -10933,7 +10888,7 @@
               <a:buFont typeface="Wingdings" charset="2"/>
               <a:buChar char="Ø"/>
             </a:pPr>
-            <a:endParaRPr lang="en-US" sz="1600" dirty="0" smtClean="0">
+            <a:endParaRPr lang="en-US" sz="1600" dirty="0">
               <a:solidFill>
                 <a:schemeClr val="tx1"/>
               </a:solidFill>
@@ -10951,7 +10906,7 @@
               <a:buFont typeface="Wingdings" charset="2"/>
               <a:buChar char="Ø"/>
             </a:pPr>
-            <a:endParaRPr lang="en-US" sz="1600" dirty="0" smtClean="0">
+            <a:endParaRPr lang="en-US" sz="1600" dirty="0">
               <a:solidFill>
                 <a:schemeClr val="tx1"/>
               </a:solidFill>
@@ -11070,7 +11025,7 @@
           <a:p>
             <a:pPr algn="ctr"/>
             <a:r>
-              <a:rPr lang="en-US" sz="1200" b="1" dirty="0" smtClean="0">
+              <a:rPr lang="en-US" sz="1200" b="1" dirty="0">
                 <a:solidFill>
                   <a:schemeClr val="tx1"/>
                 </a:solidFill>
@@ -11140,7 +11095,7 @@
           <a:p>
             <a:pPr algn="ctr"/>
             <a:r>
-              <a:rPr lang="en-US" sz="1200" b="1" dirty="0" smtClean="0">
+              <a:rPr lang="en-US" sz="1200" b="1" dirty="0">
                 <a:solidFill>
                   <a:schemeClr val="tx1"/>
                 </a:solidFill>
@@ -11172,13 +11127,6 @@
   <p:clrMapOvr>
     <a:masterClrMapping/>
   </p:clrMapOvr>
-  <p:timing>
-    <p:tnLst>
-      <p:par>
-        <p:cTn id="1" dur="indefinite" restart="never" nodeType="tmRoot"/>
-      </p:par>
-    </p:tnLst>
-  </p:timing>
 </p:sld>
 </file>
 
@@ -11222,18 +11170,13 @@
           <a:lstStyle/>
           <a:p>
             <a:r>
-              <a:rPr lang="en-US" dirty="0" smtClean="0">
+              <a:rPr lang="en-US" dirty="0">
                 <a:latin typeface="Cambria" charset="0"/>
                 <a:ea typeface="Cambria" charset="0"/>
                 <a:cs typeface="Cambria" charset="0"/>
               </a:rPr>
               <a:t>FINDINGS:  MENTAL HEALTH ACROSS YEARS BY RURAL vs. URBAN &amp; AGE</a:t>
             </a:r>
-            <a:endParaRPr lang="en-US" dirty="0">
-              <a:latin typeface="Cambria" charset="0"/>
-              <a:ea typeface="Cambria" charset="0"/>
-              <a:cs typeface="Cambria" charset="0"/>
-            </a:endParaRPr>
           </a:p>
         </p:txBody>
       </p:sp>
@@ -11268,7 +11211,7 @@
               <a:buChar char="Ø"/>
             </a:pPr>
             <a:r>
-              <a:rPr lang="en-US" sz="1600" dirty="0" smtClean="0">
+              <a:rPr lang="en-US" sz="1600" dirty="0">
                 <a:solidFill>
                   <a:schemeClr val="tx1"/>
                 </a:solidFill>
@@ -11279,7 +11222,7 @@
               <a:t>Counter to Expectation </a:t>
             </a:r>
             <a:r>
-              <a:rPr lang="mr-IN" sz="1600" dirty="0" smtClean="0">
+              <a:rPr lang="mr-IN" sz="1600" dirty="0">
                 <a:solidFill>
                   <a:schemeClr val="tx1"/>
                 </a:solidFill>
@@ -11290,7 +11233,7 @@
               <a:t>–</a:t>
             </a:r>
             <a:r>
-              <a:rPr lang="en-US" sz="1600" dirty="0" smtClean="0">
+              <a:rPr lang="en-US" sz="1600" dirty="0">
                 <a:solidFill>
                   <a:schemeClr val="tx1"/>
                 </a:solidFill>
@@ -11311,7 +11254,7 @@
               <a:buChar char="Ø"/>
             </a:pPr>
             <a:r>
-              <a:rPr lang="en-US" sz="1600" dirty="0" smtClean="0">
+              <a:rPr lang="en-US" sz="1600" dirty="0">
                 <a:solidFill>
                   <a:schemeClr val="tx1"/>
                 </a:solidFill>
@@ -11332,7 +11275,7 @@
               <a:buChar char="Ø"/>
             </a:pPr>
             <a:r>
-              <a:rPr lang="en-US" sz="1600" dirty="0" smtClean="0">
+              <a:rPr lang="en-US" sz="1600" dirty="0">
                 <a:solidFill>
                   <a:schemeClr val="tx1"/>
                 </a:solidFill>
@@ -11343,7 +11286,7 @@
               <a:t>Investigate more on </a:t>
             </a:r>
             <a:r>
-              <a:rPr lang="en-US" sz="1600" dirty="0" smtClean="0">
+              <a:rPr lang="en-US" sz="1600" dirty="0">
                 <a:solidFill>
                   <a:schemeClr val="tx1"/>
                 </a:solidFill>
@@ -11355,7 +11298,7 @@
               <a:t>here</a:t>
             </a:r>
             <a:r>
-              <a:rPr lang="en-US" sz="1600" dirty="0" smtClean="0">
+              <a:rPr lang="en-US" sz="1600" dirty="0">
                 <a:solidFill>
                   <a:schemeClr val="tx1"/>
                 </a:solidFill>
@@ -11376,7 +11319,7 @@
               <a:buChar char="Ø"/>
             </a:pPr>
             <a:r>
-              <a:rPr lang="en-US" sz="1600" dirty="0" smtClean="0">
+              <a:rPr lang="en-US" sz="1600" dirty="0">
                 <a:solidFill>
                   <a:schemeClr val="tx1"/>
                 </a:solidFill>
@@ -11387,7 +11330,7 @@
               <a:t>By Age Buckets </a:t>
             </a:r>
             <a:r>
-              <a:rPr lang="mr-IN" sz="1600" dirty="0" smtClean="0">
+              <a:rPr lang="mr-IN" sz="1600" dirty="0">
                 <a:solidFill>
                   <a:schemeClr val="tx1"/>
                 </a:solidFill>
@@ -11398,7 +11341,7 @@
               <a:t>–</a:t>
             </a:r>
             <a:r>
-              <a:rPr lang="en-US" sz="1600" dirty="0" smtClean="0">
+              <a:rPr lang="en-US" sz="1600" dirty="0">
                 <a:solidFill>
                   <a:schemeClr val="tx1"/>
                 </a:solidFill>
@@ -11409,7 +11352,7 @@
               <a:t> Highly Impacted are in age-range of 55-59. Least impacted are in age range of 18-24. For details click </a:t>
             </a:r>
             <a:r>
-              <a:rPr lang="en-US" sz="1600" dirty="0" smtClean="0">
+              <a:rPr lang="en-US" sz="1600" dirty="0">
                 <a:solidFill>
                   <a:schemeClr val="tx1"/>
                 </a:solidFill>
@@ -11421,7 +11364,7 @@
               <a:t>here</a:t>
             </a:r>
             <a:r>
-              <a:rPr lang="en-US" sz="1600" dirty="0" smtClean="0">
+              <a:rPr lang="en-US" sz="1600" dirty="0">
                 <a:solidFill>
                   <a:schemeClr val="tx1"/>
                 </a:solidFill>
@@ -11512,7 +11455,7 @@
           <a:p>
             <a:pPr algn="ctr"/>
             <a:r>
-              <a:rPr lang="en-US" sz="1200" b="1" dirty="0" smtClean="0">
+              <a:rPr lang="en-US" sz="1200" b="1" dirty="0">
                 <a:solidFill>
                   <a:schemeClr val="tx1"/>
                 </a:solidFill>
@@ -11544,13 +11487,6 @@
   <p:clrMapOvr>
     <a:masterClrMapping/>
   </p:clrMapOvr>
-  <p:timing>
-    <p:tnLst>
-      <p:par>
-        <p:cTn id="1" dur="indefinite" restart="never" nodeType="tmRoot"/>
-      </p:par>
-    </p:tnLst>
-  </p:timing>
 </p:sld>
 </file>
 
@@ -11594,7 +11530,7 @@
           <a:lstStyle/>
           <a:p>
             <a:r>
-              <a:rPr lang="en-US" dirty="0" smtClean="0">
+              <a:rPr lang="en-US" dirty="0">
                 <a:latin typeface="Cambria" charset="0"/>
                 <a:ea typeface="Cambria" charset="0"/>
                 <a:cs typeface="Cambria" charset="0"/>
@@ -11602,14 +11538,14 @@
               <a:t>FINDINGS:  MENTAL HEALTH BY YEAR  </a:t>
             </a:r>
             <a:br>
-              <a:rPr lang="en-US" dirty="0" smtClean="0">
+              <a:rPr lang="en-US" dirty="0">
                 <a:latin typeface="Cambria" charset="0"/>
                 <a:ea typeface="Cambria" charset="0"/>
                 <a:cs typeface="Cambria" charset="0"/>
               </a:rPr>
             </a:br>
             <a:r>
-              <a:rPr lang="en-US" dirty="0" smtClean="0">
+              <a:rPr lang="en-US" dirty="0">
                 <a:latin typeface="Cambria" charset="0"/>
                 <a:ea typeface="Cambria" charset="0"/>
                 <a:cs typeface="Cambria" charset="0"/>
@@ -11617,7 +11553,7 @@
               <a:t>On Age (US vs NJ) </a:t>
             </a:r>
             <a:r>
-              <a:rPr lang="en-US" sz="2000" dirty="0" smtClean="0">
+              <a:rPr lang="en-US" sz="2000" dirty="0">
                 <a:latin typeface="Cambria" charset="0"/>
                 <a:ea typeface="Cambria" charset="0"/>
                 <a:cs typeface="Cambria" charset="0"/>
@@ -11625,7 +11561,7 @@
               <a:t>For details, click </a:t>
             </a:r>
             <a:r>
-              <a:rPr lang="en-US" sz="2000" dirty="0" smtClean="0">
+              <a:rPr lang="en-US" sz="2000" dirty="0">
                 <a:latin typeface="Cambria" charset="0"/>
                 <a:ea typeface="Cambria" charset="0"/>
                 <a:cs typeface="Cambria" charset="0"/>
@@ -11634,18 +11570,13 @@
               <a:t>here</a:t>
             </a:r>
             <a:r>
-              <a:rPr lang="en-US" sz="2000" dirty="0" smtClean="0">
+              <a:rPr lang="en-US" sz="2000" dirty="0">
                 <a:latin typeface="Cambria" charset="0"/>
                 <a:ea typeface="Cambria" charset="0"/>
                 <a:cs typeface="Cambria" charset="0"/>
               </a:rPr>
               <a:t>.</a:t>
             </a:r>
-            <a:endParaRPr lang="en-US" sz="2000" dirty="0">
-              <a:latin typeface="Cambria" charset="0"/>
-              <a:ea typeface="Cambria" charset="0"/>
-              <a:cs typeface="Cambria" charset="0"/>
-            </a:endParaRPr>
           </a:p>
         </p:txBody>
       </p:sp>
@@ -11899,7 +11830,7 @@
               <a:defRPr/>
             </a:pPr>
             <a:r>
-              <a:rPr lang="en-US" sz="1600" dirty="0" smtClean="0">
+              <a:rPr lang="en-US" sz="1600" dirty="0">
                 <a:solidFill>
                   <a:schemeClr val="tx1"/>
                 </a:solidFill>
@@ -11921,7 +11852,7 @@
               <a:defRPr/>
             </a:pPr>
             <a:r>
-              <a:rPr lang="en-US" sz="1600" dirty="0" smtClean="0">
+              <a:rPr lang="en-US" sz="1600" dirty="0">
                 <a:solidFill>
                   <a:schemeClr val="tx1"/>
                 </a:solidFill>
@@ -11943,7 +11874,7 @@
               <a:defRPr/>
             </a:pPr>
             <a:r>
-              <a:rPr lang="en-US" sz="1600" dirty="0" smtClean="0">
+              <a:rPr lang="en-US" sz="1600" dirty="0">
                 <a:solidFill>
                   <a:schemeClr val="tx1"/>
                 </a:solidFill>
@@ -12034,7 +11965,7 @@
           <a:p>
             <a:pPr algn="ctr"/>
             <a:r>
-              <a:rPr lang="en-US" sz="1200" b="1" dirty="0" smtClean="0">
+              <a:rPr lang="en-US" sz="1200" b="1" dirty="0">
                 <a:solidFill>
                   <a:schemeClr val="tx1"/>
                 </a:solidFill>
@@ -12134,7 +12065,7 @@
           <a:p>
             <a:pPr algn="ctr"/>
             <a:r>
-              <a:rPr lang="en-US" sz="1200" b="1" dirty="0" smtClean="0">
+              <a:rPr lang="en-US" sz="1200" b="1" dirty="0">
                 <a:solidFill>
                   <a:schemeClr val="tx1"/>
                 </a:solidFill>
@@ -12181,9 +12112,27 @@
                 <a:tableStyleId>{BDBED569-4797-4DF1-A0F4-6AAB3CD982D8}</a:tableStyleId>
               </a:tblPr>
               <a:tblGrid>
-                <a:gridCol w="644414"/>
-                <a:gridCol w="997061"/>
-                <a:gridCol w="971818"/>
+                <a:gridCol w="644414">
+                  <a:extLst>
+                    <a:ext uri="{9D8B030D-6E8A-4147-A177-3AD203B41FA5}">
+                      <a16:colId xmlns:a16="http://schemas.microsoft.com/office/drawing/2014/main" val="20000"/>
+                    </a:ext>
+                  </a:extLst>
+                </a:gridCol>
+                <a:gridCol w="997061">
+                  <a:extLst>
+                    <a:ext uri="{9D8B030D-6E8A-4147-A177-3AD203B41FA5}">
+                      <a16:colId xmlns:a16="http://schemas.microsoft.com/office/drawing/2014/main" val="20001"/>
+                    </a:ext>
+                  </a:extLst>
+                </a:gridCol>
+                <a:gridCol w="971818">
+                  <a:extLst>
+                    <a:ext uri="{9D8B030D-6E8A-4147-A177-3AD203B41FA5}">
+                      <a16:colId xmlns:a16="http://schemas.microsoft.com/office/drawing/2014/main" val="20002"/>
+                    </a:ext>
+                  </a:extLst>
+                </a:gridCol>
               </a:tblGrid>
               <a:tr h="624052">
                 <a:tc>
@@ -12192,7 +12141,7 @@
                     <a:lstStyle/>
                     <a:p>
                       <a:r>
-                        <a:rPr lang="en-US" sz="1400" b="1" i="0" kern="1200" dirty="0" smtClean="0">
+                        <a:rPr lang="en-US" sz="1400" b="1" i="0" kern="1200" dirty="0">
                           <a:solidFill>
                             <a:schemeClr val="dk1"/>
                           </a:solidFill>
@@ -12202,14 +12151,6 @@
                         </a:rPr>
                         <a:t>Year</a:t>
                       </a:r>
-                      <a:endParaRPr lang="en-US" sz="1400" b="1" i="0" kern="1200" dirty="0">
-                        <a:solidFill>
-                          <a:schemeClr val="dk1"/>
-                        </a:solidFill>
-                        <a:latin typeface="Cambria" charset="0"/>
-                        <a:ea typeface="Cambria" charset="0"/>
-                        <a:cs typeface="Cambria" charset="0"/>
-                      </a:endParaRPr>
                     </a:p>
                   </a:txBody>
                   <a:tcPr>
@@ -12257,7 +12198,7 @@
                     <a:lstStyle/>
                     <a:p>
                       <a:r>
-                        <a:rPr lang="en-US" sz="1200" b="1" i="0" dirty="0" smtClean="0">
+                        <a:rPr lang="en-US" sz="1200" b="1" i="0" dirty="0">
                           <a:latin typeface="Cambria" charset="0"/>
                           <a:ea typeface="Cambria" charset="0"/>
                           <a:cs typeface="Cambria" charset="0"/>
@@ -12265,7 +12206,7 @@
                         <a:t>Highly</a:t>
                       </a:r>
                       <a:r>
-                        <a:rPr lang="en-US" sz="1200" b="1" i="0" baseline="0" dirty="0" smtClean="0">
+                        <a:rPr lang="en-US" sz="1200" b="1" i="0" baseline="0" dirty="0">
                           <a:latin typeface="Cambria" charset="0"/>
                           <a:ea typeface="Cambria" charset="0"/>
                           <a:cs typeface="Cambria" charset="0"/>
@@ -12324,7 +12265,7 @@
                     <a:lstStyle/>
                     <a:p>
                       <a:r>
-                        <a:rPr lang="en-US" sz="1200" b="1" i="0" dirty="0" smtClean="0">
+                        <a:rPr lang="en-US" sz="1200" b="1" i="0" dirty="0">
                           <a:latin typeface="Cambria" charset="0"/>
                           <a:ea typeface="Cambria" charset="0"/>
                           <a:cs typeface="Cambria" charset="0"/>
@@ -12332,14 +12273,14 @@
                         <a:t>Highly</a:t>
                       </a:r>
                       <a:r>
-                        <a:rPr lang="en-US" sz="1200" b="1" i="0" baseline="0" dirty="0" smtClean="0">
+                        <a:rPr lang="en-US" sz="1200" b="1" i="0" baseline="0" dirty="0">
                           <a:latin typeface="Cambria" charset="0"/>
                           <a:ea typeface="Cambria" charset="0"/>
                           <a:cs typeface="Cambria" charset="0"/>
                         </a:rPr>
                         <a:t> Impacted Age (US) </a:t>
                       </a:r>
-                      <a:endParaRPr lang="en-US" sz="1200" b="1" i="0" dirty="0" smtClean="0">
+                      <a:endParaRPr lang="en-US" sz="1200" b="1" i="0" dirty="0">
                         <a:latin typeface="Cambria" charset="0"/>
                         <a:ea typeface="Cambria" charset="0"/>
                         <a:cs typeface="Cambria" charset="0"/>
@@ -12385,6 +12326,11 @@
                     </a:lnB>
                   </a:tcPr>
                 </a:tc>
+                <a:extLst>
+                  <a:ext uri="{0D108BD9-81ED-4DB2-BD59-A6C34878D82A}">
+                    <a16:rowId xmlns:a16="http://schemas.microsoft.com/office/drawing/2014/main" val="10000"/>
+                  </a:ext>
+                </a:extLst>
               </a:tr>
               <a:tr h="284130">
                 <a:tc>
@@ -12393,18 +12339,13 @@
                     <a:lstStyle/>
                     <a:p>
                       <a:r>
-                        <a:rPr lang="en-US" sz="1200" b="0" i="0" dirty="0" smtClean="0">
+                        <a:rPr lang="en-US" sz="1200" b="0" i="0" dirty="0">
                           <a:latin typeface="Cambria" charset="0"/>
                           <a:ea typeface="Cambria" charset="0"/>
                           <a:cs typeface="Cambria" charset="0"/>
                         </a:rPr>
                         <a:t>2012</a:t>
                       </a:r>
-                      <a:endParaRPr lang="en-US" sz="1200" b="0" i="0" dirty="0">
-                        <a:latin typeface="Cambria" charset="0"/>
-                        <a:ea typeface="Cambria" charset="0"/>
-                        <a:cs typeface="Cambria" charset="0"/>
-                      </a:endParaRPr>
                     </a:p>
                   </a:txBody>
                   <a:tcPr>
@@ -12453,7 +12394,7 @@
                     <a:p>
                       <a:pPr algn="l" fontAlgn="t"/>
                       <a:r>
-                        <a:rPr lang="it-IT" sz="1200" b="0" i="0" u="none" strike="noStrike" dirty="0" smtClean="0">
+                        <a:rPr lang="it-IT" sz="1200" b="0" i="0" u="none" strike="noStrike" dirty="0">
                           <a:solidFill>
                             <a:srgbClr val="000000"/>
                           </a:solidFill>
@@ -12464,15 +12405,6 @@
                         </a:rPr>
                         <a:t>60-64</a:t>
                       </a:r>
-                      <a:endParaRPr lang="it-IT" sz="1200" b="0" i="0" u="none" strike="noStrike" dirty="0">
-                        <a:solidFill>
-                          <a:srgbClr val="000000"/>
-                        </a:solidFill>
-                        <a:effectLst/>
-                        <a:latin typeface="Cambria" charset="0"/>
-                        <a:ea typeface="Cambria" charset="0"/>
-                        <a:cs typeface="Cambria" charset="0"/>
-                      </a:endParaRPr>
                     </a:p>
                   </a:txBody>
                   <a:tcPr marL="12700" marR="12700" marT="12700" marB="0">
@@ -12537,7 +12469,7 @@
                         <a:defRPr/>
                       </a:pPr>
                       <a:r>
-                        <a:rPr lang="is-IS" sz="1200" b="0" i="0" u="none" strike="noStrike" smtClean="0">
+                        <a:rPr lang="is-IS" sz="1200" b="0" i="0" u="none" strike="noStrike">
                           <a:solidFill>
                             <a:srgbClr val="000000"/>
                           </a:solidFill>
@@ -12549,7 +12481,7 @@
                         <a:t> </a:t>
                       </a:r>
                       <a:r>
-                        <a:rPr lang="pt-BR" sz="1200" b="0" i="0" u="none" strike="noStrike" dirty="0" smtClean="0">
+                        <a:rPr lang="pt-BR" sz="1200" b="0" i="0" u="none" strike="noStrike" dirty="0">
                           <a:solidFill>
                             <a:srgbClr val="000000"/>
                           </a:solidFill>
@@ -12564,7 +12496,7 @@
                     <a:p>
                       <a:pPr algn="l" fontAlgn="t"/>
                       <a:r>
-                        <a:rPr lang="is-IS" sz="1200" b="0" i="0" u="none" strike="noStrike" smtClean="0">
+                        <a:rPr lang="is-IS" sz="1200" b="0" i="0" u="none" strike="noStrike">
                           <a:solidFill>
                             <a:srgbClr val="000000"/>
                           </a:solidFill>
@@ -12625,6 +12557,11 @@
                     </a:lnB>
                   </a:tcPr>
                 </a:tc>
+                <a:extLst>
+                  <a:ext uri="{0D108BD9-81ED-4DB2-BD59-A6C34878D82A}">
+                    <a16:rowId xmlns:a16="http://schemas.microsoft.com/office/drawing/2014/main" val="10001"/>
+                  </a:ext>
+                </a:extLst>
               </a:tr>
               <a:tr h="284130">
                 <a:tc>
@@ -12633,18 +12570,13 @@
                     <a:lstStyle/>
                     <a:p>
                       <a:r>
-                        <a:rPr lang="en-US" sz="1200" b="0" i="0" dirty="0" smtClean="0">
+                        <a:rPr lang="en-US" sz="1200" b="0" i="0" dirty="0">
                           <a:latin typeface="Cambria" charset="0"/>
                           <a:ea typeface="Cambria" charset="0"/>
                           <a:cs typeface="Cambria" charset="0"/>
                         </a:rPr>
                         <a:t>2013</a:t>
                       </a:r>
-                      <a:endParaRPr lang="en-US" sz="1200" b="0" i="0" dirty="0">
-                        <a:latin typeface="Cambria" charset="0"/>
-                        <a:ea typeface="Cambria" charset="0"/>
-                        <a:cs typeface="Cambria" charset="0"/>
-                      </a:endParaRPr>
                     </a:p>
                   </a:txBody>
                   <a:tcPr>
@@ -12693,7 +12625,7 @@
                     <a:p>
                       <a:pPr algn="l" fontAlgn="t"/>
                       <a:r>
-                        <a:rPr lang="pt-BR" sz="1200" b="0" i="0" u="none" strike="noStrike" dirty="0" smtClean="0">
+                        <a:rPr lang="pt-BR" sz="1200" b="0" i="0" u="none" strike="noStrike" dirty="0">
                           <a:solidFill>
                             <a:srgbClr val="000000"/>
                           </a:solidFill>
@@ -12704,15 +12636,6 @@
                         </a:rPr>
                         <a:t>65-69</a:t>
                       </a:r>
-                      <a:endParaRPr lang="pt-BR" sz="1200" b="0" i="0" u="none" strike="noStrike" dirty="0">
-                        <a:solidFill>
-                          <a:srgbClr val="000000"/>
-                        </a:solidFill>
-                        <a:effectLst/>
-                        <a:latin typeface="Cambria" charset="0"/>
-                        <a:ea typeface="Cambria" charset="0"/>
-                        <a:cs typeface="Cambria" charset="0"/>
-                      </a:endParaRPr>
                     </a:p>
                   </a:txBody>
                   <a:tcPr marL="12700" marR="12700" marT="12700" marB="0">
@@ -12810,6 +12733,11 @@
                     </a:lnB>
                   </a:tcPr>
                 </a:tc>
+                <a:extLst>
+                  <a:ext uri="{0D108BD9-81ED-4DB2-BD59-A6C34878D82A}">
+                    <a16:rowId xmlns:a16="http://schemas.microsoft.com/office/drawing/2014/main" val="10002"/>
+                  </a:ext>
+                </a:extLst>
               </a:tr>
               <a:tr h="284130">
                 <a:tc>
@@ -12818,18 +12746,13 @@
                     <a:lstStyle/>
                     <a:p>
                       <a:r>
-                        <a:rPr lang="en-US" sz="1200" b="0" i="0" dirty="0" smtClean="0">
+                        <a:rPr lang="en-US" sz="1200" b="0" i="0" dirty="0">
                           <a:latin typeface="Cambria" charset="0"/>
                           <a:ea typeface="Cambria" charset="0"/>
                           <a:cs typeface="Cambria" charset="0"/>
                         </a:rPr>
                         <a:t>2014</a:t>
                       </a:r>
-                      <a:endParaRPr lang="en-US" sz="1200" b="0" i="0" dirty="0">
-                        <a:latin typeface="Cambria" charset="0"/>
-                        <a:ea typeface="Cambria" charset="0"/>
-                        <a:cs typeface="Cambria" charset="0"/>
-                      </a:endParaRPr>
                     </a:p>
                   </a:txBody>
                   <a:tcPr>
@@ -12878,7 +12801,7 @@
                     <a:p>
                       <a:pPr algn="l" fontAlgn="t"/>
                       <a:r>
-                        <a:rPr lang="en-US" sz="1200" b="0" i="0" u="none" strike="noStrike" dirty="0" smtClean="0">
+                        <a:rPr lang="en-US" sz="1200" b="0" i="0" u="none" strike="noStrike" dirty="0">
                           <a:solidFill>
                             <a:srgbClr val="000000"/>
                           </a:solidFill>
@@ -12889,15 +12812,6 @@
                         </a:rPr>
                         <a:t>55-59</a:t>
                       </a:r>
-                      <a:endParaRPr lang="en-US" sz="1200" b="0" i="0" u="none" strike="noStrike" dirty="0">
-                        <a:solidFill>
-                          <a:srgbClr val="000000"/>
-                        </a:solidFill>
-                        <a:effectLst/>
-                        <a:latin typeface="Cambria" charset="0"/>
-                        <a:ea typeface="Cambria" charset="0"/>
-                        <a:cs typeface="Cambria" charset="0"/>
-                      </a:endParaRPr>
                     </a:p>
                   </a:txBody>
                   <a:tcPr marL="12700" marR="12700" marT="12700" marB="0">
@@ -12995,6 +12909,11 @@
                     </a:lnB>
                   </a:tcPr>
                 </a:tc>
+                <a:extLst>
+                  <a:ext uri="{0D108BD9-81ED-4DB2-BD59-A6C34878D82A}">
+                    <a16:rowId xmlns:a16="http://schemas.microsoft.com/office/drawing/2014/main" val="10003"/>
+                  </a:ext>
+                </a:extLst>
               </a:tr>
               <a:tr h="284130">
                 <a:tc>
@@ -13003,18 +12922,13 @@
                     <a:lstStyle/>
                     <a:p>
                       <a:r>
-                        <a:rPr lang="en-US" sz="1200" b="0" i="0" dirty="0" smtClean="0">
+                        <a:rPr lang="en-US" sz="1200" b="0" i="0" dirty="0">
                           <a:latin typeface="Cambria" charset="0"/>
                           <a:ea typeface="Cambria" charset="0"/>
                           <a:cs typeface="Cambria" charset="0"/>
                         </a:rPr>
                         <a:t>2015</a:t>
                       </a:r>
-                      <a:endParaRPr lang="en-US" sz="1200" b="0" i="0" dirty="0">
-                        <a:latin typeface="Cambria" charset="0"/>
-                        <a:ea typeface="Cambria" charset="0"/>
-                        <a:cs typeface="Cambria" charset="0"/>
-                      </a:endParaRPr>
                     </a:p>
                   </a:txBody>
                   <a:tcPr>
@@ -13063,7 +12977,7 @@
                     <a:p>
                       <a:pPr algn="l" fontAlgn="t"/>
                       <a:r>
-                        <a:rPr lang="fi-FI" sz="1200" b="0" i="0" u="none" strike="noStrike" dirty="0" smtClean="0">
+                        <a:rPr lang="fi-FI" sz="1200" b="0" i="0" u="none" strike="noStrike" dirty="0">
                           <a:solidFill>
                             <a:srgbClr val="000000"/>
                           </a:solidFill>
@@ -13074,15 +12988,6 @@
                         </a:rPr>
                         <a:t>50-54</a:t>
                       </a:r>
-                      <a:endParaRPr lang="fi-FI" sz="1200" b="0" i="0" u="none" strike="noStrike" dirty="0">
-                        <a:solidFill>
-                          <a:srgbClr val="000000"/>
-                        </a:solidFill>
-                        <a:effectLst/>
-                        <a:latin typeface="Cambria" charset="0"/>
-                        <a:ea typeface="Cambria" charset="0"/>
-                        <a:cs typeface="Cambria" charset="0"/>
-                      </a:endParaRPr>
                     </a:p>
                   </a:txBody>
                   <a:tcPr marL="12700" marR="12700" marT="12700" marB="0">
@@ -13180,6 +13085,11 @@
                     </a:lnB>
                   </a:tcPr>
                 </a:tc>
+                <a:extLst>
+                  <a:ext uri="{0D108BD9-81ED-4DB2-BD59-A6C34878D82A}">
+                    <a16:rowId xmlns:a16="http://schemas.microsoft.com/office/drawing/2014/main" val="10004"/>
+                  </a:ext>
+                </a:extLst>
               </a:tr>
               <a:tr h="284130">
                 <a:tc>
@@ -13188,18 +13098,13 @@
                     <a:lstStyle/>
                     <a:p>
                       <a:r>
-                        <a:rPr lang="en-US" sz="1200" b="0" i="0" dirty="0" smtClean="0">
+                        <a:rPr lang="en-US" sz="1200" b="0" i="0" dirty="0">
                           <a:latin typeface="Cambria" charset="0"/>
                           <a:ea typeface="Cambria" charset="0"/>
                           <a:cs typeface="Cambria" charset="0"/>
                         </a:rPr>
                         <a:t>2016</a:t>
                       </a:r>
-                      <a:endParaRPr lang="en-US" sz="1200" b="0" i="0" dirty="0">
-                        <a:latin typeface="Cambria" charset="0"/>
-                        <a:ea typeface="Cambria" charset="0"/>
-                        <a:cs typeface="Cambria" charset="0"/>
-                      </a:endParaRPr>
                     </a:p>
                   </a:txBody>
                   <a:tcPr>
@@ -13248,7 +13153,7 @@
                     <a:p>
                       <a:pPr algn="l" fontAlgn="t"/>
                       <a:r>
-                        <a:rPr lang="pt-BR" sz="1200" b="0" i="0" u="none" strike="noStrike" dirty="0" smtClean="0">
+                        <a:rPr lang="pt-BR" sz="1200" b="0" i="0" u="none" strike="noStrike" dirty="0">
                           <a:solidFill>
                             <a:srgbClr val="000000"/>
                           </a:solidFill>
@@ -13259,15 +13164,6 @@
                         </a:rPr>
                         <a:t>55-59</a:t>
                       </a:r>
-                      <a:endParaRPr lang="pt-BR" sz="1200" b="0" i="0" u="none" strike="noStrike" dirty="0">
-                        <a:solidFill>
-                          <a:srgbClr val="000000"/>
-                        </a:solidFill>
-                        <a:effectLst/>
-                        <a:latin typeface="Cambria" charset="0"/>
-                        <a:ea typeface="Cambria" charset="0"/>
-                        <a:cs typeface="Cambria" charset="0"/>
-                      </a:endParaRPr>
                     </a:p>
                   </a:txBody>
                   <a:tcPr marL="12700" marR="12700" marT="12700" marB="0">
@@ -13365,6 +13261,11 @@
                     </a:lnB>
                   </a:tcPr>
                 </a:tc>
+                <a:extLst>
+                  <a:ext uri="{0D108BD9-81ED-4DB2-BD59-A6C34878D82A}">
+                    <a16:rowId xmlns:a16="http://schemas.microsoft.com/office/drawing/2014/main" val="10005"/>
+                  </a:ext>
+                </a:extLst>
               </a:tr>
             </a:tbl>
           </a:graphicData>
@@ -13498,7 +13399,7 @@
           <a:lstStyle/>
           <a:p>
             <a:r>
-              <a:rPr lang="en-US" dirty="0" smtClean="0">
+              <a:rPr lang="en-US" dirty="0">
                 <a:latin typeface="Cambria" charset="0"/>
                 <a:ea typeface="Cambria" charset="0"/>
                 <a:cs typeface="Cambria" charset="0"/>
@@ -13506,14 +13407,14 @@
               <a:t>FINDINGS:  MENTAL HEALTH BY YEAR  </a:t>
             </a:r>
             <a:br>
-              <a:rPr lang="en-US" dirty="0" smtClean="0">
+              <a:rPr lang="en-US" dirty="0">
                 <a:latin typeface="Cambria" charset="0"/>
                 <a:ea typeface="Cambria" charset="0"/>
                 <a:cs typeface="Cambria" charset="0"/>
               </a:rPr>
             </a:br>
             <a:r>
-              <a:rPr lang="en-US" dirty="0" smtClean="0">
+              <a:rPr lang="en-US" dirty="0">
                 <a:latin typeface="Cambria" charset="0"/>
                 <a:ea typeface="Cambria" charset="0"/>
                 <a:cs typeface="Cambria" charset="0"/>
@@ -13521,7 +13422,7 @@
               <a:t>On Rural vs Urban (US vs NJ) </a:t>
             </a:r>
             <a:r>
-              <a:rPr lang="en-US" sz="2000" dirty="0" smtClean="0">
+              <a:rPr lang="en-US" sz="2000" dirty="0">
                 <a:latin typeface="Cambria" charset="0"/>
                 <a:ea typeface="Cambria" charset="0"/>
                 <a:cs typeface="Cambria" charset="0"/>
@@ -13529,7 +13430,7 @@
               <a:t>For details, click </a:t>
             </a:r>
             <a:r>
-              <a:rPr lang="en-US" sz="2000" dirty="0" smtClean="0">
+              <a:rPr lang="en-US" sz="2000" dirty="0">
                 <a:latin typeface="Cambria" charset="0"/>
                 <a:ea typeface="Cambria" charset="0"/>
                 <a:cs typeface="Cambria" charset="0"/>
@@ -13538,18 +13439,13 @@
               <a:t>here</a:t>
             </a:r>
             <a:r>
-              <a:rPr lang="en-US" sz="2000" dirty="0" smtClean="0">
+              <a:rPr lang="en-US" sz="2000" dirty="0">
                 <a:latin typeface="Cambria" charset="0"/>
                 <a:ea typeface="Cambria" charset="0"/>
                 <a:cs typeface="Cambria" charset="0"/>
               </a:rPr>
               <a:t>.</a:t>
             </a:r>
-            <a:endParaRPr lang="en-US" sz="2000" dirty="0">
-              <a:latin typeface="Cambria" charset="0"/>
-              <a:ea typeface="Cambria" charset="0"/>
-              <a:cs typeface="Cambria" charset="0"/>
-            </a:endParaRPr>
           </a:p>
         </p:txBody>
       </p:sp>
@@ -13803,17 +13699,6 @@
               <a:defRPr/>
             </a:pPr>
             <a:r>
-              <a:rPr lang="en-US" sz="1600" dirty="0" smtClean="0">
-                <a:solidFill>
-                  <a:schemeClr val="tx1"/>
-                </a:solidFill>
-                <a:latin typeface="Cambria" charset="0"/>
-                <a:ea typeface="Cambria" charset="0"/>
-                <a:cs typeface="Cambria" charset="0"/>
-              </a:rPr>
-              <a:t>Across last 5 years, NJ has always shown Urban population as more highly impacted than </a:t>
-            </a:r>
-            <a:r>
               <a:rPr lang="en-US" sz="1600" dirty="0">
                 <a:solidFill>
                   <a:schemeClr val="tx1"/>
@@ -13822,10 +13707,10 @@
                 <a:ea typeface="Cambria" charset="0"/>
                 <a:cs typeface="Cambria" charset="0"/>
               </a:rPr>
-              <a:t>R</a:t>
-            </a:r>
-            <a:r>
-              <a:rPr lang="en-US" sz="1600" dirty="0" smtClean="0">
+              <a:t>Across last 5 years, NJ has always shown Urban population as more highly impacted than Rural population </a:t>
+            </a:r>
+            <a:r>
+              <a:rPr lang="mr-IN" sz="1600" dirty="0">
                 <a:solidFill>
                   <a:schemeClr val="tx1"/>
                 </a:solidFill>
@@ -13833,21 +13718,10 @@
                 <a:ea typeface="Cambria" charset="0"/>
                 <a:cs typeface="Cambria" charset="0"/>
               </a:rPr>
-              <a:t>ural population </a:t>
-            </a:r>
-            <a:r>
-              <a:rPr lang="mr-IN" sz="1600" dirty="0" smtClean="0">
-                <a:solidFill>
-                  <a:schemeClr val="tx1"/>
-                </a:solidFill>
-                <a:latin typeface="Cambria" charset="0"/>
-                <a:ea typeface="Cambria" charset="0"/>
-                <a:cs typeface="Cambria" charset="0"/>
-              </a:rPr>
               <a:t>–</a:t>
             </a:r>
             <a:r>
-              <a:rPr lang="en-US" sz="1600" dirty="0" smtClean="0">
+              <a:rPr lang="en-US" sz="1600" dirty="0">
                 <a:solidFill>
                   <a:schemeClr val="tx1"/>
                 </a:solidFill>
@@ -13938,7 +13812,7 @@
           <a:p>
             <a:pPr algn="ctr"/>
             <a:r>
-              <a:rPr lang="en-US" sz="1200" b="1" dirty="0" smtClean="0">
+              <a:rPr lang="en-US" sz="1200" b="1" dirty="0">
                 <a:solidFill>
                   <a:schemeClr val="tx1"/>
                 </a:solidFill>
@@ -13950,14 +13824,14 @@
               <a:t>Rural vs Urban (NJ</a:t>
             </a:r>
             <a:r>
-              <a:rPr lang="en-US" sz="1200" b="1" dirty="0" smtClean="0">
+              <a:rPr lang="en-US" sz="1200" b="1" dirty="0">
                 <a:solidFill>
                   <a:schemeClr val="tx1"/>
                 </a:solidFill>
                 <a:latin typeface="Cambria" charset="0"/>
                 <a:ea typeface="Cambria" charset="0"/>
                 <a:cs typeface="Cambria" charset="0"/>
-                <a:hlinkClick r:id="rId6" invalidUrl="https://github.com/arunasunder/Team1_MentalHealth/blob/master/Analysis_Output/2016/MetroStatusCode vs Mental Health_NJ for 2016.png"/>
+                <a:hlinkClick r:id="rId5" invalidUrl="https://github.com/arunasunder/Team1_MentalHealth/blob/master/Analysis_Output/2016/MetroStatusCode vs Mental Health_NJ for 2016.png"/>
               </a:rPr>
               <a:t>)</a:t>
             </a:r>
@@ -13981,7 +13855,7 @@
           <p:nvPr/>
         </p:nvPicPr>
         <p:blipFill>
-          <a:blip r:embed="rId7">
+          <a:blip r:embed="rId6">
             <a:extLst>
               <a:ext uri="{28A0092B-C50C-407E-A947-70E740481C1C}">
                 <a14:useLocalDpi xmlns:a14="http://schemas.microsoft.com/office/drawing/2010/main" val="0"/>
@@ -14050,14 +13924,14 @@
           <a:p>
             <a:pPr algn="ctr"/>
             <a:r>
-              <a:rPr lang="en-US" sz="1200" b="1" dirty="0" smtClean="0">
+              <a:rPr lang="en-US" sz="1200" b="1" dirty="0">
                 <a:solidFill>
                   <a:schemeClr val="tx1"/>
                 </a:solidFill>
                 <a:latin typeface="Cambria" charset="0"/>
                 <a:ea typeface="Cambria" charset="0"/>
                 <a:cs typeface="Cambria" charset="0"/>
-                <a:hlinkClick r:id="rId8" invalidUrl="https://github.com/arunasunder/Team1_MentalHealth/blob/master/Analysis_Output/2016/MetroStatusCode vs Mental Health_USA for 2016.png"/>
+                <a:hlinkClick r:id="rId7" invalidUrl="https://github.com/arunasunder/Team1_MentalHealth/blob/master/Analysis_Output/2016/MetroStatusCode vs Mental Health_USA for 2016.png"/>
               </a:rPr>
               <a:t>Rural vs Urban (US)</a:t>
             </a:r>
@@ -14082,13 +13956,6 @@
   <p:clrMapOvr>
     <a:masterClrMapping/>
   </p:clrMapOvr>
-  <p:timing>
-    <p:tnLst>
-      <p:par>
-        <p:cTn id="1" dur="indefinite" restart="never" nodeType="tmRoot"/>
-      </p:par>
-    </p:tnLst>
-  </p:timing>
 </p:sld>
 </file>
 
@@ -14132,18 +13999,13 @@
           <a:lstStyle/>
           <a:p>
             <a:r>
-              <a:rPr lang="en-US" dirty="0" smtClean="0">
+              <a:rPr lang="en-US" dirty="0">
                 <a:latin typeface="Cambria" charset="0"/>
                 <a:ea typeface="Cambria" charset="0"/>
                 <a:cs typeface="Cambria" charset="0"/>
               </a:rPr>
               <a:t>SUMMARIZED FINDINGS &amp; NEXT STEPS </a:t>
             </a:r>
-            <a:endParaRPr lang="en-US" dirty="0">
-              <a:latin typeface="Cambria" charset="0"/>
-              <a:ea typeface="Cambria" charset="0"/>
-              <a:cs typeface="Cambria" charset="0"/>
-            </a:endParaRPr>
           </a:p>
         </p:txBody>
       </p:sp>
@@ -14187,7 +14049,7 @@
               <a:defRPr/>
             </a:pPr>
             <a:r>
-              <a:rPr lang="en-US" sz="2000" b="1" dirty="0" smtClean="0">
+              <a:rPr lang="en-US" sz="2000" b="1" dirty="0">
                 <a:solidFill>
                   <a:schemeClr val="tx1"/>
                 </a:solidFill>
@@ -14206,7 +14068,7 @@
               <a:buClrTx/>
             </a:pPr>
             <a:r>
-              <a:rPr lang="en-US" sz="2000" dirty="0" smtClean="0">
+              <a:rPr lang="en-US" sz="2000" dirty="0">
                 <a:solidFill>
                   <a:schemeClr val="tx1"/>
                 </a:solidFill>
@@ -14225,7 +14087,7 @@
               <a:buClrTx/>
             </a:pPr>
             <a:r>
-              <a:rPr lang="en-US" dirty="0" smtClean="0">
+              <a:rPr lang="en-US" dirty="0">
                 <a:solidFill>
                   <a:schemeClr val="tx1"/>
                 </a:solidFill>
@@ -14235,7 +14097,7 @@
               </a:rPr>
               <a:t>West vs East Nuances </a:t>
             </a:r>
-            <a:endParaRPr lang="en-US" sz="2000" dirty="0" smtClean="0">
+            <a:endParaRPr lang="en-US" sz="2000" dirty="0">
               <a:solidFill>
                 <a:schemeClr val="tx1"/>
               </a:solidFill>
@@ -14252,7 +14114,7 @@
               <a:buClrTx/>
             </a:pPr>
             <a:r>
-              <a:rPr lang="en-US" sz="2000" dirty="0" smtClean="0">
+              <a:rPr lang="en-US" sz="2000" dirty="0">
                 <a:solidFill>
                   <a:schemeClr val="tx1"/>
                 </a:solidFill>
@@ -14271,7 +14133,7 @@
               <a:buClrTx/>
             </a:pPr>
             <a:r>
-              <a:rPr lang="en-US" b="1" dirty="0" smtClean="0">
+              <a:rPr lang="en-US" b="1" dirty="0">
                 <a:solidFill>
                   <a:schemeClr val="tx1"/>
                 </a:solidFill>
@@ -14282,7 +14144,7 @@
               <a:t>On Gender:</a:t>
             </a:r>
             <a:r>
-              <a:rPr lang="en-US" dirty="0" smtClean="0">
+              <a:rPr lang="en-US" dirty="0">
                 <a:solidFill>
                   <a:schemeClr val="tx1"/>
                 </a:solidFill>
@@ -14293,7 +14155,7 @@
               <a:t> Male are more highly impacted across years compared to Female (narrow margin)</a:t>
             </a:r>
             <a:r>
-              <a:rPr lang="mr-IN" dirty="0" smtClean="0">
+              <a:rPr lang="mr-IN" dirty="0">
                 <a:solidFill>
                   <a:schemeClr val="tx1"/>
                 </a:solidFill>
@@ -14304,7 +14166,7 @@
               <a:t>–</a:t>
             </a:r>
             <a:r>
-              <a:rPr lang="en-US" dirty="0" smtClean="0">
+              <a:rPr lang="en-US" dirty="0">
                 <a:solidFill>
                   <a:schemeClr val="tx1"/>
                 </a:solidFill>
@@ -14323,7 +14185,7 @@
               <a:buClrTx/>
             </a:pPr>
             <a:r>
-              <a:rPr lang="en-US" b="1" dirty="0" smtClean="0">
+              <a:rPr lang="en-US" b="1" dirty="0">
                 <a:solidFill>
                   <a:schemeClr val="tx1"/>
                 </a:solidFill>
@@ -14334,7 +14196,7 @@
               <a:t>On Health Coverage</a:t>
             </a:r>
             <a:r>
-              <a:rPr lang="en-US" dirty="0" smtClean="0">
+              <a:rPr lang="en-US" dirty="0">
                 <a:solidFill>
                   <a:schemeClr val="tx1"/>
                 </a:solidFill>
@@ -14353,7 +14215,7 @@
               <a:buClrTx/>
             </a:pPr>
             <a:r>
-              <a:rPr lang="en-US" b="1" dirty="0" smtClean="0">
+              <a:rPr lang="en-US" b="1" dirty="0">
                 <a:solidFill>
                   <a:schemeClr val="tx1"/>
                 </a:solidFill>
@@ -14364,7 +14226,7 @@
               <a:t>On Employment State: </a:t>
             </a:r>
             <a:r>
-              <a:rPr lang="en-US" dirty="0" smtClean="0">
+              <a:rPr lang="en-US" dirty="0">
                 <a:solidFill>
                   <a:schemeClr val="tx1"/>
                 </a:solidFill>
@@ -14383,7 +14245,7 @@
               <a:buClrTx/>
             </a:pPr>
             <a:r>
-              <a:rPr lang="en-US" dirty="0" smtClean="0">
+              <a:rPr lang="en-US" dirty="0">
                 <a:solidFill>
                   <a:schemeClr val="tx1"/>
                 </a:solidFill>
@@ -14393,7 +14255,7 @@
               </a:rPr>
               <a:t>On Race: NJ Trends follows suit with national trend</a:t>
             </a:r>
-            <a:endParaRPr lang="en-US" dirty="0" smtClean="0">
+            <a:endParaRPr lang="en-US" dirty="0">
               <a:solidFill>
                 <a:srgbClr val="FF0000"/>
               </a:solidFill>
@@ -14410,7 +14272,7 @@
               <a:buClrTx/>
             </a:pPr>
             <a:r>
-              <a:rPr lang="en-US" sz="2000" dirty="0" smtClean="0">
+              <a:rPr lang="en-US" sz="2000" dirty="0">
                 <a:solidFill>
                   <a:schemeClr val="tx1"/>
                 </a:solidFill>
@@ -14422,7 +14284,7 @@
               <a:t>Jump in 2015 </a:t>
             </a:r>
             <a:r>
-              <a:rPr lang="en-US" sz="2000" dirty="0" smtClean="0">
+              <a:rPr lang="en-US" sz="2000" dirty="0">
                 <a:solidFill>
                   <a:schemeClr val="tx1"/>
                 </a:solidFill>
@@ -14433,7 +14295,7 @@
               <a:t>across the board </a:t>
             </a:r>
             <a:r>
-              <a:rPr lang="mr-IN" sz="2000" dirty="0" smtClean="0">
+              <a:rPr lang="mr-IN" sz="2000" dirty="0">
                 <a:solidFill>
                   <a:schemeClr val="tx1"/>
                 </a:solidFill>
@@ -14444,7 +14306,7 @@
               <a:t>–</a:t>
             </a:r>
             <a:r>
-              <a:rPr lang="en-US" sz="2000" dirty="0" smtClean="0">
+              <a:rPr lang="en-US" sz="2000" dirty="0">
                 <a:solidFill>
                   <a:schemeClr val="tx1"/>
                 </a:solidFill>
@@ -14455,7 +14317,7 @@
               <a:t> Higher stress reported across America External factors </a:t>
             </a:r>
             <a:r>
-              <a:rPr lang="mr-IN" sz="2000" dirty="0" smtClean="0">
+              <a:rPr lang="mr-IN" sz="2000" dirty="0">
                 <a:solidFill>
                   <a:schemeClr val="tx1"/>
                 </a:solidFill>
@@ -14466,7 +14328,7 @@
               <a:t>–</a:t>
             </a:r>
             <a:r>
-              <a:rPr lang="en-US" sz="2000" dirty="0" smtClean="0">
+              <a:rPr lang="en-US" sz="2000" dirty="0">
                 <a:solidFill>
                   <a:schemeClr val="tx1"/>
                 </a:solidFill>
@@ -14495,7 +14357,7 @@
               <a:tabLst/>
               <a:defRPr/>
             </a:pPr>
-            <a:endParaRPr lang="en-US" sz="2000" b="1" dirty="0" smtClean="0">
+            <a:endParaRPr lang="en-US" sz="2000" b="1" dirty="0">
               <a:solidFill>
                 <a:schemeClr val="tx1"/>
               </a:solidFill>
@@ -14523,7 +14385,7 @@
               <a:defRPr/>
             </a:pPr>
             <a:r>
-              <a:rPr lang="en-US" sz="2000" b="1" dirty="0" smtClean="0">
+              <a:rPr lang="en-US" sz="2000" b="1" dirty="0">
                 <a:solidFill>
                   <a:schemeClr val="tx1"/>
                 </a:solidFill>
@@ -14542,7 +14404,7 @@
               <a:buClrTx/>
             </a:pPr>
             <a:r>
-              <a:rPr lang="en-US" sz="2000" dirty="0" smtClean="0">
+              <a:rPr lang="en-US" sz="2000" dirty="0">
                 <a:solidFill>
                   <a:schemeClr val="tx1"/>
                 </a:solidFill>
@@ -14598,7 +14460,7 @@
               <a:tabLst/>
               <a:defRPr/>
             </a:pPr>
-            <a:endParaRPr lang="en-US" sz="2000" dirty="0" smtClean="0">
+            <a:endParaRPr lang="en-US" sz="2000" dirty="0">
               <a:solidFill>
                 <a:srgbClr val="FF0000"/>
               </a:solidFill>
@@ -14669,7 +14531,7 @@
               <a:tabLst/>
               <a:defRPr/>
             </a:pPr>
-            <a:endParaRPr lang="en-US" sz="2000" dirty="0" smtClean="0">
+            <a:endParaRPr lang="en-US" sz="2000" dirty="0">
               <a:solidFill>
                 <a:srgbClr val="FF0000"/>
               </a:solidFill>
@@ -14690,13 +14552,6 @@
   <p:clrMapOvr>
     <a:masterClrMapping/>
   </p:clrMapOvr>
-  <p:timing>
-    <p:tnLst>
-      <p:par>
-        <p:cTn id="1" dur="indefinite" restart="never" nodeType="tmRoot"/>
-      </p:par>
-    </p:tnLst>
-  </p:timing>
 </p:sld>
 </file>
 
@@ -14740,18 +14595,13 @@
           <a:lstStyle/>
           <a:p>
             <a:r>
-              <a:rPr lang="en-US" dirty="0" smtClean="0">
+              <a:rPr lang="en-US" dirty="0">
                 <a:latin typeface="Cambria" charset="0"/>
                 <a:ea typeface="Cambria" charset="0"/>
                 <a:cs typeface="Cambria" charset="0"/>
               </a:rPr>
               <a:t>NEXT STEPS</a:t>
             </a:r>
-            <a:endParaRPr lang="en-US" dirty="0">
-              <a:latin typeface="Cambria" charset="0"/>
-              <a:ea typeface="Cambria" charset="0"/>
-              <a:cs typeface="Cambria" charset="0"/>
-            </a:endParaRPr>
           </a:p>
         </p:txBody>
       </p:sp>
@@ -14784,96 +14634,6 @@
               <a:buClrTx/>
             </a:pPr>
             <a:r>
-              <a:rPr lang="en-US" sz="2000" dirty="0" smtClean="0">
-                <a:solidFill>
-                  <a:schemeClr val="tx1"/>
-                </a:solidFill>
-                <a:latin typeface="Cambria" charset="0"/>
-                <a:ea typeface="Cambria" charset="0"/>
-                <a:cs typeface="Cambria" charset="0"/>
-              </a:rPr>
-              <a:t>Investigate the factors influencing jump in 2015 more </a:t>
-            </a:r>
-          </a:p>
-          <a:p>
-            <a:pPr defTabSz="914400">
-              <a:spcBef>
-                <a:spcPts val="0"/>
-              </a:spcBef>
-              <a:buClrTx/>
-            </a:pPr>
-            <a:r>
-              <a:rPr lang="en-US" sz="2000" dirty="0" smtClean="0">
-                <a:solidFill>
-                  <a:schemeClr val="tx1"/>
-                </a:solidFill>
-                <a:latin typeface="Cambria" charset="0"/>
-                <a:ea typeface="Cambria" charset="0"/>
-                <a:cs typeface="Cambria" charset="0"/>
-              </a:rPr>
-              <a:t>Investigate reason for Rural vs Urban impacts across US </a:t>
-            </a:r>
-          </a:p>
-          <a:p>
-            <a:pPr defTabSz="914400">
-              <a:spcBef>
-                <a:spcPts val="0"/>
-              </a:spcBef>
-              <a:buClrTx/>
-            </a:pPr>
-            <a:r>
-              <a:rPr lang="en-US" sz="2000" dirty="0" smtClean="0">
-                <a:solidFill>
-                  <a:schemeClr val="tx1"/>
-                </a:solidFill>
-                <a:latin typeface="Cambria" charset="0"/>
-                <a:ea typeface="Cambria" charset="0"/>
-                <a:cs typeface="Cambria" charset="0"/>
-              </a:rPr>
-              <a:t>Focusing on Drugs </a:t>
-            </a:r>
-            <a:r>
-              <a:rPr lang="mr-IN" sz="2000" dirty="0" smtClean="0">
-                <a:solidFill>
-                  <a:schemeClr val="tx1"/>
-                </a:solidFill>
-                <a:latin typeface="Cambria" charset="0"/>
-                <a:ea typeface="Cambria" charset="0"/>
-                <a:cs typeface="Cambria" charset="0"/>
-              </a:rPr>
-              <a:t>–</a:t>
-            </a:r>
-            <a:r>
-              <a:rPr lang="en-US" sz="2000" dirty="0" smtClean="0">
-                <a:solidFill>
-                  <a:schemeClr val="tx1"/>
-                </a:solidFill>
-                <a:latin typeface="Cambria" charset="0"/>
-                <a:ea typeface="Cambria" charset="0"/>
-                <a:cs typeface="Cambria" charset="0"/>
-              </a:rPr>
-              <a:t> Target ads to the target group identified </a:t>
-            </a:r>
-          </a:p>
-          <a:p>
-            <a:pPr defTabSz="914400">
-              <a:spcBef>
-                <a:spcPts val="0"/>
-              </a:spcBef>
-              <a:buClrTx/>
-            </a:pPr>
-            <a:r>
-              <a:rPr lang="en-US" sz="2000" dirty="0" smtClean="0">
-                <a:solidFill>
-                  <a:schemeClr val="tx1"/>
-                </a:solidFill>
-                <a:latin typeface="Cambria" charset="0"/>
-                <a:ea typeface="Cambria" charset="0"/>
-                <a:cs typeface="Cambria" charset="0"/>
-              </a:rPr>
-              <a:t>From a </a:t>
-            </a:r>
-            <a:r>
               <a:rPr lang="en-US" sz="2000" dirty="0">
                 <a:solidFill>
                   <a:schemeClr val="tx1"/>
@@ -14882,10 +14642,18 @@
                 <a:ea typeface="Cambria" charset="0"/>
                 <a:cs typeface="Cambria" charset="0"/>
               </a:rPr>
-              <a:t>G</a:t>
-            </a:r>
-            <a:r>
-              <a:rPr lang="en-US" sz="2000" dirty="0" smtClean="0">
+              <a:t>Investigate the factors influencing jump in 2015 more </a:t>
+            </a:r>
+          </a:p>
+          <a:p>
+            <a:pPr defTabSz="914400">
+              <a:spcBef>
+                <a:spcPts val="0"/>
+              </a:spcBef>
+              <a:buClrTx/>
+            </a:pPr>
+            <a:r>
+              <a:rPr lang="en-US" sz="2000" dirty="0">
                 <a:solidFill>
                   <a:schemeClr val="tx1"/>
                 </a:solidFill>
@@ -14893,7 +14661,7 @@
                 <a:ea typeface="Cambria" charset="0"/>
                 <a:cs typeface="Cambria" charset="0"/>
               </a:rPr>
-              <a:t>overnmental aspect: See why the health coverage is not truly showing a impact is a better mental health score. </a:t>
+              <a:t>Investigate reason for Rural vs Urban impacts across US </a:t>
             </a:r>
           </a:p>
           <a:p>
@@ -14904,7 +14672,67 @@
               <a:buClrTx/>
             </a:pPr>
             <a:r>
-              <a:rPr lang="en-US" sz="2000" dirty="0" smtClean="0">
+              <a:rPr lang="en-US" sz="2000" dirty="0">
+                <a:solidFill>
+                  <a:schemeClr val="tx1"/>
+                </a:solidFill>
+                <a:latin typeface="Cambria" charset="0"/>
+                <a:ea typeface="Cambria" charset="0"/>
+                <a:cs typeface="Cambria" charset="0"/>
+              </a:rPr>
+              <a:t>Focusing on Drugs </a:t>
+            </a:r>
+            <a:r>
+              <a:rPr lang="mr-IN" sz="2000" dirty="0">
+                <a:solidFill>
+                  <a:schemeClr val="tx1"/>
+                </a:solidFill>
+                <a:latin typeface="Cambria" charset="0"/>
+                <a:ea typeface="Cambria" charset="0"/>
+                <a:cs typeface="Cambria" charset="0"/>
+              </a:rPr>
+              <a:t>–</a:t>
+            </a:r>
+            <a:r>
+              <a:rPr lang="en-US" sz="2000" dirty="0">
+                <a:solidFill>
+                  <a:schemeClr val="tx1"/>
+                </a:solidFill>
+                <a:latin typeface="Cambria" charset="0"/>
+                <a:ea typeface="Cambria" charset="0"/>
+                <a:cs typeface="Cambria" charset="0"/>
+              </a:rPr>
+              <a:t> Target ads to the target group identified </a:t>
+            </a:r>
+          </a:p>
+          <a:p>
+            <a:pPr defTabSz="914400">
+              <a:spcBef>
+                <a:spcPts val="0"/>
+              </a:spcBef>
+              <a:buClrTx/>
+            </a:pPr>
+            <a:r>
+              <a:rPr lang="en-US" sz="2000" dirty="0">
+                <a:solidFill>
+                  <a:schemeClr val="tx1"/>
+                </a:solidFill>
+                <a:latin typeface="Cambria" charset="0"/>
+                <a:ea typeface="Cambria" charset="0"/>
+                <a:cs typeface="Cambria" charset="0"/>
+              </a:rPr>
+              <a:t>From a Governmental aspect: See why the health coverage is not truly showing a impact is a better mental health score. </a:t>
+            </a:r>
+          </a:p>
+          <a:p>
+            <a:pPr defTabSz="914400">
+              <a:spcBef>
+                <a:spcPts val="0"/>
+              </a:spcBef>
+              <a:buClrTx/>
+            </a:pPr>
+            <a:r>
+              <a:rPr lang="en-US" sz="2000" dirty="0">
                 <a:solidFill>
                   <a:schemeClr val="tx1"/>
                 </a:solidFill>
@@ -14927,13 +14755,6 @@
   <p:clrMapOvr>
     <a:masterClrMapping/>
   </p:clrMapOvr>
-  <p:timing>
-    <p:tnLst>
-      <p:par>
-        <p:cTn id="1" dur="indefinite" restart="never" nodeType="tmRoot"/>
-      </p:par>
-    </p:tnLst>
-  </p:timing>
 </p:sld>
 </file>
 
@@ -14977,18 +14798,13 @@
           <a:lstStyle/>
           <a:p>
             <a:r>
-              <a:rPr lang="en-US" dirty="0" smtClean="0">
+              <a:rPr lang="en-US" dirty="0">
                 <a:latin typeface="Cambria" charset="0"/>
                 <a:ea typeface="Cambria" charset="0"/>
                 <a:cs typeface="Cambria" charset="0"/>
               </a:rPr>
               <a:t>THE PROCESS </a:t>
             </a:r>
-            <a:endParaRPr lang="en-US" dirty="0">
-              <a:latin typeface="Cambria" charset="0"/>
-              <a:ea typeface="Cambria" charset="0"/>
-              <a:cs typeface="Cambria" charset="0"/>
-            </a:endParaRPr>
           </a:p>
         </p:txBody>
       </p:sp>
@@ -15021,7 +14837,7 @@
               <a:buClrTx/>
             </a:pPr>
             <a:r>
-              <a:rPr lang="en-US" sz="2000" b="1" dirty="0" smtClean="0">
+              <a:rPr lang="en-US" sz="2000" b="1" dirty="0">
                 <a:solidFill>
                   <a:schemeClr val="tx1"/>
                 </a:solidFill>
@@ -15031,8 +14847,32 @@
               </a:rPr>
               <a:t>Data Cleansing  </a:t>
             </a:r>
-            <a:r>
-              <a:rPr lang="en-US" sz="2000" dirty="0" smtClean="0">
+          </a:p>
+          <a:p>
+            <a:pPr defTabSz="914400">
+              <a:spcBef>
+                <a:spcPts val="0"/>
+              </a:spcBef>
+              <a:buClrTx/>
+            </a:pPr>
+            <a:endParaRPr lang="en-US" sz="2000" dirty="0">
+              <a:solidFill>
+                <a:srgbClr val="FF0000"/>
+              </a:solidFill>
+              <a:latin typeface="Cambria" charset="0"/>
+              <a:ea typeface="Cambria" charset="0"/>
+              <a:cs typeface="Cambria" charset="0"/>
+            </a:endParaRPr>
+          </a:p>
+          <a:p>
+            <a:pPr defTabSz="914400">
+              <a:spcBef>
+                <a:spcPts val="0"/>
+              </a:spcBef>
+              <a:buClrTx/>
+            </a:pPr>
+            <a:r>
+              <a:rPr lang="en-US" sz="2000" b="1" dirty="0">
                 <a:solidFill>
                   <a:schemeClr val="tx1"/>
                 </a:solidFill>
@@ -15040,9 +14880,196 @@
                 <a:ea typeface="Cambria" charset="0"/>
                 <a:cs typeface="Cambria" charset="0"/>
               </a:rPr>
-              <a:t>(Show Code)</a:t>
-            </a:r>
-            <a:endParaRPr lang="en-US" sz="2000" dirty="0" smtClean="0">
+              <a:t>Analysis &amp; Plots </a:t>
+            </a:r>
+          </a:p>
+          <a:p>
+            <a:pPr lvl="1"/>
+            <a:r>
+              <a:rPr lang="en-US" sz="1800" dirty="0">
+                <a:solidFill>
+                  <a:schemeClr val="tx1"/>
+                </a:solidFill>
+                <a:latin typeface="Cambria" charset="0"/>
+                <a:ea typeface="Cambria" charset="0"/>
+                <a:cs typeface="Cambria" charset="0"/>
+              </a:rPr>
+              <a:t>Calculate Variable = </a:t>
+            </a:r>
+          </a:p>
+          <a:p>
+            <a:pPr marL="800100" lvl="2" indent="0">
+              <a:buNone/>
+            </a:pPr>
+            <a:r>
+              <a:rPr lang="en-US" sz="1600" dirty="0">
+                <a:solidFill>
+                  <a:schemeClr val="tx1"/>
+                </a:solidFill>
+                <a:latin typeface="Cambria" charset="0"/>
+                <a:ea typeface="Cambria" charset="0"/>
+                <a:cs typeface="Cambria" charset="0"/>
+              </a:rPr>
+              <a:t>Smoker(10) + Alcoholic(10)+ General Health(10)+ Sleep Deprivation(10)+Chronic Disease(10)+BMI(10)+Physical Inactivity(10)+ Pregnancy(10) +Income(5) + Emotional Support Availability(2.5)+ Life Satisfaction(2.5)</a:t>
+            </a:r>
+          </a:p>
+          <a:p>
+            <a:pPr lvl="1"/>
+            <a:r>
+              <a:rPr lang="en-US" sz="1800" dirty="0">
+                <a:solidFill>
+                  <a:schemeClr val="tx1"/>
+                </a:solidFill>
+                <a:latin typeface="Cambria" charset="0"/>
+                <a:ea typeface="Cambria" charset="0"/>
+                <a:cs typeface="Cambria" charset="0"/>
+              </a:rPr>
+              <a:t>To convert to a score of 20: AverageDepression=[Chronic_Depression(10)+StressDay(10)+DepressedDays(10)]*(2/3) </a:t>
+            </a:r>
+          </a:p>
+          <a:p>
+            <a:pPr lvl="1"/>
+            <a:r>
+              <a:rPr lang="en-US" sz="1800" b="1" dirty="0">
+                <a:solidFill>
+                  <a:schemeClr val="tx1"/>
+                </a:solidFill>
+                <a:latin typeface="Cambria" charset="0"/>
+                <a:ea typeface="Cambria" charset="0"/>
+                <a:cs typeface="Cambria" charset="0"/>
+              </a:rPr>
+              <a:t>Total Weight</a:t>
+            </a:r>
+            <a:r>
+              <a:rPr lang="en-US" sz="1800" dirty="0">
+                <a:solidFill>
+                  <a:schemeClr val="tx1"/>
+                </a:solidFill>
+                <a:latin typeface="Cambria" charset="0"/>
+                <a:ea typeface="Cambria" charset="0"/>
+                <a:cs typeface="Cambria" charset="0"/>
+              </a:rPr>
+              <a:t>=[( Calculate Variable + AverageDepression(20))/110(female)] or 100(male)]*100</a:t>
+            </a:r>
+          </a:p>
+          <a:p>
+            <a:pPr lvl="1"/>
+            <a:r>
+              <a:rPr lang="en-US" sz="1800" dirty="0">
+                <a:solidFill>
+                  <a:schemeClr val="tx1"/>
+                </a:solidFill>
+                <a:latin typeface="Cambria" charset="0"/>
+                <a:ea typeface="Cambria" charset="0"/>
+                <a:cs typeface="Cambria" charset="0"/>
+              </a:rPr>
+              <a:t>Libraries used: </a:t>
+            </a:r>
+            <a:r>
+              <a:rPr lang="en-US" sz="1800" dirty="0">
+                <a:latin typeface="Cambria" charset="0"/>
+                <a:ea typeface="Cambria" charset="0"/>
+                <a:cs typeface="Cambria" charset="0"/>
+                <a:hlinkClick r:id="rId3"/>
+              </a:rPr>
+              <a:t>UX Choropleth Maps</a:t>
+            </a:r>
+            <a:r>
+              <a:rPr lang="en-US" sz="1800" dirty="0">
+                <a:latin typeface="Cambria" charset="0"/>
+                <a:ea typeface="Cambria" charset="0"/>
+                <a:cs typeface="Cambria" charset="0"/>
+              </a:rPr>
+              <a:t>, plotly, pandas, numpy, seaborn, matplotlib</a:t>
+            </a:r>
+            <a:endParaRPr lang="en-US" sz="1800" dirty="0">
+              <a:solidFill>
+                <a:schemeClr val="tx1"/>
+              </a:solidFill>
+              <a:latin typeface="Cambria" charset="0"/>
+              <a:ea typeface="Cambria" charset="0"/>
+              <a:cs typeface="Cambria" charset="0"/>
+            </a:endParaRPr>
+          </a:p>
+          <a:p>
+            <a:pPr lvl="1"/>
+            <a:r>
+              <a:rPr lang="en-US" sz="1800" b="1" dirty="0">
+                <a:solidFill>
+                  <a:schemeClr val="tx1"/>
+                </a:solidFill>
+                <a:latin typeface="Cambria" charset="0"/>
+                <a:ea typeface="Cambria" charset="0"/>
+                <a:cs typeface="Cambria" charset="0"/>
+              </a:rPr>
+              <a:t>Demo </a:t>
+            </a:r>
+            <a:r>
+              <a:rPr lang="en-US" sz="1800" dirty="0">
+                <a:solidFill>
+                  <a:schemeClr val="tx1"/>
+                </a:solidFill>
+                <a:latin typeface="Cambria" charset="0"/>
+                <a:ea typeface="Cambria" charset="0"/>
+                <a:cs typeface="Cambria" charset="0"/>
+              </a:rPr>
+              <a:t>(Interactive Bar graph, UX Maps and Line graphs )</a:t>
+            </a:r>
+            <a:endParaRPr lang="en-US" sz="1800" dirty="0">
+              <a:solidFill>
+                <a:srgbClr val="FF0000"/>
+              </a:solidFill>
+              <a:latin typeface="Cambria" charset="0"/>
+              <a:ea typeface="Cambria" charset="0"/>
+              <a:cs typeface="Cambria" charset="0"/>
+            </a:endParaRPr>
+          </a:p>
+          <a:p>
+            <a:pPr marR="0" lvl="0" defTabSz="914400" eaLnBrk="1" fontAlgn="auto" latinLnBrk="0" hangingPunct="1">
+              <a:lnSpc>
+                <a:spcPct val="100000"/>
+              </a:lnSpc>
+              <a:spcBef>
+                <a:spcPts val="0"/>
+              </a:spcBef>
+              <a:spcAft>
+                <a:spcPts val="0"/>
+              </a:spcAft>
+              <a:buClrTx/>
+              <a:buSzTx/>
+              <a:buFontTx/>
+              <a:buChar char="-"/>
+              <a:tabLst/>
+              <a:defRPr/>
+            </a:pPr>
+            <a:endParaRPr lang="en-US" dirty="0">
+              <a:solidFill>
+                <a:srgbClr val="FF0000"/>
+              </a:solidFill>
+              <a:latin typeface="Cambria" charset="0"/>
+              <a:ea typeface="Cambria" charset="0"/>
+              <a:cs typeface="Cambria" charset="0"/>
+            </a:endParaRPr>
+          </a:p>
+          <a:p>
+            <a:pPr marR="0" lvl="0" defTabSz="914400" eaLnBrk="1" fontAlgn="auto" latinLnBrk="0" hangingPunct="1">
+              <a:lnSpc>
+                <a:spcPct val="100000"/>
+              </a:lnSpc>
+              <a:spcBef>
+                <a:spcPts val="0"/>
+              </a:spcBef>
+              <a:spcAft>
+                <a:spcPts val="0"/>
+              </a:spcAft>
+              <a:buClrTx/>
+              <a:buSzTx/>
+              <a:buFontTx/>
+              <a:buChar char="-"/>
+              <a:tabLst/>
+              <a:defRPr/>
+            </a:pPr>
+            <a:endParaRPr lang="en-US" dirty="0">
               <a:solidFill>
                 <a:srgbClr val="FF0000"/>
               </a:solidFill>
@@ -15079,264 +15106,7 @@
             </a:endParaRPr>
           </a:p>
           <a:p>
-            <a:pPr defTabSz="914400">
-              <a:spcBef>
-                <a:spcPts val="0"/>
-              </a:spcBef>
-              <a:buClrTx/>
-            </a:pPr>
-            <a:r>
-              <a:rPr lang="en-US" sz="2000" b="1" dirty="0" smtClean="0">
-                <a:solidFill>
-                  <a:schemeClr val="tx1"/>
-                </a:solidFill>
-                <a:latin typeface="Cambria" charset="0"/>
-                <a:ea typeface="Cambria" charset="0"/>
-                <a:cs typeface="Cambria" charset="0"/>
-              </a:rPr>
-              <a:t>Analysis &amp; Plots </a:t>
-            </a:r>
-          </a:p>
-          <a:p>
-            <a:pPr lvl="1"/>
-            <a:r>
-              <a:rPr lang="en-US" sz="1800" dirty="0" smtClean="0">
-                <a:solidFill>
-                  <a:schemeClr val="tx1"/>
-                </a:solidFill>
-                <a:latin typeface="Cambria" charset="0"/>
-                <a:ea typeface="Cambria" charset="0"/>
-                <a:cs typeface="Cambria" charset="0"/>
-              </a:rPr>
-              <a:t>Calculate Variable = </a:t>
-            </a:r>
-          </a:p>
-          <a:p>
-            <a:pPr marL="800100" lvl="2" indent="0">
-              <a:buNone/>
-            </a:pPr>
-            <a:r>
-              <a:rPr lang="en-US" sz="1600" dirty="0" smtClean="0">
-                <a:solidFill>
-                  <a:schemeClr val="tx1"/>
-                </a:solidFill>
-                <a:latin typeface="Cambria" charset="0"/>
-                <a:ea typeface="Cambria" charset="0"/>
-                <a:cs typeface="Cambria" charset="0"/>
-              </a:rPr>
-              <a:t>Smoker(10) + Alcoholic(10)+ General </a:t>
-            </a:r>
-            <a:r>
-              <a:rPr lang="en-US" sz="1600" dirty="0">
-                <a:solidFill>
-                  <a:schemeClr val="tx1"/>
-                </a:solidFill>
-                <a:latin typeface="Cambria" charset="0"/>
-                <a:ea typeface="Cambria" charset="0"/>
-                <a:cs typeface="Cambria" charset="0"/>
-              </a:rPr>
-              <a:t>Health(10</a:t>
-            </a:r>
-            <a:r>
-              <a:rPr lang="en-US" sz="1600" dirty="0" smtClean="0">
-                <a:solidFill>
-                  <a:schemeClr val="tx1"/>
-                </a:solidFill>
-                <a:latin typeface="Cambria" charset="0"/>
-                <a:ea typeface="Cambria" charset="0"/>
-                <a:cs typeface="Cambria" charset="0"/>
-              </a:rPr>
-              <a:t>)+ Sleep </a:t>
-            </a:r>
-            <a:r>
-              <a:rPr lang="en-US" sz="1600" dirty="0">
-                <a:solidFill>
-                  <a:schemeClr val="tx1"/>
-                </a:solidFill>
-                <a:latin typeface="Cambria" charset="0"/>
-                <a:ea typeface="Cambria" charset="0"/>
-                <a:cs typeface="Cambria" charset="0"/>
-              </a:rPr>
-              <a:t>Deprivation(10)+Chronic Disease(10)+BMI(10)+Physical Inactivity(10)+ Pregnancy(10) +Income(5) + Emotional Support Availability(2.5)+ Life Satisfaction(2.5)</a:t>
-            </a:r>
-          </a:p>
-          <a:p>
-            <a:pPr lvl="1"/>
-            <a:r>
-              <a:rPr lang="en-US" sz="1800" dirty="0">
-                <a:solidFill>
-                  <a:schemeClr val="tx1"/>
-                </a:solidFill>
-                <a:latin typeface="Cambria" charset="0"/>
-                <a:ea typeface="Cambria" charset="0"/>
-                <a:cs typeface="Cambria" charset="0"/>
-              </a:rPr>
-              <a:t>To convert to a score of </a:t>
-            </a:r>
-            <a:r>
-              <a:rPr lang="en-US" sz="1800" dirty="0" smtClean="0">
-                <a:solidFill>
-                  <a:schemeClr val="tx1"/>
-                </a:solidFill>
-                <a:latin typeface="Cambria" charset="0"/>
-                <a:ea typeface="Cambria" charset="0"/>
-                <a:cs typeface="Cambria" charset="0"/>
-              </a:rPr>
-              <a:t>20: AverageDepression</a:t>
-            </a:r>
-            <a:r>
-              <a:rPr lang="en-US" sz="1800" dirty="0">
-                <a:solidFill>
-                  <a:schemeClr val="tx1"/>
-                </a:solidFill>
-                <a:latin typeface="Cambria" charset="0"/>
-                <a:ea typeface="Cambria" charset="0"/>
-                <a:cs typeface="Cambria" charset="0"/>
-              </a:rPr>
-              <a:t>=[Chronic_Depression(10)+StressDay(10)+DepressedDays(10)]*(2/3) </a:t>
-            </a:r>
-          </a:p>
-          <a:p>
-            <a:pPr lvl="1"/>
-            <a:r>
-              <a:rPr lang="en-US" sz="1800" b="1" dirty="0" smtClean="0">
-                <a:solidFill>
-                  <a:schemeClr val="tx1"/>
-                </a:solidFill>
-                <a:latin typeface="Cambria" charset="0"/>
-                <a:ea typeface="Cambria" charset="0"/>
-                <a:cs typeface="Cambria" charset="0"/>
-              </a:rPr>
-              <a:t>Total </a:t>
-            </a:r>
-            <a:r>
-              <a:rPr lang="en-US" sz="1800" b="1" dirty="0">
-                <a:solidFill>
-                  <a:schemeClr val="tx1"/>
-                </a:solidFill>
-                <a:latin typeface="Cambria" charset="0"/>
-                <a:ea typeface="Cambria" charset="0"/>
-                <a:cs typeface="Cambria" charset="0"/>
-              </a:rPr>
-              <a:t>Weight</a:t>
-            </a:r>
-            <a:r>
-              <a:rPr lang="en-US" sz="1800" dirty="0" smtClean="0">
-                <a:solidFill>
-                  <a:schemeClr val="tx1"/>
-                </a:solidFill>
-                <a:latin typeface="Cambria" charset="0"/>
-                <a:ea typeface="Cambria" charset="0"/>
-                <a:cs typeface="Cambria" charset="0"/>
-              </a:rPr>
-              <a:t>=[( </a:t>
-            </a:r>
-            <a:r>
-              <a:rPr lang="en-US" sz="1800" dirty="0">
-                <a:solidFill>
-                  <a:schemeClr val="tx1"/>
-                </a:solidFill>
-                <a:latin typeface="Cambria" charset="0"/>
-                <a:ea typeface="Cambria" charset="0"/>
-                <a:cs typeface="Cambria" charset="0"/>
-              </a:rPr>
-              <a:t>Calculate Variable + AverageDepression(20))/110(female)] or 100(male)]*</a:t>
-            </a:r>
-            <a:r>
-              <a:rPr lang="en-US" sz="1800" dirty="0" smtClean="0">
-                <a:solidFill>
-                  <a:schemeClr val="tx1"/>
-                </a:solidFill>
-                <a:latin typeface="Cambria" charset="0"/>
-                <a:ea typeface="Cambria" charset="0"/>
-                <a:cs typeface="Cambria" charset="0"/>
-              </a:rPr>
-              <a:t>100</a:t>
-            </a:r>
-          </a:p>
-          <a:p>
-            <a:pPr lvl="1"/>
-            <a:r>
-              <a:rPr lang="en-US" sz="1800" dirty="0" smtClean="0">
-                <a:solidFill>
-                  <a:schemeClr val="tx1"/>
-                </a:solidFill>
-                <a:latin typeface="Cambria" charset="0"/>
-                <a:ea typeface="Cambria" charset="0"/>
-                <a:cs typeface="Cambria" charset="0"/>
-              </a:rPr>
-              <a:t>Libraries used: </a:t>
-            </a:r>
-            <a:r>
-              <a:rPr lang="en-US" sz="1800" dirty="0">
-                <a:latin typeface="Cambria" charset="0"/>
-                <a:ea typeface="Cambria" charset="0"/>
-                <a:cs typeface="Cambria" charset="0"/>
-                <a:hlinkClick r:id="rId3"/>
-              </a:rPr>
-              <a:t>UX Choropleth </a:t>
-            </a:r>
-            <a:r>
-              <a:rPr lang="en-US" sz="1800" dirty="0" smtClean="0">
-                <a:latin typeface="Cambria" charset="0"/>
-                <a:ea typeface="Cambria" charset="0"/>
-                <a:cs typeface="Cambria" charset="0"/>
-                <a:hlinkClick r:id="rId3"/>
-              </a:rPr>
-              <a:t>Maps</a:t>
-            </a:r>
-            <a:r>
-              <a:rPr lang="en-US" sz="1800" dirty="0" smtClean="0">
-                <a:latin typeface="Cambria" charset="0"/>
-                <a:ea typeface="Cambria" charset="0"/>
-                <a:cs typeface="Cambria" charset="0"/>
-              </a:rPr>
-              <a:t>, plotly, pandas, numpy, seaborn, matplotlib</a:t>
-            </a:r>
-            <a:endParaRPr lang="en-US" sz="1800" dirty="0" smtClean="0">
-              <a:solidFill>
-                <a:schemeClr val="tx1"/>
-              </a:solidFill>
-              <a:latin typeface="Cambria" charset="0"/>
-              <a:ea typeface="Cambria" charset="0"/>
-              <a:cs typeface="Cambria" charset="0"/>
-            </a:endParaRPr>
-          </a:p>
-          <a:p>
-            <a:pPr lvl="1"/>
-            <a:r>
-              <a:rPr lang="en-US" sz="1800" b="1" dirty="0" smtClean="0">
-                <a:solidFill>
-                  <a:schemeClr val="tx1"/>
-                </a:solidFill>
-                <a:latin typeface="Cambria" charset="0"/>
-                <a:ea typeface="Cambria" charset="0"/>
-                <a:cs typeface="Cambria" charset="0"/>
-              </a:rPr>
-              <a:t>Demo </a:t>
-            </a:r>
-            <a:r>
-              <a:rPr lang="en-US" sz="1800" dirty="0" smtClean="0">
-                <a:solidFill>
-                  <a:schemeClr val="tx1"/>
-                </a:solidFill>
-                <a:latin typeface="Cambria" charset="0"/>
-                <a:ea typeface="Cambria" charset="0"/>
-                <a:cs typeface="Cambria" charset="0"/>
-              </a:rPr>
-              <a:t>(Interactive Bar graph, UX Maps and Line graphs )</a:t>
-            </a:r>
-            <a:endParaRPr lang="en-US" sz="1800" dirty="0" smtClean="0">
-              <a:solidFill>
-                <a:srgbClr val="FF0000"/>
-              </a:solidFill>
-              <a:latin typeface="Cambria" charset="0"/>
-              <a:ea typeface="Cambria" charset="0"/>
-              <a:cs typeface="Cambria" charset="0"/>
-            </a:endParaRPr>
-          </a:p>
-          <a:p>
-            <a:pPr marR="0" lvl="0" defTabSz="914400" eaLnBrk="1" fontAlgn="auto" latinLnBrk="0" hangingPunct="1">
+            <a:pPr marL="0" marR="0" lvl="0" indent="0" defTabSz="914400" eaLnBrk="1" fontAlgn="auto" latinLnBrk="0" hangingPunct="1">
               <a:lnSpc>
                 <a:spcPct val="100000"/>
               </a:lnSpc>
@@ -15349,45 +15119,21 @@
               <a:buClrTx/>
               <a:buSzTx/>
               <a:buFontTx/>
-              <a:buChar char="-"/>
+              <a:buNone/>
               <a:tabLst/>
               <a:defRPr/>
             </a:pPr>
-            <a:endParaRPr lang="en-US" dirty="0" smtClean="0">
-              <a:solidFill>
-                <a:srgbClr val="FF0000"/>
-              </a:solidFill>
-              <a:latin typeface="Cambria" charset="0"/>
-              <a:ea typeface="Cambria" charset="0"/>
-              <a:cs typeface="Cambria" charset="0"/>
-            </a:endParaRPr>
-          </a:p>
-          <a:p>
-            <a:pPr marR="0" lvl="0" defTabSz="914400" eaLnBrk="1" fontAlgn="auto" latinLnBrk="0" hangingPunct="1">
-              <a:lnSpc>
-                <a:spcPct val="100000"/>
-              </a:lnSpc>
-              <a:spcBef>
-                <a:spcPts val="0"/>
-              </a:spcBef>
-              <a:spcAft>
-                <a:spcPts val="0"/>
-              </a:spcAft>
-              <a:buClrTx/>
-              <a:buSzTx/>
-              <a:buFontTx/>
-              <a:buChar char="-"/>
-              <a:tabLst/>
-              <a:defRPr/>
-            </a:pPr>
-            <a:endParaRPr lang="en-US" dirty="0" smtClean="0">
-              <a:solidFill>
-                <a:srgbClr val="FF0000"/>
-              </a:solidFill>
-              <a:latin typeface="Cambria" charset="0"/>
-              <a:ea typeface="Cambria" charset="0"/>
-              <a:cs typeface="Cambria" charset="0"/>
-            </a:endParaRPr>
+            <a:r>
+              <a:rPr lang="en-US" sz="2000" dirty="0">
+                <a:solidFill>
+                  <a:srgbClr val="FF0000"/>
+                </a:solidFill>
+                <a:latin typeface="Cambria" charset="0"/>
+                <a:ea typeface="Cambria" charset="0"/>
+                <a:cs typeface="Cambria" charset="0"/>
+              </a:rPr>
+              <a:t> </a:t>
+            </a:r>
           </a:p>
           <a:p>
             <a:pPr marL="0" marR="0" lvl="0" indent="0" defTabSz="914400" eaLnBrk="1" fontAlgn="auto" latinLnBrk="0" hangingPunct="1">
@@ -15434,64 +15180,7 @@
               <a:tabLst/>
               <a:defRPr/>
             </a:pPr>
-            <a:r>
-              <a:rPr lang="en-US" sz="2000" dirty="0" smtClean="0">
-                <a:solidFill>
-                  <a:srgbClr val="FF0000"/>
-                </a:solidFill>
-                <a:latin typeface="Cambria" charset="0"/>
-                <a:ea typeface="Cambria" charset="0"/>
-                <a:cs typeface="Cambria" charset="0"/>
-              </a:rPr>
-              <a:t> </a:t>
-            </a:r>
-          </a:p>
-          <a:p>
-            <a:pPr marL="0" marR="0" lvl="0" indent="0" defTabSz="914400" eaLnBrk="1" fontAlgn="auto" latinLnBrk="0" hangingPunct="1">
-              <a:lnSpc>
-                <a:spcPct val="100000"/>
-              </a:lnSpc>
-              <a:spcBef>
-                <a:spcPts val="0"/>
-              </a:spcBef>
-              <a:spcAft>
-                <a:spcPts val="0"/>
-              </a:spcAft>
-              <a:buClrTx/>
-              <a:buSzTx/>
-              <a:buFontTx/>
-              <a:buNone/>
-              <a:tabLst/>
-              <a:defRPr/>
-            </a:pPr>
             <a:endParaRPr lang="en-US" sz="2000" dirty="0">
-              <a:solidFill>
-                <a:srgbClr val="FF0000"/>
-              </a:solidFill>
-              <a:latin typeface="Cambria" charset="0"/>
-              <a:ea typeface="Cambria" charset="0"/>
-              <a:cs typeface="Cambria" charset="0"/>
-            </a:endParaRPr>
-          </a:p>
-          <a:p>
-            <a:pPr marL="0" marR="0" lvl="0" indent="0" defTabSz="914400" eaLnBrk="1" fontAlgn="auto" latinLnBrk="0" hangingPunct="1">
-              <a:lnSpc>
-                <a:spcPct val="100000"/>
-              </a:lnSpc>
-              <a:spcBef>
-                <a:spcPts val="0"/>
-              </a:spcBef>
-              <a:spcAft>
-                <a:spcPts val="0"/>
-              </a:spcAft>
-              <a:buClrTx/>
-              <a:buSzTx/>
-              <a:buFontTx/>
-              <a:buNone/>
-              <a:tabLst/>
-              <a:defRPr/>
-            </a:pPr>
-            <a:endParaRPr lang="en-US" sz="2000" dirty="0" smtClean="0">
               <a:solidFill>
                 <a:srgbClr val="FF0000"/>
               </a:solidFill>
@@ -15512,13 +15201,6 @@
   <p:clrMapOvr>
     <a:masterClrMapping/>
   </p:clrMapOvr>
-  <p:timing>
-    <p:tnLst>
-      <p:par>
-        <p:cTn id="1" dur="indefinite" restart="never" nodeType="tmRoot"/>
-      </p:par>
-    </p:tnLst>
-  </p:timing>
 </p:sld>
 </file>
 
@@ -15562,18 +15244,13 @@
           <a:lstStyle/>
           <a:p>
             <a:r>
-              <a:rPr lang="en-US" dirty="0" smtClean="0">
+              <a:rPr lang="en-US" dirty="0">
                 <a:latin typeface="Cambria" charset="0"/>
                 <a:ea typeface="Cambria" charset="0"/>
                 <a:cs typeface="Cambria" charset="0"/>
               </a:rPr>
               <a:t>CHALLENGES &amp; OPPORTUNITIES </a:t>
             </a:r>
-            <a:endParaRPr lang="en-US" dirty="0">
-              <a:latin typeface="Cambria" charset="0"/>
-              <a:ea typeface="Cambria" charset="0"/>
-              <a:cs typeface="Cambria" charset="0"/>
-            </a:endParaRPr>
           </a:p>
         </p:txBody>
       </p:sp>
@@ -15617,7 +15294,7 @@
               <a:defRPr/>
             </a:pPr>
             <a:r>
-              <a:rPr lang="en-US" sz="2000" b="1" dirty="0" smtClean="0">
+              <a:rPr lang="en-US" sz="2000" b="1" dirty="0">
                 <a:solidFill>
                   <a:schemeClr val="tx1"/>
                 </a:solidFill>
@@ -15636,7 +15313,7 @@
               <a:buClrTx/>
             </a:pPr>
             <a:r>
-              <a:rPr lang="en-US" sz="2000" dirty="0" smtClean="0">
+              <a:rPr lang="en-US" sz="2000" dirty="0">
                 <a:solidFill>
                   <a:schemeClr val="tx1"/>
                 </a:solidFill>
@@ -15655,7 +15332,7 @@
               <a:buClrTx/>
             </a:pPr>
             <a:r>
-              <a:rPr lang="en-US" sz="2000" dirty="0" smtClean="0">
+              <a:rPr lang="en-US" sz="2000" dirty="0">
                 <a:solidFill>
                   <a:schemeClr val="tx1"/>
                 </a:solidFill>
@@ -15674,7 +15351,7 @@
               <a:buClrTx/>
             </a:pPr>
             <a:r>
-              <a:rPr lang="en-US" sz="2000" dirty="0" smtClean="0">
+              <a:rPr lang="en-US" sz="2000" dirty="0">
                 <a:solidFill>
                   <a:schemeClr val="tx1"/>
                 </a:solidFill>
@@ -15693,7 +15370,7 @@
               <a:buClrTx/>
             </a:pPr>
             <a:r>
-              <a:rPr lang="en-US" sz="2000" dirty="0" smtClean="0">
+              <a:rPr lang="en-US" sz="2000" dirty="0">
                 <a:solidFill>
                   <a:schemeClr val="tx1"/>
                 </a:solidFill>
@@ -15746,7 +15423,7 @@
               <a:buNone/>
             </a:pPr>
             <a:r>
-              <a:rPr lang="en-US" sz="2000" b="1" dirty="0" smtClean="0">
+              <a:rPr lang="en-US" sz="2000" b="1" dirty="0">
                 <a:solidFill>
                   <a:schemeClr val="tx1"/>
                 </a:solidFill>
@@ -15765,7 +15442,7 @@
               <a:buClrTx/>
             </a:pPr>
             <a:r>
-              <a:rPr lang="en-US" sz="2000" dirty="0" smtClean="0">
+              <a:rPr lang="en-US" sz="2000" dirty="0">
                 <a:solidFill>
                   <a:schemeClr val="tx1"/>
                 </a:solidFill>
@@ -15784,7 +15461,7 @@
               <a:buClrTx/>
             </a:pPr>
             <a:r>
-              <a:rPr lang="en-US" sz="2000" dirty="0" smtClean="0">
+              <a:rPr lang="en-US" sz="2000" dirty="0">
                 <a:solidFill>
                   <a:schemeClr val="tx1"/>
                 </a:solidFill>
@@ -15802,7 +15479,7 @@
               </a:spcBef>
               <a:buClrTx/>
             </a:pPr>
-            <a:endParaRPr lang="en-US" sz="2000" dirty="0" smtClean="0">
+            <a:endParaRPr lang="en-US" sz="2000" dirty="0">
               <a:solidFill>
                 <a:srgbClr val="FF0000"/>
               </a:solidFill>
@@ -15818,7 +15495,7 @@
               </a:spcBef>
               <a:buClrTx/>
             </a:pPr>
-            <a:endParaRPr lang="en-US" sz="2000" dirty="0" smtClean="0">
+            <a:endParaRPr lang="en-US" sz="2000" dirty="0">
               <a:solidFill>
                 <a:srgbClr val="FF0000"/>
               </a:solidFill>
@@ -15834,7 +15511,7 @@
               </a:spcBef>
               <a:buClrTx/>
             </a:pPr>
-            <a:endParaRPr lang="en-US" sz="2000" dirty="0" smtClean="0">
+            <a:endParaRPr lang="en-US" sz="2000" dirty="0">
               <a:solidFill>
                 <a:srgbClr val="FF0000"/>
               </a:solidFill>
@@ -15850,7 +15527,7 @@
               </a:spcBef>
               <a:buClrTx/>
             </a:pPr>
-            <a:endParaRPr lang="en-US" sz="2000" dirty="0" smtClean="0">
+            <a:endParaRPr lang="en-US" sz="2000" dirty="0">
               <a:solidFill>
                 <a:srgbClr val="FF0000"/>
               </a:solidFill>
@@ -15871,13 +15548,6 @@
   <p:clrMapOvr>
     <a:masterClrMapping/>
   </p:clrMapOvr>
-  <p:timing>
-    <p:tnLst>
-      <p:par>
-        <p:cTn id="1" dur="indefinite" restart="never" nodeType="tmRoot"/>
-      </p:par>
-    </p:tnLst>
-  </p:timing>
 </p:sld>
 </file>
 
@@ -15919,18 +15589,13 @@
           <a:lstStyle/>
           <a:p>
             <a:r>
-              <a:rPr lang="en-US" dirty="0" smtClean="0">
+              <a:rPr lang="en-US" dirty="0">
                 <a:latin typeface="Cambria" charset="0"/>
                 <a:ea typeface="Cambria" charset="0"/>
                 <a:cs typeface="Cambria" charset="0"/>
               </a:rPr>
               <a:t>AGENDA  </a:t>
             </a:r>
-            <a:endParaRPr lang="en-US" dirty="0">
-              <a:latin typeface="Cambria" charset="0"/>
-              <a:ea typeface="Cambria" charset="0"/>
-              <a:cs typeface="Cambria" charset="0"/>
-            </a:endParaRPr>
           </a:p>
         </p:txBody>
       </p:sp>
@@ -15957,7 +15622,7 @@
           <a:lstStyle/>
           <a:p>
             <a:r>
-              <a:rPr lang="en-US" sz="2000" dirty="0" smtClean="0">
+              <a:rPr lang="en-US" sz="2000" dirty="0">
                 <a:solidFill>
                   <a:schemeClr val="tx1"/>
                 </a:solidFill>
@@ -15970,7 +15635,7 @@
           </a:p>
           <a:p>
             <a:r>
-              <a:rPr lang="en-US" sz="2000" dirty="0" smtClean="0">
+              <a:rPr lang="en-US" sz="2000" dirty="0">
                 <a:solidFill>
                   <a:schemeClr val="tx1"/>
                 </a:solidFill>
@@ -15983,7 +15648,7 @@
           </a:p>
           <a:p>
             <a:r>
-              <a:rPr lang="en-US" sz="2000" dirty="0" smtClean="0">
+              <a:rPr lang="en-US" sz="2000" dirty="0">
                 <a:solidFill>
                   <a:schemeClr val="tx1"/>
                 </a:solidFill>
@@ -15996,7 +15661,7 @@
           </a:p>
           <a:p>
             <a:r>
-              <a:rPr lang="en-US" sz="2000" dirty="0" smtClean="0">
+              <a:rPr lang="en-US" sz="2000" dirty="0">
                 <a:solidFill>
                   <a:schemeClr val="tx1"/>
                 </a:solidFill>
@@ -16008,7 +15673,7 @@
             </a:r>
           </a:p>
           <a:p>
-            <a:endParaRPr lang="en-US" sz="2000" dirty="0" smtClean="0">
+            <a:endParaRPr lang="en-US" sz="2000" dirty="0">
               <a:solidFill>
                 <a:schemeClr val="tx1"/>
               </a:solidFill>
@@ -16019,7 +15684,7 @@
           </a:p>
           <a:p>
             <a:r>
-              <a:rPr lang="en-US" sz="2000" dirty="0" smtClean="0">
+              <a:rPr lang="en-US" sz="2000" dirty="0">
                 <a:solidFill>
                   <a:schemeClr val="tx1"/>
                 </a:solidFill>
@@ -16032,7 +15697,7 @@
           </a:p>
           <a:p>
             <a:r>
-              <a:rPr lang="en-US" sz="2000" dirty="0" smtClean="0">
+              <a:rPr lang="en-US" sz="2000" dirty="0">
                 <a:solidFill>
                   <a:schemeClr val="tx1"/>
                 </a:solidFill>
@@ -16065,13 +15730,6 @@
   <p:clrMapOvr>
     <a:masterClrMapping/>
   </p:clrMapOvr>
-  <p:timing>
-    <p:tnLst>
-      <p:par>
-        <p:cTn id="1" dur="indefinite" restart="never" nodeType="tmRoot"/>
-      </p:par>
-    </p:tnLst>
-  </p:timing>
 </p:sld>
 </file>
 
@@ -16113,18 +15771,13 @@
           <a:lstStyle/>
           <a:p>
             <a:r>
-              <a:rPr lang="en-US" dirty="0" smtClean="0">
+              <a:rPr lang="en-US" dirty="0">
                 <a:latin typeface="Cambria" charset="0"/>
                 <a:ea typeface="Cambria" charset="0"/>
                 <a:cs typeface="Cambria" charset="0"/>
               </a:rPr>
               <a:t>GOALS </a:t>
             </a:r>
-            <a:endParaRPr lang="en-US" dirty="0">
-              <a:latin typeface="Cambria" charset="0"/>
-              <a:ea typeface="Cambria" charset="0"/>
-              <a:cs typeface="Cambria" charset="0"/>
-            </a:endParaRPr>
           </a:p>
         </p:txBody>
       </p:sp>
@@ -16151,7 +15804,7 @@
           <a:lstStyle/>
           <a:p>
             <a:r>
-              <a:rPr lang="en-US" sz="2000" dirty="0" smtClean="0">
+              <a:rPr lang="en-US" sz="2000" dirty="0">
                 <a:latin typeface="Cambria" charset="0"/>
                 <a:ea typeface="Cambria" charset="0"/>
                 <a:cs typeface="Cambria" charset="0"/>
@@ -16161,7 +15814,7 @@
           </a:p>
           <a:p>
             <a:r>
-              <a:rPr lang="en-US" sz="2000" dirty="0" smtClean="0">
+              <a:rPr lang="en-US" sz="2000" dirty="0">
                 <a:latin typeface="Cambria" charset="0"/>
                 <a:ea typeface="Cambria" charset="0"/>
                 <a:cs typeface="Cambria" charset="0"/>
@@ -16172,7 +15825,7 @@
           <a:p>
             <a:pPr lvl="1"/>
             <a:r>
-              <a:rPr lang="en-US" sz="1800" dirty="0" smtClean="0">
+              <a:rPr lang="en-US" sz="1800" dirty="0">
                 <a:latin typeface="Cambria" charset="0"/>
                 <a:ea typeface="Cambria" charset="0"/>
                 <a:cs typeface="Cambria" charset="0"/>
@@ -16183,7 +15836,7 @@
           <a:p>
             <a:pPr lvl="1"/>
             <a:r>
-              <a:rPr lang="en-US" sz="1800" dirty="0" smtClean="0">
+              <a:rPr lang="en-US" sz="1800" dirty="0">
                 <a:latin typeface="Cambria" charset="0"/>
                 <a:ea typeface="Cambria" charset="0"/>
                 <a:cs typeface="Cambria" charset="0"/>
@@ -16191,7 +15844,7 @@
               <a:t>The US </a:t>
             </a:r>
             <a:r>
-              <a:rPr lang="mr-IN" sz="1800" dirty="0" smtClean="0">
+              <a:rPr lang="mr-IN" sz="1800" dirty="0">
                 <a:latin typeface="Cambria" charset="0"/>
                 <a:ea typeface="Cambria" charset="0"/>
                 <a:cs typeface="Cambria" charset="0"/>
@@ -16199,7 +15852,7 @@
               <a:t>–</a:t>
             </a:r>
             <a:r>
-              <a:rPr lang="en-US" sz="1800" dirty="0" smtClean="0">
+              <a:rPr lang="en-US" sz="1800" dirty="0">
                 <a:latin typeface="Cambria" charset="0"/>
                 <a:ea typeface="Cambria" charset="0"/>
                 <a:cs typeface="Cambria" charset="0"/>
@@ -16210,7 +15863,7 @@
           <a:p>
             <a:pPr lvl="1"/>
             <a:r>
-              <a:rPr lang="en-US" sz="1800" dirty="0" smtClean="0">
+              <a:rPr lang="en-US" sz="1800" dirty="0">
                 <a:latin typeface="Cambria" charset="0"/>
                 <a:ea typeface="Cambria" charset="0"/>
                 <a:cs typeface="Cambria" charset="0"/>
@@ -16221,7 +15874,7 @@
           <a:p>
             <a:pPr lvl="1"/>
             <a:r>
-              <a:rPr lang="en-US" sz="1800" dirty="0" smtClean="0">
+              <a:rPr lang="en-US" sz="1800" dirty="0">
                 <a:latin typeface="Cambria" charset="0"/>
                 <a:ea typeface="Cambria" charset="0"/>
                 <a:cs typeface="Cambria" charset="0"/>
@@ -16232,7 +15885,7 @@
           <a:p>
             <a:pPr lvl="1"/>
             <a:r>
-              <a:rPr lang="en-US" sz="1800" dirty="0" smtClean="0">
+              <a:rPr lang="en-US" sz="1800" dirty="0">
                 <a:latin typeface="Cambria" charset="0"/>
                 <a:ea typeface="Cambria" charset="0"/>
                 <a:cs typeface="Cambria" charset="0"/>
@@ -16243,7 +15896,7 @@
           <a:p>
             <a:pPr lvl="1"/>
             <a:r>
-              <a:rPr lang="en-US" sz="1800" dirty="0" smtClean="0">
+              <a:rPr lang="en-US" sz="1800" dirty="0">
                 <a:latin typeface="Cambria" charset="0"/>
                 <a:ea typeface="Cambria" charset="0"/>
                 <a:cs typeface="Cambria" charset="0"/>
@@ -16253,7 +15906,7 @@
           </a:p>
           <a:p>
             <a:r>
-              <a:rPr lang="en-US" sz="2000" dirty="0" smtClean="0">
+              <a:rPr lang="en-US" sz="2000" dirty="0">
                 <a:latin typeface="Cambria" charset="0"/>
                 <a:ea typeface="Cambria" charset="0"/>
                 <a:cs typeface="Cambria" charset="0"/>
@@ -16263,7 +15916,7 @@
           </a:p>
           <a:p>
             <a:r>
-              <a:rPr lang="en-US" sz="2000" dirty="0" smtClean="0">
+              <a:rPr lang="en-US" sz="2000" dirty="0">
                 <a:latin typeface="Cambria" charset="0"/>
                 <a:ea typeface="Cambria" charset="0"/>
                 <a:cs typeface="Cambria" charset="0"/>
@@ -16293,13 +15946,6 @@
   <p:clrMapOvr>
     <a:masterClrMapping/>
   </p:clrMapOvr>
-  <p:timing>
-    <p:tnLst>
-      <p:par>
-        <p:cTn id="1" dur="indefinite" restart="never" nodeType="tmRoot"/>
-      </p:par>
-    </p:tnLst>
-  </p:timing>
 </p:sld>
 </file>
 
@@ -16794,12 +16440,6 @@
               </a:rPr>
               <a:t>Today</a:t>
             </a:r>
-            <a:endParaRPr lang="en-US" sz="800" dirty="0">
-              <a:solidFill>
-                <a:schemeClr val="dk1"/>
-              </a:solidFill>
-              <a:latin typeface="Calibri" panose="020F0502020204030204" pitchFamily="34" charset="0"/>
-            </a:endParaRPr>
           </a:p>
         </p:txBody>
       </p:sp>
@@ -16830,7 +16470,7 @@
           <a:lstStyle/>
           <a:p>
             <a:r>
-              <a:rPr lang="en-US" sz="1600" b="1" spc="-18" dirty="0" smtClean="0">
+              <a:rPr lang="en-US" sz="1600" b="1" spc="-18" dirty="0">
                 <a:solidFill>
                   <a:schemeClr val="lt2"/>
                 </a:solidFill>
@@ -16840,14 +16480,6 @@
               </a:rPr>
               <a:t>Problem Exploration  </a:t>
             </a:r>
-            <a:endParaRPr lang="en-US" sz="1600" b="1" spc="-18" dirty="0">
-              <a:solidFill>
-                <a:schemeClr val="lt2"/>
-              </a:solidFill>
-              <a:latin typeface="Cambria" charset="0"/>
-              <a:ea typeface="Cambria" charset="0"/>
-              <a:cs typeface="Cambria" charset="0"/>
-            </a:endParaRPr>
           </a:p>
         </p:txBody>
       </p:sp>
@@ -17023,14 +16655,6 @@
               </a:rPr>
               <a:t>Milestone 1</a:t>
             </a:r>
-            <a:endParaRPr lang="en-US" sz="1000" b="1" spc="-6" dirty="0">
-              <a:solidFill>
-                <a:srgbClr val="3B5998"/>
-              </a:solidFill>
-              <a:latin typeface="Cambria" charset="0"/>
-              <a:ea typeface="Cambria" charset="0"/>
-              <a:cs typeface="Cambria" charset="0"/>
-            </a:endParaRPr>
           </a:p>
         </p:txBody>
       </p:sp>
@@ -17061,18 +16685,13 @@
           <a:lstStyle/>
           <a:p>
             <a:r>
-              <a:rPr lang="en-US" sz="1000" spc="-8" dirty="0" smtClean="0">
+              <a:rPr lang="en-US" sz="1000" spc="-8" dirty="0">
                 <a:latin typeface="Cambria" charset="0"/>
                 <a:ea typeface="Cambria" charset="0"/>
                 <a:cs typeface="Cambria" charset="0"/>
               </a:rPr>
               <a:t>Problem Description &amp; Objectives Defined </a:t>
             </a:r>
-            <a:endParaRPr lang="en-US" sz="1000" spc="-8" dirty="0">
-              <a:latin typeface="Cambria" charset="0"/>
-              <a:ea typeface="Cambria" charset="0"/>
-              <a:cs typeface="Cambria" charset="0"/>
-            </a:endParaRPr>
           </a:p>
         </p:txBody>
       </p:sp>
@@ -17201,14 +16820,6 @@
               </a:rPr>
               <a:t>Milestone 3</a:t>
             </a:r>
-            <a:endParaRPr lang="en-US" sz="1000" b="1" spc="-6" dirty="0">
-              <a:solidFill>
-                <a:srgbClr val="FF0000"/>
-              </a:solidFill>
-              <a:latin typeface="Cambria" charset="0"/>
-              <a:ea typeface="Cambria" charset="0"/>
-              <a:cs typeface="Cambria" charset="0"/>
-            </a:endParaRPr>
           </a:p>
         </p:txBody>
       </p:sp>
@@ -17257,17 +16868,8 @@
           <a:p>
             <a:r>
               <a:rPr lang="en-US" dirty="0"/>
-              <a:t>(5 years </a:t>
-            </a:r>
-            <a:r>
-              <a:rPr lang="en-US" dirty="0" smtClean="0"/>
-              <a:t>~ </a:t>
-            </a:r>
-            <a:r>
-              <a:rPr lang="en-US" dirty="0"/>
-              <a:t>2 Million Records)</a:t>
-            </a:r>
-            <a:endParaRPr lang="en-US" dirty="0"/>
+              <a:t>(5 years ~ 2 Million Records)</a:t>
+            </a:r>
           </a:p>
         </p:txBody>
       </p:sp>
@@ -17315,7 +16917,6 @@
               <a:rPr lang="en-US" b="1" dirty="0"/>
               <a:t>Milestone 2</a:t>
             </a:r>
-            <a:endParaRPr lang="en-US" b="1" dirty="0"/>
           </a:p>
         </p:txBody>
       </p:sp>
@@ -17347,18 +16948,13 @@
           <a:p>
             <a:pPr algn="ctr"/>
             <a:r>
-              <a:rPr lang="en-US" sz="1000" spc="-6" dirty="0" smtClean="0">
+              <a:rPr lang="en-US" sz="1000" spc="-6" dirty="0">
                 <a:latin typeface="Cambria" charset="0"/>
                 <a:ea typeface="Cambria" charset="0"/>
                 <a:cs typeface="Cambria" charset="0"/>
               </a:rPr>
               <a:t>Source Selection</a:t>
             </a:r>
-            <a:endParaRPr lang="en-US" sz="1000" spc="-6" dirty="0">
-              <a:latin typeface="Cambria" charset="0"/>
-              <a:ea typeface="Cambria" charset="0"/>
-              <a:cs typeface="Cambria" charset="0"/>
-            </a:endParaRPr>
           </a:p>
         </p:txBody>
       </p:sp>
@@ -17406,7 +17002,6 @@
               <a:rPr lang="en-US" dirty="0"/>
               <a:t>Milestone 4</a:t>
             </a:r>
-            <a:endParaRPr lang="en-US" dirty="0"/>
           </a:p>
         </p:txBody>
       </p:sp>
@@ -17446,12 +17041,6 @@
               </a:rPr>
               <a:t>Nov 7</a:t>
             </a:r>
-            <a:endParaRPr lang="en-US" sz="800" dirty="0">
-              <a:solidFill>
-                <a:srgbClr val="D1282E"/>
-              </a:solidFill>
-              <a:latin typeface="Calibri" panose="020F0502020204030204" pitchFamily="34" charset="0"/>
-            </a:endParaRPr>
           </a:p>
         </p:txBody>
       </p:sp>
@@ -17578,12 +17167,6 @@
               </a:rPr>
               <a:t>Dec 20</a:t>
             </a:r>
-            <a:endParaRPr lang="en-US" sz="800" dirty="0">
-              <a:solidFill>
-                <a:srgbClr val="D1282E"/>
-              </a:solidFill>
-              <a:latin typeface="Calibri" panose="020F0502020204030204" pitchFamily="34" charset="0"/>
-            </a:endParaRPr>
           </a:p>
         </p:txBody>
       </p:sp>
@@ -17625,14 +17208,6 @@
               </a:rPr>
               <a:t>Milestone 7</a:t>
             </a:r>
-            <a:endParaRPr lang="en-US" sz="1000" b="1" spc="-6" dirty="0">
-              <a:solidFill>
-                <a:srgbClr val="489A61"/>
-              </a:solidFill>
-              <a:latin typeface="Cambria" charset="0"/>
-              <a:ea typeface="Cambria" charset="0"/>
-              <a:cs typeface="Cambria" charset="0"/>
-            </a:endParaRPr>
           </a:p>
         </p:txBody>
       </p:sp>
@@ -17815,7 +17390,7 @@
           <a:p>
             <a:pPr algn="ctr"/>
             <a:r>
-              <a:rPr lang="en-US" sz="1200" dirty="0" smtClean="0">
+              <a:rPr lang="en-US" sz="1200" dirty="0">
                 <a:latin typeface="Cambria" charset="0"/>
                 <a:ea typeface="Cambria" charset="0"/>
                 <a:cs typeface="Cambria" charset="0"/>
@@ -17907,12 +17482,6 @@
               </a:rPr>
               <a:t>6 days</a:t>
             </a:r>
-            <a:endParaRPr lang="en-US" sz="1000" dirty="0">
-              <a:solidFill>
-                <a:srgbClr val="C0504D"/>
-              </a:solidFill>
-              <a:latin typeface="Calibri" panose="020F0502020204030204" pitchFamily="34" charset="0"/>
-            </a:endParaRPr>
           </a:p>
         </p:txBody>
       </p:sp>
@@ -18106,12 +17675,6 @@
               </a:rPr>
               <a:t>18 days</a:t>
             </a:r>
-            <a:endParaRPr lang="en-US" sz="1000" dirty="0">
-              <a:solidFill>
-                <a:srgbClr val="C0504D"/>
-              </a:solidFill>
-              <a:latin typeface="Calibri" panose="020F0502020204030204" pitchFamily="34" charset="0"/>
-            </a:endParaRPr>
           </a:p>
         </p:txBody>
       </p:sp>
@@ -18305,12 +17868,6 @@
               </a:rPr>
               <a:t>24 days</a:t>
             </a:r>
-            <a:endParaRPr lang="en-US" sz="1000" dirty="0">
-              <a:solidFill>
-                <a:srgbClr val="C0504D"/>
-              </a:solidFill>
-              <a:latin typeface="Calibri" panose="020F0502020204030204" pitchFamily="34" charset="0"/>
-            </a:endParaRPr>
           </a:p>
         </p:txBody>
       </p:sp>
@@ -18504,12 +18061,6 @@
               </a:rPr>
               <a:t>16 days</a:t>
             </a:r>
-            <a:endParaRPr lang="en-US" sz="1000" dirty="0">
-              <a:solidFill>
-                <a:srgbClr val="C0504D"/>
-              </a:solidFill>
-              <a:latin typeface="Calibri" panose="020F0502020204030204" pitchFamily="34" charset="0"/>
-            </a:endParaRPr>
           </a:p>
         </p:txBody>
       </p:sp>
@@ -18703,12 +18254,6 @@
               </a:rPr>
               <a:t>25 days</a:t>
             </a:r>
-            <a:endParaRPr lang="en-US" sz="1000" dirty="0">
-              <a:solidFill>
-                <a:srgbClr val="C0504D"/>
-              </a:solidFill>
-              <a:latin typeface="Calibri" panose="020F0502020204030204" pitchFamily="34" charset="0"/>
-            </a:endParaRPr>
           </a:p>
         </p:txBody>
       </p:sp>
@@ -18892,7 +18437,7 @@
           <a:lstStyle/>
           <a:p>
             <a:r>
-              <a:rPr lang="en-US" sz="1600" b="1" spc="-18" dirty="0" smtClean="0">
+              <a:rPr lang="en-US" sz="1600" b="1" spc="-18" dirty="0">
                 <a:solidFill>
                   <a:schemeClr val="lt2"/>
                 </a:solidFill>
@@ -18902,14 +18447,6 @@
               </a:rPr>
               <a:t>Data Cleansing </a:t>
             </a:r>
-            <a:endParaRPr lang="en-US" sz="1600" b="1" spc="-18" dirty="0">
-              <a:solidFill>
-                <a:schemeClr val="lt2"/>
-              </a:solidFill>
-              <a:latin typeface="Cambria" charset="0"/>
-              <a:ea typeface="Cambria" charset="0"/>
-              <a:cs typeface="Cambria" charset="0"/>
-            </a:endParaRPr>
           </a:p>
         </p:txBody>
       </p:sp>
@@ -18940,7 +18477,7 @@
           <a:lstStyle/>
           <a:p>
             <a:r>
-              <a:rPr lang="en-US" sz="1600" b="1" spc="-18" dirty="0" smtClean="0">
+              <a:rPr lang="en-US" sz="1600" b="1" spc="-18" dirty="0">
                 <a:solidFill>
                   <a:schemeClr val="lt2"/>
                 </a:solidFill>
@@ -18950,14 +18487,6 @@
               </a:rPr>
               <a:t>Analysis</a:t>
             </a:r>
-            <a:endParaRPr lang="en-US" sz="1600" b="1" spc="-18" dirty="0">
-              <a:solidFill>
-                <a:schemeClr val="lt2"/>
-              </a:solidFill>
-              <a:latin typeface="Cambria" charset="0"/>
-              <a:ea typeface="Cambria" charset="0"/>
-              <a:cs typeface="Cambria" charset="0"/>
-            </a:endParaRPr>
           </a:p>
         </p:txBody>
       </p:sp>
@@ -18984,7 +18513,7 @@
           <a:lstStyle/>
           <a:p>
             <a:r>
-              <a:rPr lang="en-US" dirty="0" smtClean="0">
+              <a:rPr lang="en-US" dirty="0">
                 <a:latin typeface="Cambria" charset="0"/>
                 <a:ea typeface="Cambria" charset="0"/>
                 <a:cs typeface="Cambria" charset="0"/>
@@ -18992,25 +18521,20 @@
               <a:t>APPROACH:  </a:t>
             </a:r>
             <a:br>
-              <a:rPr lang="en-US" dirty="0" smtClean="0">
+              <a:rPr lang="en-US" dirty="0">
                 <a:latin typeface="Cambria" charset="0"/>
                 <a:ea typeface="Cambria" charset="0"/>
                 <a:cs typeface="Cambria" charset="0"/>
               </a:rPr>
             </a:br>
             <a:r>
-              <a:rPr lang="en-US" dirty="0" smtClean="0">
+              <a:rPr lang="en-US" dirty="0">
                 <a:latin typeface="Cambria" charset="0"/>
                 <a:ea typeface="Cambria" charset="0"/>
                 <a:cs typeface="Cambria" charset="0"/>
               </a:rPr>
               <a:t>THE JOURNEY &amp; MILESTONES</a:t>
             </a:r>
-            <a:endParaRPr lang="en-US" dirty="0">
-              <a:latin typeface="Cambria" charset="0"/>
-              <a:ea typeface="Cambria" charset="0"/>
-              <a:cs typeface="Cambria" charset="0"/>
-            </a:endParaRPr>
           </a:p>
         </p:txBody>
       </p:sp>
@@ -19041,7 +18565,7 @@
           <a:lstStyle/>
           <a:p>
             <a:r>
-              <a:rPr lang="en-US" sz="1600" b="1" spc="-18" dirty="0" smtClean="0">
+              <a:rPr lang="en-US" sz="1600" b="1" spc="-18" dirty="0">
                 <a:solidFill>
                   <a:schemeClr val="lt2"/>
                 </a:solidFill>
@@ -19051,14 +18575,6 @@
               </a:rPr>
               <a:t>Findings &amp; Next Steps</a:t>
             </a:r>
-            <a:endParaRPr lang="en-US" sz="1600" b="1" spc="-18" dirty="0">
-              <a:solidFill>
-                <a:schemeClr val="lt2"/>
-              </a:solidFill>
-              <a:latin typeface="Cambria" charset="0"/>
-              <a:ea typeface="Cambria" charset="0"/>
-              <a:cs typeface="Cambria" charset="0"/>
-            </a:endParaRPr>
           </a:p>
         </p:txBody>
       </p:sp>
@@ -19150,18 +18666,13 @@
           <a:p>
             <a:pPr algn="ctr"/>
             <a:r>
-              <a:rPr lang="en-US" sz="1200" dirty="0" smtClean="0">
+              <a:rPr lang="en-US" sz="1200" dirty="0">
                 <a:latin typeface="Cambria" charset="0"/>
                 <a:ea typeface="Cambria" charset="0"/>
                 <a:cs typeface="Cambria" charset="0"/>
               </a:rPr>
               <a:t>DECIDE &amp; CLEANSE</a:t>
             </a:r>
-            <a:endParaRPr lang="en-US" sz="1200" dirty="0">
-              <a:latin typeface="Cambria" charset="0"/>
-              <a:ea typeface="Cambria" charset="0"/>
-              <a:cs typeface="Cambria" charset="0"/>
-            </a:endParaRPr>
           </a:p>
         </p:txBody>
       </p:sp>
@@ -19253,18 +18764,13 @@
           <a:p>
             <a:pPr algn="ctr"/>
             <a:r>
-              <a:rPr lang="en-US" sz="1200" dirty="0" smtClean="0">
+              <a:rPr lang="en-US" sz="1200" dirty="0">
                 <a:latin typeface="Cambria" charset="0"/>
                 <a:ea typeface="Cambria" charset="0"/>
                 <a:cs typeface="Cambria" charset="0"/>
               </a:rPr>
               <a:t>ANALYZE &amp; PLOT</a:t>
             </a:r>
-            <a:endParaRPr lang="en-US" sz="1200" dirty="0">
-              <a:latin typeface="Cambria" charset="0"/>
-              <a:ea typeface="Cambria" charset="0"/>
-              <a:cs typeface="Cambria" charset="0"/>
-            </a:endParaRPr>
           </a:p>
         </p:txBody>
       </p:sp>
@@ -19300,18 +18806,13 @@
               <a:buChar char="•"/>
             </a:pPr>
             <a:r>
-              <a:rPr lang="en-US" sz="1200" dirty="0" smtClean="0">
+              <a:rPr lang="en-US" sz="1200" dirty="0">
                 <a:latin typeface="Cambria" charset="0"/>
                 <a:ea typeface="Cambria" charset="0"/>
                 <a:cs typeface="Cambria" charset="0"/>
               </a:rPr>
               <a:t>Decide best source datasets </a:t>
             </a:r>
-            <a:endParaRPr lang="en-US" sz="1200" dirty="0">
-              <a:latin typeface="Cambria" charset="0"/>
-              <a:ea typeface="Cambria" charset="0"/>
-              <a:cs typeface="Cambria" charset="0"/>
-            </a:endParaRPr>
           </a:p>
           <a:p>
             <a:pPr marL="171450" indent="-171450">
@@ -19319,18 +18820,13 @@
               <a:buChar char="•"/>
             </a:pPr>
             <a:r>
-              <a:rPr lang="en-US" sz="1200" dirty="0" smtClean="0">
+              <a:rPr lang="en-US" sz="1200" dirty="0">
                 <a:latin typeface="Cambria" charset="0"/>
                 <a:ea typeface="Cambria" charset="0"/>
                 <a:cs typeface="Cambria" charset="0"/>
               </a:rPr>
               <a:t>Un-biased and Un-skewed was key</a:t>
             </a:r>
-            <a:endParaRPr lang="en-US" sz="1200" dirty="0">
-              <a:latin typeface="Cambria" charset="0"/>
-              <a:ea typeface="Cambria" charset="0"/>
-              <a:cs typeface="Cambria" charset="0"/>
-            </a:endParaRPr>
           </a:p>
           <a:p>
             <a:pPr marL="171450" indent="-171450">
@@ -19338,20 +18834,12 @@
               <a:buChar char="•"/>
             </a:pPr>
             <a:r>
-              <a:rPr lang="en-US" sz="1200" dirty="0" smtClean="0">
-                <a:latin typeface="Cambria" charset="0"/>
-                <a:ea typeface="Cambria" charset="0"/>
-                <a:cs typeface="Cambria" charset="0"/>
-              </a:rPr>
-              <a:t>Looked at Kaggle</a:t>
-            </a:r>
-            <a:r>
               <a:rPr lang="en-US" sz="1200" dirty="0">
                 <a:latin typeface="Cambria" charset="0"/>
                 <a:ea typeface="Cambria" charset="0"/>
                 <a:cs typeface="Cambria" charset="0"/>
               </a:rPr>
-              <a:t>, Data.Gov &amp; CDC</a:t>
+              <a:t>Looked at Kaggle, Data.Gov &amp; CDC</a:t>
             </a:r>
           </a:p>
           <a:p>
@@ -19391,7 +18879,7 @@
               <a:buChar char="•"/>
             </a:pPr>
             <a:r>
-              <a:rPr lang="en-US" sz="1200" dirty="0" smtClean="0">
+              <a:rPr lang="en-US" sz="1200" dirty="0">
                 <a:latin typeface="Cambria" charset="0"/>
                 <a:ea typeface="Cambria" charset="0"/>
                 <a:cs typeface="Cambria" charset="0"/>
@@ -19405,7 +18893,7 @@
               <a:buChar char="•"/>
             </a:pPr>
             <a:r>
-              <a:rPr lang="en-US" sz="1200" dirty="0" smtClean="0">
+              <a:rPr lang="en-US" sz="1200" dirty="0">
                 <a:latin typeface="Cambria" charset="0"/>
                 <a:ea typeface="Cambria" charset="0"/>
                 <a:cs typeface="Cambria" charset="0"/>
@@ -19413,7 +18901,7 @@
               <a:t>Mapping of </a:t>
             </a:r>
             <a:r>
-              <a:rPr lang="en-US" sz="1200" dirty="0" smtClean="0">
+              <a:rPr lang="en-US" sz="1200" dirty="0">
                 <a:solidFill>
                   <a:srgbClr val="FF0000"/>
                 </a:solidFill>
@@ -19425,7 +18913,7 @@
               <a:t>FIPS</a:t>
             </a:r>
             <a:r>
-              <a:rPr lang="en-US" sz="1200" dirty="0" smtClean="0">
+              <a:rPr lang="en-US" sz="1200" dirty="0">
                 <a:solidFill>
                   <a:srgbClr val="FF0000"/>
                 </a:solidFill>
@@ -19436,14 +18924,14 @@
               <a:t> </a:t>
             </a:r>
             <a:r>
-              <a:rPr lang="en-US" sz="1200" dirty="0" smtClean="0">
+              <a:rPr lang="en-US" sz="1200" dirty="0">
                 <a:latin typeface="Cambria" charset="0"/>
                 <a:ea typeface="Cambria" charset="0"/>
                 <a:cs typeface="Cambria" charset="0"/>
               </a:rPr>
               <a:t>code to State Code</a:t>
             </a:r>
-            <a:endParaRPr lang="en-US" sz="1200" dirty="0" smtClean="0">
+            <a:endParaRPr lang="en-US" sz="1200" dirty="0">
               <a:solidFill>
                 <a:srgbClr val="FF0000"/>
               </a:solidFill>
@@ -19458,7 +18946,7 @@
               <a:buChar char="•"/>
             </a:pPr>
             <a:r>
-              <a:rPr lang="en-US" sz="1200" dirty="0" smtClean="0">
+              <a:rPr lang="en-US" sz="1200" dirty="0">
                 <a:latin typeface="Cambria" charset="0"/>
                 <a:ea typeface="Cambria" charset="0"/>
                 <a:cs typeface="Cambria" charset="0"/>
@@ -19472,7 +18960,7 @@
               <a:buChar char="•"/>
             </a:pPr>
             <a:r>
-              <a:rPr lang="en-US" sz="1200" dirty="0" smtClean="0">
+              <a:rPr lang="en-US" sz="1200" dirty="0">
                 <a:latin typeface="Cambria" charset="0"/>
                 <a:ea typeface="Cambria" charset="0"/>
                 <a:cs typeface="Cambria" charset="0"/>
@@ -19486,7 +18974,7 @@
               <a:buChar char="•"/>
             </a:pPr>
             <a:r>
-              <a:rPr lang="en-US" sz="1200" dirty="0" smtClean="0">
+              <a:rPr lang="en-US" sz="1200" dirty="0">
                 <a:latin typeface="Cambria" charset="0"/>
                 <a:ea typeface="Cambria" charset="0"/>
                 <a:cs typeface="Cambria" charset="0"/>
@@ -19499,7 +18987,7 @@
               <a:buFont typeface="Arial" charset="0"/>
               <a:buChar char="•"/>
             </a:pPr>
-            <a:endParaRPr lang="en-US" sz="1200" dirty="0" smtClean="0">
+            <a:endParaRPr lang="en-US" sz="1200" dirty="0">
               <a:latin typeface="Cambria" charset="0"/>
               <a:ea typeface="Cambria" charset="0"/>
               <a:cs typeface="Cambria" charset="0"/>
@@ -19542,7 +19030,7 @@
               <a:buChar char="•"/>
             </a:pPr>
             <a:r>
-              <a:rPr lang="en-US" sz="1200" dirty="0" smtClean="0">
+              <a:rPr lang="en-US" sz="1200" dirty="0">
                 <a:latin typeface="Cambria" charset="0"/>
                 <a:ea typeface="Cambria" charset="0"/>
                 <a:cs typeface="Cambria" charset="0"/>
@@ -19556,7 +19044,7 @@
               <a:buChar char="•"/>
             </a:pPr>
             <a:r>
-              <a:rPr lang="en-US" sz="1200" dirty="0" smtClean="0">
+              <a:rPr lang="en-US" sz="1200" dirty="0">
                 <a:latin typeface="Cambria" charset="0"/>
                 <a:ea typeface="Cambria" charset="0"/>
                 <a:cs typeface="Cambria" charset="0"/>
@@ -19570,7 +19058,7 @@
               <a:buChar char="•"/>
             </a:pPr>
             <a:r>
-              <a:rPr lang="en-US" sz="1200" dirty="0" smtClean="0">
+              <a:rPr lang="en-US" sz="1200" dirty="0">
                 <a:latin typeface="Cambria" charset="0"/>
                 <a:ea typeface="Cambria" charset="0"/>
                 <a:cs typeface="Cambria" charset="0"/>
@@ -19583,7 +19071,7 @@
               <a:buFont typeface="Arial" charset="0"/>
               <a:buChar char="•"/>
             </a:pPr>
-            <a:endParaRPr lang="en-US" sz="1200" dirty="0" smtClean="0">
+            <a:endParaRPr lang="en-US" sz="1200" dirty="0">
               <a:latin typeface="Cambria" charset="0"/>
               <a:ea typeface="Cambria" charset="0"/>
               <a:cs typeface="Cambria" charset="0"/>
@@ -19682,18 +19170,13 @@
           <a:p>
             <a:pPr algn="ctr"/>
             <a:r>
-              <a:rPr lang="en-US" sz="1200" dirty="0" smtClean="0">
+              <a:rPr lang="en-US" sz="1200" dirty="0">
                 <a:latin typeface="Cambria" charset="0"/>
                 <a:ea typeface="Cambria" charset="0"/>
                 <a:cs typeface="Cambria" charset="0"/>
               </a:rPr>
               <a:t>INTERPRET &amp; VISION</a:t>
             </a:r>
-            <a:endParaRPr lang="en-US" sz="1200" dirty="0">
-              <a:latin typeface="Cambria" charset="0"/>
-              <a:ea typeface="Cambria" charset="0"/>
-              <a:cs typeface="Cambria" charset="0"/>
-            </a:endParaRPr>
           </a:p>
         </p:txBody>
       </p:sp>
@@ -19729,7 +19212,7 @@
               <a:buChar char="•"/>
             </a:pPr>
             <a:r>
-              <a:rPr lang="en-US" sz="1200" dirty="0" smtClean="0">
+              <a:rPr lang="en-US" sz="1200" dirty="0">
                 <a:latin typeface="Cambria" charset="0"/>
                 <a:ea typeface="Cambria" charset="0"/>
                 <a:cs typeface="Cambria" charset="0"/>
@@ -19743,7 +19226,7 @@
               <a:buChar char="•"/>
             </a:pPr>
             <a:r>
-              <a:rPr lang="en-US" sz="1200" dirty="0" smtClean="0">
+              <a:rPr lang="en-US" sz="1200" dirty="0">
                 <a:latin typeface="Cambria" charset="0"/>
                 <a:ea typeface="Cambria" charset="0"/>
                 <a:cs typeface="Cambria" charset="0"/>
@@ -19757,14 +19240,14 @@
               <a:buChar char="•"/>
             </a:pPr>
             <a:r>
-              <a:rPr lang="en-US" sz="1200" dirty="0" smtClean="0">
+              <a:rPr lang="en-US" sz="1200" dirty="0">
                 <a:latin typeface="Cambria" charset="0"/>
                 <a:ea typeface="Cambria" charset="0"/>
                 <a:cs typeface="Cambria" charset="0"/>
               </a:rPr>
               <a:t>Conclusions &amp; Next Steps  </a:t>
             </a:r>
-            <a:endParaRPr lang="en-US" sz="1200" dirty="0" smtClean="0">
+            <a:endParaRPr lang="en-US" sz="1200" dirty="0">
               <a:solidFill>
                 <a:srgbClr val="FF0000"/>
               </a:solidFill>
@@ -19778,7 +19261,7 @@
               <a:buFont typeface="Arial" charset="0"/>
               <a:buChar char="•"/>
             </a:pPr>
-            <a:endParaRPr lang="en-US" sz="1200" dirty="0" smtClean="0">
+            <a:endParaRPr lang="en-US" sz="1200" dirty="0">
               <a:latin typeface="Cambria" charset="0"/>
               <a:ea typeface="Cambria" charset="0"/>
               <a:cs typeface="Cambria" charset="0"/>
@@ -20114,16 +19597,15 @@
           </a:lstStyle>
           <a:p>
             <a:r>
-              <a:rPr lang="en-US" dirty="0" smtClean="0"/>
+              <a:rPr lang="en-US" dirty="0"/>
               <a:t>Mental Health Score </a:t>
             </a:r>
           </a:p>
           <a:p>
             <a:r>
-              <a:rPr lang="en-US" dirty="0" smtClean="0"/>
+              <a:rPr lang="en-US" dirty="0"/>
               <a:t>Computation</a:t>
             </a:r>
-            <a:endParaRPr lang="en-US" dirty="0"/>
           </a:p>
         </p:txBody>
       </p:sp>
@@ -20250,27 +19732,8 @@
                 <a:ea typeface="Cambria" charset="0"/>
                 <a:cs typeface="Cambria" charset="0"/>
               </a:rPr>
-              <a:t>Milestone </a:t>
-            </a:r>
-            <a:r>
-              <a:rPr lang="en-US" sz="1000" b="1" spc="-6" dirty="0" smtClean="0">
-                <a:solidFill>
-                  <a:srgbClr val="FF0000"/>
-                </a:solidFill>
-                <a:latin typeface="Cambria" charset="0"/>
-                <a:ea typeface="Cambria" charset="0"/>
-                <a:cs typeface="Cambria" charset="0"/>
-              </a:rPr>
-              <a:t>5</a:t>
-            </a:r>
-            <a:endParaRPr lang="en-US" sz="1000" b="1" spc="-6" dirty="0">
-              <a:solidFill>
-                <a:srgbClr val="FF0000"/>
-              </a:solidFill>
-              <a:latin typeface="Cambria" charset="0"/>
-              <a:ea typeface="Cambria" charset="0"/>
-              <a:cs typeface="Cambria" charset="0"/>
-            </a:endParaRPr>
+              <a:t>Milestone 5</a:t>
+            </a:r>
           </a:p>
         </p:txBody>
       </p:sp>
@@ -20312,17 +19775,17 @@
           </a:lstStyle>
           <a:p>
             <a:r>
-              <a:rPr lang="en-US" dirty="0" smtClean="0"/>
+              <a:rPr lang="en-US" dirty="0"/>
               <a:t>Visualize Plots and </a:t>
             </a:r>
           </a:p>
           <a:p>
             <a:r>
-              <a:rPr lang="en-US" dirty="0" smtClean="0"/>
+              <a:rPr lang="en-US" dirty="0"/>
               <a:t>Interactive </a:t>
             </a:r>
             <a:r>
-              <a:rPr lang="en-US" dirty="0" smtClean="0">
+              <a:rPr lang="en-US" dirty="0">
                 <a:hlinkClick r:id="rId81"/>
               </a:rPr>
               <a:t>UX Choropleth Maps </a:t>
@@ -20596,11 +20059,6 @@
               </a:rPr>
               <a:t>Milestone 6</a:t>
             </a:r>
-            <a:endParaRPr lang="en-US" dirty="0">
-              <a:latin typeface="Cambria" charset="0"/>
-              <a:ea typeface="Cambria" charset="0"/>
-              <a:cs typeface="Cambria" charset="0"/>
-            </a:endParaRPr>
           </a:p>
         </p:txBody>
       </p:sp>
@@ -20642,16 +20100,15 @@
           </a:lstStyle>
           <a:p>
             <a:r>
-              <a:rPr lang="en-US" dirty="0" smtClean="0"/>
+              <a:rPr lang="en-US" dirty="0"/>
               <a:t>Summarize Findings </a:t>
             </a:r>
           </a:p>
           <a:p>
             <a:r>
-              <a:rPr lang="en-US" dirty="0" smtClean="0"/>
+              <a:rPr lang="en-US" dirty="0"/>
               <a:t>&amp; Inferences</a:t>
             </a:r>
-            <a:endParaRPr lang="en-US" dirty="0"/>
           </a:p>
         </p:txBody>
       </p:sp>
@@ -20867,16 +20324,15 @@
           </a:lstStyle>
           <a:p>
             <a:r>
-              <a:rPr lang="en-US" dirty="0" smtClean="0"/>
+              <a:rPr lang="en-US" dirty="0"/>
               <a:t>Presentation Ready </a:t>
             </a:r>
           </a:p>
           <a:p>
             <a:r>
-              <a:rPr lang="en-US" dirty="0" smtClean="0"/>
+              <a:rPr lang="en-US" dirty="0"/>
               <a:t>&amp; Next Steps</a:t>
             </a:r>
-            <a:endParaRPr lang="en-US" dirty="0"/>
           </a:p>
         </p:txBody>
       </p:sp>
@@ -20992,13 +20448,6 @@
       </p:transition>
     </mc:Fallback>
   </mc:AlternateContent>
-  <p:timing>
-    <p:tnLst>
-      <p:par>
-        <p:cTn id="1" dur="indefinite" restart="never" nodeType="tmRoot"/>
-      </p:par>
-    </p:tnLst>
-  </p:timing>
 </p:sld>
 </file>
 
@@ -21040,18 +20489,13 @@
           <a:lstStyle/>
           <a:p>
             <a:r>
-              <a:rPr lang="en-US" dirty="0" smtClean="0">
+              <a:rPr lang="en-US" dirty="0">
                 <a:latin typeface="Cambria" charset="0"/>
                 <a:ea typeface="Cambria" charset="0"/>
                 <a:cs typeface="Cambria" charset="0"/>
               </a:rPr>
               <a:t>SOURCES, ASSUMPTIONS &amp; CONSTRAINTS</a:t>
             </a:r>
-            <a:endParaRPr lang="en-US" dirty="0">
-              <a:latin typeface="Cambria" charset="0"/>
-              <a:ea typeface="Cambria" charset="0"/>
-              <a:cs typeface="Cambria" charset="0"/>
-            </a:endParaRPr>
           </a:p>
         </p:txBody>
       </p:sp>
@@ -21078,7 +20522,7 @@
           <a:lstStyle/>
           <a:p>
             <a:r>
-              <a:rPr lang="en-US" sz="2000" b="1" dirty="0" smtClean="0">
+              <a:rPr lang="en-US" sz="2000" b="1" dirty="0">
                 <a:latin typeface="Cambria" charset="0"/>
                 <a:ea typeface="Cambria" charset="0"/>
                 <a:cs typeface="Cambria" charset="0"/>
@@ -21091,7 +20535,7 @@
               <a:buNone/>
             </a:pPr>
             <a:r>
-              <a:rPr lang="en-US" sz="2000" dirty="0" smtClean="0">
+              <a:rPr lang="en-US" sz="2000" dirty="0">
                 <a:latin typeface="Cambria" charset="0"/>
                 <a:ea typeface="Cambria" charset="0"/>
                 <a:cs typeface="Cambria" charset="0"/>
@@ -21100,7 +20544,7 @@
               <a:t>CDC </a:t>
             </a:r>
             <a:r>
-              <a:rPr lang="en-US" sz="2000" dirty="0" smtClean="0">
+              <a:rPr lang="en-US" sz="2000" dirty="0">
                 <a:latin typeface="Cambria" charset="0"/>
                 <a:ea typeface="Cambria" charset="0"/>
                 <a:cs typeface="Cambria" charset="0"/>
@@ -21108,7 +20552,7 @@
               <a:t>(Center for Disease Control and Prevention) has a </a:t>
             </a:r>
             <a:r>
-              <a:rPr lang="en-US" sz="2000" dirty="0" smtClean="0">
+              <a:rPr lang="en-US" sz="2000" dirty="0">
                 <a:latin typeface="Cambria" charset="0"/>
                 <a:ea typeface="Cambria" charset="0"/>
                 <a:cs typeface="Cambria" charset="0"/>
@@ -21117,7 +20561,7 @@
               <a:t>BRFSS </a:t>
             </a:r>
             <a:r>
-              <a:rPr lang="en-US" sz="2000" dirty="0" smtClean="0">
+              <a:rPr lang="en-US" sz="2000" dirty="0">
                 <a:latin typeface="Cambria" charset="0"/>
                 <a:ea typeface="Cambria" charset="0"/>
                 <a:cs typeface="Cambria" charset="0"/>
@@ -21127,7 +20571,7 @@
           </a:p>
           <a:p>
             <a:r>
-              <a:rPr lang="en-US" sz="2000" b="1" dirty="0" smtClean="0">
+              <a:rPr lang="en-US" sz="2000" b="1" dirty="0">
                 <a:latin typeface="Cambria" charset="0"/>
                 <a:ea typeface="Cambria" charset="0"/>
                 <a:cs typeface="Cambria" charset="0"/>
@@ -21135,7 +20579,7 @@
               <a:t>Assumptions:</a:t>
             </a:r>
             <a:r>
-              <a:rPr lang="en-US" sz="2000" dirty="0" smtClean="0">
+              <a:rPr lang="en-US" sz="2000" dirty="0">
                 <a:latin typeface="Cambria" charset="0"/>
                 <a:ea typeface="Cambria" charset="0"/>
                 <a:cs typeface="Cambria" charset="0"/>
@@ -21146,7 +20590,7 @@
           <a:p>
             <a:pPr lvl="1"/>
             <a:r>
-              <a:rPr lang="en-US" sz="1800" dirty="0" smtClean="0">
+              <a:rPr lang="en-US" sz="1800" dirty="0">
                 <a:latin typeface="Cambria" charset="0"/>
                 <a:ea typeface="Cambria" charset="0"/>
                 <a:cs typeface="Cambria" charset="0"/>
@@ -21154,7 +20598,7 @@
               <a:t>Reliable Data Survey System </a:t>
             </a:r>
             <a:r>
-              <a:rPr lang="mr-IN" sz="1800" dirty="0" smtClean="0">
+              <a:rPr lang="mr-IN" sz="1800" dirty="0">
                 <a:latin typeface="Cambria" charset="0"/>
                 <a:ea typeface="Cambria" charset="0"/>
                 <a:cs typeface="Cambria" charset="0"/>
@@ -21162,7 +20606,7 @@
               <a:t>–</a:t>
             </a:r>
             <a:r>
-              <a:rPr lang="en-US" sz="1800" dirty="0" smtClean="0">
+              <a:rPr lang="en-US" sz="1800" dirty="0">
                 <a:latin typeface="Cambria" charset="0"/>
                 <a:ea typeface="Cambria" charset="0"/>
                 <a:cs typeface="Cambria" charset="0"/>
@@ -21170,7 +20614,7 @@
               <a:t> In Existence for 33 years (~</a:t>
             </a:r>
             <a:r>
-              <a:rPr lang="en-US" sz="1800" dirty="0" smtClean="0">
+              <a:rPr lang="en-US" sz="1800" dirty="0">
                 <a:solidFill>
                   <a:schemeClr val="tx1"/>
                 </a:solidFill>
@@ -21181,7 +20625,7 @@
               <a:t>468K+ records </a:t>
             </a:r>
             <a:r>
-              <a:rPr lang="en-US" sz="1800" dirty="0" smtClean="0">
+              <a:rPr lang="en-US" sz="1800" dirty="0">
                 <a:latin typeface="Cambria" charset="0"/>
                 <a:ea typeface="Cambria" charset="0"/>
                 <a:cs typeface="Cambria" charset="0"/>
@@ -21192,7 +20636,7 @@
           <a:p>
             <a:pPr lvl="1"/>
             <a:r>
-              <a:rPr lang="en-US" sz="1800" dirty="0" smtClean="0">
+              <a:rPr lang="en-US" sz="1800" dirty="0">
                 <a:latin typeface="Cambria" charset="0"/>
                 <a:ea typeface="Cambria" charset="0"/>
                 <a:cs typeface="Cambria" charset="0"/>
@@ -21200,7 +20644,7 @@
               <a:t>Number of Questions </a:t>
             </a:r>
             <a:r>
-              <a:rPr lang="mr-IN" sz="1800" dirty="0" smtClean="0">
+              <a:rPr lang="mr-IN" sz="1800" dirty="0">
                 <a:latin typeface="Cambria" charset="0"/>
                 <a:ea typeface="Cambria" charset="0"/>
                 <a:cs typeface="Cambria" charset="0"/>
@@ -21208,7 +20652,7 @@
               <a:t>–</a:t>
             </a:r>
             <a:r>
-              <a:rPr lang="en-US" sz="1800" dirty="0" smtClean="0">
+              <a:rPr lang="en-US" sz="1800" dirty="0">
                 <a:latin typeface="Cambria" charset="0"/>
                 <a:ea typeface="Cambria" charset="0"/>
                 <a:cs typeface="Cambria" charset="0"/>
@@ -21216,7 +20660,7 @@
               <a:t> Not all respondents willing to answer all significant questions (</a:t>
             </a:r>
             <a:r>
-              <a:rPr lang="en-US" sz="1800" dirty="0" smtClean="0">
+              <a:rPr lang="en-US" sz="1800" dirty="0">
                 <a:solidFill>
                   <a:schemeClr val="tx1"/>
                 </a:solidFill>
@@ -21227,7 +20671,7 @@
               <a:t>Appx. 275 questions per year</a:t>
             </a:r>
             <a:r>
-              <a:rPr lang="en-US" sz="1800" dirty="0" smtClean="0">
+              <a:rPr lang="en-US" sz="1800" dirty="0">
                 <a:latin typeface="Cambria" charset="0"/>
                 <a:ea typeface="Cambria" charset="0"/>
                 <a:cs typeface="Cambria" charset="0"/>
@@ -21266,7 +20710,7 @@
               </a:rPr>
               <a:t>Phone survey: Susceptible to human error </a:t>
             </a:r>
-            <a:endParaRPr lang="en-US" dirty="0" smtClean="0">
+            <a:endParaRPr lang="en-US" dirty="0">
               <a:latin typeface="Cambria" charset="0"/>
               <a:ea typeface="Cambria" charset="0"/>
               <a:cs typeface="Cambria" charset="0"/>
@@ -21294,13 +20738,6 @@
   <p:clrMapOvr>
     <a:masterClrMapping/>
   </p:clrMapOvr>
-  <p:timing>
-    <p:tnLst>
-      <p:par>
-        <p:cTn id="1" dur="indefinite" restart="never" nodeType="tmRoot"/>
-      </p:par>
-    </p:tnLst>
-  </p:timing>
 </p:sld>
 </file>
 
@@ -21344,7 +20781,7 @@
           <a:lstStyle/>
           <a:p>
             <a:r>
-              <a:rPr lang="en-US" dirty="0" smtClean="0">
+              <a:rPr lang="en-US" dirty="0">
                 <a:latin typeface="Cambria" charset="0"/>
                 <a:ea typeface="Cambria" charset="0"/>
                 <a:cs typeface="Cambria" charset="0"/>
@@ -21352,7 +20789,7 @@
               <a:t>APPROACH:  </a:t>
             </a:r>
             <a:r>
-              <a:rPr lang="en-US" dirty="0" smtClean="0">
+              <a:rPr lang="en-US" dirty="0">
                 <a:solidFill>
                   <a:srgbClr val="FF0000"/>
                 </a:solidFill>
@@ -21362,50 +20799,37 @@
               </a:rPr>
               <a:t>TOCHECK: IF WITH PROCESS</a:t>
             </a:r>
-            <a:r>
-              <a:rPr lang="en-US" dirty="0" smtClean="0">
+            <a:br>
+              <a:rPr lang="en-US" dirty="0">
                 <a:latin typeface="Cambria" charset="0"/>
                 <a:ea typeface="Cambria" charset="0"/>
                 <a:cs typeface="Cambria" charset="0"/>
               </a:rPr>
-              <a:t/>
-            </a:r>
-            <a:br>
-              <a:rPr lang="en-US" dirty="0" smtClean="0">
+            </a:br>
+            <a:r>
+              <a:rPr lang="en-US" dirty="0">
                 <a:latin typeface="Cambria" charset="0"/>
                 <a:ea typeface="Cambria" charset="0"/>
                 <a:cs typeface="Cambria" charset="0"/>
               </a:rPr>
-            </a:br>
-            <a:r>
-              <a:rPr lang="en-US" dirty="0" smtClean="0">
+              <a:t>MANAGING DATA VOLUME </a:t>
+            </a:r>
+            <a:r>
+              <a:rPr lang="mr-IN" dirty="0">
                 <a:latin typeface="Cambria" charset="0"/>
                 <a:ea typeface="Cambria" charset="0"/>
                 <a:cs typeface="Cambria" charset="0"/>
               </a:rPr>
-              <a:t>MANAGING DATA VOLUME </a:t>
-            </a:r>
-            <a:r>
-              <a:rPr lang="mr-IN" dirty="0" smtClean="0">
+              <a:t>–</a:t>
+            </a:r>
+            <a:r>
+              <a:rPr lang="en-US" dirty="0">
                 <a:latin typeface="Cambria" charset="0"/>
                 <a:ea typeface="Cambria" charset="0"/>
                 <a:cs typeface="Cambria" charset="0"/>
               </a:rPr>
-              <a:t>–</a:t>
-            </a:r>
-            <a:r>
-              <a:rPr lang="en-US" dirty="0" smtClean="0">
-                <a:latin typeface="Cambria" charset="0"/>
-                <a:ea typeface="Cambria" charset="0"/>
-                <a:cs typeface="Cambria" charset="0"/>
-              </a:rPr>
               <a:t> STATS</a:t>
             </a:r>
-            <a:endParaRPr lang="en-US" dirty="0">
-              <a:latin typeface="Cambria" charset="0"/>
-              <a:ea typeface="Cambria" charset="0"/>
-              <a:cs typeface="Cambria" charset="0"/>
-            </a:endParaRPr>
           </a:p>
         </p:txBody>
       </p:sp>
@@ -21435,10 +20859,34 @@
                 <a:tableStyleId>{22838BEF-8BB2-4498-84A7-C5851F593DF1}</a:tableStyleId>
               </a:tblPr>
               <a:tblGrid>
-                <a:gridCol w="1371953"/>
-                <a:gridCol w="2454247"/>
-                <a:gridCol w="2071099"/>
-                <a:gridCol w="3573996"/>
+                <a:gridCol w="1371953">
+                  <a:extLst>
+                    <a:ext uri="{9D8B030D-6E8A-4147-A177-3AD203B41FA5}">
+                      <a16:colId xmlns:a16="http://schemas.microsoft.com/office/drawing/2014/main" val="20000"/>
+                    </a:ext>
+                  </a:extLst>
+                </a:gridCol>
+                <a:gridCol w="2454247">
+                  <a:extLst>
+                    <a:ext uri="{9D8B030D-6E8A-4147-A177-3AD203B41FA5}">
+                      <a16:colId xmlns:a16="http://schemas.microsoft.com/office/drawing/2014/main" val="20001"/>
+                    </a:ext>
+                  </a:extLst>
+                </a:gridCol>
+                <a:gridCol w="2071099">
+                  <a:extLst>
+                    <a:ext uri="{9D8B030D-6E8A-4147-A177-3AD203B41FA5}">
+                      <a16:colId xmlns:a16="http://schemas.microsoft.com/office/drawing/2014/main" val="20002"/>
+                    </a:ext>
+                  </a:extLst>
+                </a:gridCol>
+                <a:gridCol w="3573996">
+                  <a:extLst>
+                    <a:ext uri="{9D8B030D-6E8A-4147-A177-3AD203B41FA5}">
+                      <a16:colId xmlns:a16="http://schemas.microsoft.com/office/drawing/2014/main" val="20003"/>
+                    </a:ext>
+                  </a:extLst>
+                </a:gridCol>
               </a:tblGrid>
               <a:tr h="771425">
                 <a:tc>
@@ -21448,18 +20896,13 @@
                     <a:p>
                       <a:pPr algn="ctr"/>
                       <a:r>
-                        <a:rPr lang="en-US" sz="2000" b="1" i="0" dirty="0" smtClean="0">
+                        <a:rPr lang="en-US" sz="2000" b="1" i="0" dirty="0">
                           <a:latin typeface="Cambria" charset="0"/>
                           <a:ea typeface="Cambria" charset="0"/>
                           <a:cs typeface="Cambria" charset="0"/>
                         </a:rPr>
                         <a:t>Year</a:t>
                       </a:r>
-                      <a:endParaRPr lang="en-US" sz="2000" b="1" i="0" dirty="0">
-                        <a:latin typeface="Cambria" charset="0"/>
-                        <a:ea typeface="Cambria" charset="0"/>
-                        <a:cs typeface="Cambria" charset="0"/>
-                      </a:endParaRPr>
                     </a:p>
                   </a:txBody>
                   <a:tcPr>
@@ -21508,7 +20951,7 @@
                     <a:p>
                       <a:pPr algn="ctr"/>
                       <a:r>
-                        <a:rPr lang="en-US" sz="2000" b="1" i="0" dirty="0" smtClean="0">
+                        <a:rPr lang="en-US" sz="2000" b="1" i="0" dirty="0">
                           <a:latin typeface="Cambria" charset="0"/>
                           <a:ea typeface="Cambria" charset="0"/>
                           <a:cs typeface="Cambria" charset="0"/>
@@ -21516,7 +20959,7 @@
                         <a:t>Volume of</a:t>
                       </a:r>
                       <a:r>
-                        <a:rPr lang="en-US" sz="2000" b="1" i="0" baseline="0" dirty="0" smtClean="0">
+                        <a:rPr lang="en-US" sz="2000" b="1" i="0" baseline="0" dirty="0">
                           <a:latin typeface="Cambria" charset="0"/>
                           <a:ea typeface="Cambria" charset="0"/>
                           <a:cs typeface="Cambria" charset="0"/>
@@ -21576,23 +21019,18 @@
                     <a:p>
                       <a:pPr algn="ctr"/>
                       <a:r>
-                        <a:rPr lang="en-US" sz="2000" b="1" i="0" dirty="0" smtClean="0">
+                        <a:rPr lang="en-US" sz="2000" b="1" i="0" dirty="0">
                           <a:latin typeface="Cambria" charset="0"/>
                           <a:ea typeface="Cambria" charset="0"/>
                           <a:cs typeface="Cambria" charset="0"/>
                         </a:rPr>
                         <a:t>File Sizes </a:t>
                       </a:r>
-                      <a:endParaRPr lang="en-US" sz="2000" b="1" i="0" dirty="0" smtClean="0">
-                        <a:latin typeface="Cambria" charset="0"/>
-                        <a:ea typeface="Cambria" charset="0"/>
-                        <a:cs typeface="Cambria" charset="0"/>
-                      </a:endParaRPr>
                     </a:p>
                     <a:p>
                       <a:pPr algn="ctr"/>
                       <a:r>
-                        <a:rPr lang="en-US" sz="2000" b="1" i="0" dirty="0" smtClean="0">
+                        <a:rPr lang="en-US" sz="2000" b="1" i="0" dirty="0">
                           <a:latin typeface="Cambria" charset="0"/>
                           <a:ea typeface="Cambria" charset="0"/>
                           <a:cs typeface="Cambria" charset="0"/>
@@ -21603,26 +21041,13 @@
                     <a:p>
                       <a:pPr algn="ctr"/>
                       <a:r>
-                        <a:rPr lang="en-US" sz="2000" b="1" i="0" dirty="0" smtClean="0">
+                        <a:rPr lang="en-US" sz="2000" b="1" i="0" dirty="0">
                           <a:latin typeface="Cambria" charset="0"/>
                           <a:ea typeface="Cambria" charset="0"/>
                           <a:cs typeface="Cambria" charset="0"/>
                         </a:rPr>
-                        <a:t>(Initial</a:t>
+                        <a:t>(Initial)</a:t>
                       </a:r>
-                      <a:r>
-                        <a:rPr lang="en-US" sz="2000" b="1" i="0" dirty="0" smtClean="0">
-                          <a:latin typeface="Cambria" charset="0"/>
-                          <a:ea typeface="Cambria" charset="0"/>
-                          <a:cs typeface="Cambria" charset="0"/>
-                        </a:rPr>
-                        <a:t>)</a:t>
-                      </a:r>
-                      <a:endParaRPr lang="en-US" sz="2000" b="1" i="0" dirty="0">
-                        <a:latin typeface="Cambria" charset="0"/>
-                        <a:ea typeface="Cambria" charset="0"/>
-                        <a:cs typeface="Cambria" charset="0"/>
-                      </a:endParaRPr>
                     </a:p>
                   </a:txBody>
                   <a:tcPr>
@@ -21671,7 +21096,7 @@
                     <a:p>
                       <a:pPr algn="ctr"/>
                       <a:r>
-                        <a:rPr lang="en-US" sz="2000" b="1" i="0" dirty="0" smtClean="0">
+                        <a:rPr lang="en-US" sz="2000" b="1" i="0" dirty="0">
                           <a:latin typeface="Cambria" charset="0"/>
                           <a:ea typeface="Cambria" charset="0"/>
                           <a:cs typeface="Cambria" charset="0"/>
@@ -21679,7 +21104,7 @@
                         <a:t>% Reduction (↓)</a:t>
                       </a:r>
                       <a:r>
-                        <a:rPr lang="en-US" sz="2000" b="1" i="0" baseline="0" dirty="0" smtClean="0">
+                        <a:rPr lang="en-US" sz="2000" b="1" i="0" baseline="0" dirty="0">
                           <a:latin typeface="Cambria" charset="0"/>
                           <a:ea typeface="Cambria" charset="0"/>
                           <a:cs typeface="Cambria" charset="0"/>
@@ -21687,7 +21112,7 @@
                         <a:t> i</a:t>
                       </a:r>
                       <a:r>
-                        <a:rPr lang="en-US" sz="2000" b="1" i="0" dirty="0" smtClean="0">
+                        <a:rPr lang="en-US" sz="2000" b="1" i="0" dirty="0">
                           <a:latin typeface="Cambria" charset="0"/>
                           <a:ea typeface="Cambria" charset="0"/>
                           <a:cs typeface="Cambria" charset="0"/>
@@ -21695,7 +21120,7 @@
                         <a:t>n</a:t>
                       </a:r>
                       <a:r>
-                        <a:rPr lang="en-US" sz="2000" b="1" i="0" baseline="0" dirty="0" smtClean="0">
+                        <a:rPr lang="en-US" sz="2000" b="1" i="0" baseline="0" dirty="0">
                           <a:latin typeface="Cambria" charset="0"/>
                           <a:ea typeface="Cambria" charset="0"/>
                           <a:cs typeface="Cambria" charset="0"/>
@@ -21703,7 +21128,7 @@
                         <a:t> “</a:t>
                       </a:r>
                       <a:r>
-                        <a:rPr lang="en-US" sz="2000" b="1" i="0" dirty="0" smtClean="0">
+                        <a:rPr lang="en-US" sz="2000" b="1" i="0" dirty="0">
                           <a:latin typeface="Cambria" charset="0"/>
                           <a:ea typeface="Cambria" charset="0"/>
                           <a:cs typeface="Cambria" charset="0"/>
@@ -21711,7 +21136,7 @@
                         <a:t>Cleansed Files” Sizes</a:t>
                       </a:r>
                       <a:r>
-                        <a:rPr lang="en-US" sz="2000" b="1" i="0" baseline="0" dirty="0" smtClean="0">
+                        <a:rPr lang="en-US" sz="2000" b="1" i="0" baseline="0" dirty="0">
                           <a:latin typeface="Cambria" charset="0"/>
                           <a:ea typeface="Cambria" charset="0"/>
                           <a:cs typeface="Cambria" charset="0"/>
@@ -21719,18 +21144,13 @@
                         <a:t> </a:t>
                       </a:r>
                       <a:r>
-                        <a:rPr lang="en-US" sz="2000" b="1" i="0" dirty="0" smtClean="0">
+                        <a:rPr lang="en-US" sz="2000" b="1" i="0" dirty="0">
                           <a:latin typeface="Cambria" charset="0"/>
                           <a:ea typeface="Cambria" charset="0"/>
                           <a:cs typeface="Cambria" charset="0"/>
                         </a:rPr>
                         <a:t>(Final )</a:t>
                       </a:r>
-                      <a:endParaRPr lang="en-US" sz="2000" b="1" i="0" dirty="0">
-                        <a:latin typeface="Cambria" charset="0"/>
-                        <a:ea typeface="Cambria" charset="0"/>
-                        <a:cs typeface="Cambria" charset="0"/>
-                      </a:endParaRPr>
                     </a:p>
                   </a:txBody>
                   <a:tcPr>
@@ -21772,6 +21192,11 @@
                     </a:lnB>
                   </a:tcPr>
                 </a:tc>
+                <a:extLst>
+                  <a:ext uri="{0D108BD9-81ED-4DB2-BD59-A6C34878D82A}">
+                    <a16:rowId xmlns:a16="http://schemas.microsoft.com/office/drawing/2014/main" val="10000"/>
+                  </a:ext>
+                </a:extLst>
               </a:tr>
               <a:tr h="657910">
                 <a:tc>
@@ -21780,18 +21205,13 @@
                     <a:lstStyle/>
                     <a:p>
                       <a:r>
-                        <a:rPr lang="en-US" sz="2000" b="0" i="0" dirty="0" smtClean="0">
+                        <a:rPr lang="en-US" sz="2000" b="0" i="0" dirty="0">
                           <a:latin typeface="Cambria" charset="0"/>
                           <a:ea typeface="Cambria" charset="0"/>
                           <a:cs typeface="Cambria" charset="0"/>
                         </a:rPr>
                         <a:t>2012</a:t>
                       </a:r>
-                      <a:endParaRPr lang="en-US" sz="2000" b="0" i="0" dirty="0">
-                        <a:latin typeface="Cambria" charset="0"/>
-                        <a:ea typeface="Cambria" charset="0"/>
-                        <a:cs typeface="Cambria" charset="0"/>
-                      </a:endParaRPr>
                     </a:p>
                   </a:txBody>
                   <a:tcPr>
@@ -21839,7 +21259,7 @@
                     <a:lstStyle/>
                     <a:p>
                       <a:r>
-                        <a:rPr lang="fi-FI" sz="2000" b="0" i="0" dirty="0" smtClean="0">
+                        <a:rPr lang="fi-FI" sz="2000" b="0" i="0" dirty="0">
                           <a:latin typeface="Cambria" charset="0"/>
                           <a:ea typeface="Cambria" charset="0"/>
                           <a:cs typeface="Cambria" charset="0"/>
@@ -21898,7 +21318,7 @@
                     <a:lstStyle/>
                     <a:p>
                       <a:r>
-                        <a:rPr lang="en-US" sz="2000" b="0" i="0" dirty="0" smtClean="0">
+                        <a:rPr lang="en-US" sz="2000" b="0" i="0" dirty="0">
                           <a:latin typeface="Cambria" charset="0"/>
                           <a:ea typeface="Cambria" charset="0"/>
                           <a:cs typeface="Cambria" charset="0"/>
@@ -21906,7 +21326,7 @@
                         <a:t>0.85</a:t>
                       </a:r>
                       <a:r>
-                        <a:rPr lang="en-US" sz="2000" b="0" i="0" baseline="0" dirty="0" smtClean="0">
+                        <a:rPr lang="en-US" sz="2000" b="0" i="0" baseline="0" dirty="0">
                           <a:latin typeface="Cambria" charset="0"/>
                           <a:ea typeface="Cambria" charset="0"/>
                           <a:cs typeface="Cambria" charset="0"/>
@@ -21965,7 +21385,7 @@
                     <a:lstStyle/>
                     <a:p>
                       <a:r>
-                        <a:rPr lang="en-US" sz="2000" b="0" i="0" dirty="0" smtClean="0">
+                        <a:rPr lang="en-US" sz="2000" b="0" i="0" dirty="0">
                           <a:latin typeface="Cambria" charset="0"/>
                           <a:ea typeface="Cambria" charset="0"/>
                           <a:cs typeface="Cambria" charset="0"/>
@@ -21973,7 +21393,7 @@
                         <a:t>0.06 GB (</a:t>
                       </a:r>
                       <a:r>
-                        <a:rPr lang="en-US" sz="2000" b="1" i="0" dirty="0" smtClean="0">
+                        <a:rPr lang="en-US" sz="2000" b="1" i="0" dirty="0">
                           <a:latin typeface="Cambria" charset="0"/>
                           <a:ea typeface="Cambria" charset="0"/>
                           <a:cs typeface="Cambria" charset="0"/>
@@ -21981,18 +21401,13 @@
                         <a:t>↓ </a:t>
                       </a:r>
                       <a:r>
-                        <a:rPr lang="en-US" sz="2000" b="0" i="0" dirty="0" smtClean="0">
+                        <a:rPr lang="en-US" sz="2000" b="0" i="0" dirty="0">
                           <a:latin typeface="Cambria" charset="0"/>
                           <a:ea typeface="Cambria" charset="0"/>
                           <a:cs typeface="Cambria" charset="0"/>
                         </a:rPr>
                         <a:t>93%)</a:t>
                       </a:r>
-                      <a:endParaRPr lang="en-US" sz="2000" b="0" i="0" dirty="0">
-                        <a:latin typeface="Cambria" charset="0"/>
-                        <a:ea typeface="Cambria" charset="0"/>
-                        <a:cs typeface="Cambria" charset="0"/>
-                      </a:endParaRPr>
                     </a:p>
                   </a:txBody>
                   <a:tcPr>
@@ -22034,6 +21449,11 @@
                     </a:lnB>
                   </a:tcPr>
                 </a:tc>
+                <a:extLst>
+                  <a:ext uri="{0D108BD9-81ED-4DB2-BD59-A6C34878D82A}">
+                    <a16:rowId xmlns:a16="http://schemas.microsoft.com/office/drawing/2014/main" val="10001"/>
+                  </a:ext>
+                </a:extLst>
               </a:tr>
               <a:tr h="657910">
                 <a:tc>
@@ -22042,18 +21462,13 @@
                     <a:lstStyle/>
                     <a:p>
                       <a:r>
-                        <a:rPr lang="en-US" sz="2000" b="0" i="0" dirty="0" smtClean="0">
+                        <a:rPr lang="en-US" sz="2000" b="0" i="0" dirty="0">
                           <a:latin typeface="Cambria" charset="0"/>
                           <a:ea typeface="Cambria" charset="0"/>
                           <a:cs typeface="Cambria" charset="0"/>
                         </a:rPr>
                         <a:t>2013</a:t>
                       </a:r>
-                      <a:endParaRPr lang="en-US" sz="2000" b="0" i="0" dirty="0">
-                        <a:latin typeface="Cambria" charset="0"/>
-                        <a:ea typeface="Cambria" charset="0"/>
-                        <a:cs typeface="Cambria" charset="0"/>
-                      </a:endParaRPr>
                     </a:p>
                   </a:txBody>
                   <a:tcPr>
@@ -22101,18 +21516,13 @@
                     <a:lstStyle/>
                     <a:p>
                       <a:r>
-                        <a:rPr lang="en-US" sz="2000" b="0" i="0" dirty="0" smtClean="0">
+                        <a:rPr lang="en-US" sz="2000" b="0" i="0" dirty="0">
                           <a:latin typeface="Cambria" charset="0"/>
                           <a:ea typeface="Cambria" charset="0"/>
                           <a:cs typeface="Cambria" charset="0"/>
                         </a:rPr>
                         <a:t>486,843</a:t>
                       </a:r>
-                      <a:endParaRPr lang="en-US" sz="2000" b="0" i="0" dirty="0">
-                        <a:latin typeface="Cambria" charset="0"/>
-                        <a:ea typeface="Cambria" charset="0"/>
-                        <a:cs typeface="Cambria" charset="0"/>
-                      </a:endParaRPr>
                     </a:p>
                   </a:txBody>
                   <a:tcPr>
@@ -22177,7 +21587,7 @@
                         <a:defRPr/>
                       </a:pPr>
                       <a:r>
-                        <a:rPr lang="en-US" sz="2000" b="0" i="0" dirty="0" smtClean="0">
+                        <a:rPr lang="en-US" sz="2000" b="0" i="0" dirty="0">
                           <a:latin typeface="Cambria" charset="0"/>
                           <a:ea typeface="Cambria" charset="0"/>
                           <a:cs typeface="Cambria" charset="0"/>
@@ -22185,14 +21595,14 @@
                         <a:t>0.80</a:t>
                       </a:r>
                       <a:r>
-                        <a:rPr lang="en-US" sz="2000" b="0" i="0" baseline="0" dirty="0" smtClean="0">
+                        <a:rPr lang="en-US" sz="2000" b="0" i="0" baseline="0" dirty="0">
                           <a:latin typeface="Cambria" charset="0"/>
                           <a:ea typeface="Cambria" charset="0"/>
                           <a:cs typeface="Cambria" charset="0"/>
                         </a:rPr>
                         <a:t> GB</a:t>
                       </a:r>
-                      <a:endParaRPr lang="en-US" sz="2000" b="0" i="0" dirty="0" smtClean="0">
+                      <a:endParaRPr lang="en-US" sz="2000" b="0" i="0" dirty="0">
                         <a:latin typeface="Cambria" charset="0"/>
                         <a:ea typeface="Cambria" charset="0"/>
                         <a:cs typeface="Cambria" charset="0"/>
@@ -22251,7 +21661,7 @@
                     <a:lstStyle/>
                     <a:p>
                       <a:r>
-                        <a:rPr lang="en-US" sz="2000" b="0" i="0" dirty="0" smtClean="0">
+                        <a:rPr lang="en-US" sz="2000" b="0" i="0" dirty="0">
                           <a:latin typeface="Cambria" charset="0"/>
                           <a:ea typeface="Cambria" charset="0"/>
                           <a:cs typeface="Cambria" charset="0"/>
@@ -22259,7 +21669,7 @@
                         <a:t>0.06 GB (</a:t>
                       </a:r>
                       <a:r>
-                        <a:rPr lang="en-US" sz="2000" b="1" i="0" dirty="0" smtClean="0">
+                        <a:rPr lang="en-US" sz="2000" b="1" i="0" dirty="0">
                           <a:latin typeface="Cambria" charset="0"/>
                           <a:ea typeface="Cambria" charset="0"/>
                           <a:cs typeface="Cambria" charset="0"/>
@@ -22267,18 +21677,13 @@
                         <a:t>↓ </a:t>
                       </a:r>
                       <a:r>
-                        <a:rPr lang="en-US" sz="2000" b="0" i="0" dirty="0" smtClean="0">
+                        <a:rPr lang="en-US" sz="2000" b="0" i="0" dirty="0">
                           <a:latin typeface="Cambria" charset="0"/>
                           <a:ea typeface="Cambria" charset="0"/>
                           <a:cs typeface="Cambria" charset="0"/>
                         </a:rPr>
                         <a:t>93%)</a:t>
                       </a:r>
-                      <a:endParaRPr lang="en-US" sz="2000" b="0" i="0" dirty="0">
-                        <a:latin typeface="Cambria" charset="0"/>
-                        <a:ea typeface="Cambria" charset="0"/>
-                        <a:cs typeface="Cambria" charset="0"/>
-                      </a:endParaRPr>
                     </a:p>
                   </a:txBody>
                   <a:tcPr>
@@ -22320,6 +21725,11 @@
                     </a:lnB>
                   </a:tcPr>
                 </a:tc>
+                <a:extLst>
+                  <a:ext uri="{0D108BD9-81ED-4DB2-BD59-A6C34878D82A}">
+                    <a16:rowId xmlns:a16="http://schemas.microsoft.com/office/drawing/2014/main" val="10002"/>
+                  </a:ext>
+                </a:extLst>
               </a:tr>
               <a:tr h="657910">
                 <a:tc>
@@ -22328,18 +21738,13 @@
                     <a:lstStyle/>
                     <a:p>
                       <a:r>
-                        <a:rPr lang="en-US" sz="2000" b="0" i="0" dirty="0" smtClean="0">
+                        <a:rPr lang="en-US" sz="2000" b="0" i="0" dirty="0">
                           <a:latin typeface="Cambria" charset="0"/>
                           <a:ea typeface="Cambria" charset="0"/>
                           <a:cs typeface="Cambria" charset="0"/>
                         </a:rPr>
                         <a:t>2014</a:t>
                       </a:r>
-                      <a:endParaRPr lang="en-US" sz="2000" b="0" i="0" dirty="0">
-                        <a:latin typeface="Cambria" charset="0"/>
-                        <a:ea typeface="Cambria" charset="0"/>
-                        <a:cs typeface="Cambria" charset="0"/>
-                      </a:endParaRPr>
                     </a:p>
                   </a:txBody>
                   <a:tcPr>
@@ -22387,7 +21792,7 @@
                     <a:lstStyle/>
                     <a:p>
                       <a:r>
-                        <a:rPr lang="is-IS" sz="2000" b="0" i="0" smtClean="0">
+                        <a:rPr lang="is-IS" sz="2000" b="0" i="0">
                           <a:latin typeface="Cambria" charset="0"/>
                           <a:ea typeface="Cambria" charset="0"/>
                           <a:cs typeface="Cambria" charset="0"/>
@@ -22446,7 +21851,7 @@
                     <a:lstStyle/>
                     <a:p>
                       <a:r>
-                        <a:rPr lang="it-IT" sz="2000" b="0" i="0" dirty="0" smtClean="0">
+                        <a:rPr lang="it-IT" sz="2000" b="0" i="0" dirty="0">
                           <a:latin typeface="Cambria" charset="0"/>
                           <a:ea typeface="Cambria" charset="0"/>
                           <a:cs typeface="Cambria" charset="0"/>
@@ -22505,7 +21910,7 @@
                     <a:lstStyle/>
                     <a:p>
                       <a:r>
-                        <a:rPr lang="pt-BR" sz="2000" b="0" i="0" dirty="0" smtClean="0">
+                        <a:rPr lang="pt-BR" sz="2000" b="0" i="0" dirty="0">
                           <a:latin typeface="Cambria" charset="0"/>
                           <a:ea typeface="Cambria" charset="0"/>
                           <a:cs typeface="Cambria" charset="0"/>
@@ -22513,7 +21918,7 @@
                         <a:t>0.06</a:t>
                       </a:r>
                       <a:r>
-                        <a:rPr lang="pt-BR" sz="2000" b="0" i="0" baseline="0" dirty="0" smtClean="0">
+                        <a:rPr lang="pt-BR" sz="2000" b="0" i="0" baseline="0" dirty="0">
                           <a:latin typeface="Cambria" charset="0"/>
                           <a:ea typeface="Cambria" charset="0"/>
                           <a:cs typeface="Cambria" charset="0"/>
@@ -22521,7 +21926,7 @@
                         <a:t> </a:t>
                       </a:r>
                       <a:r>
-                        <a:rPr lang="pt-BR" sz="2000" b="0" i="0" dirty="0" smtClean="0">
+                        <a:rPr lang="pt-BR" sz="2000" b="0" i="0" dirty="0">
                           <a:latin typeface="Cambria" charset="0"/>
                           <a:ea typeface="Cambria" charset="0"/>
                           <a:cs typeface="Cambria" charset="0"/>
@@ -22529,7 +21934,7 @@
                         <a:t>GB (</a:t>
                       </a:r>
                       <a:r>
-                        <a:rPr lang="en-US" sz="2000" b="1" i="0" dirty="0" smtClean="0">
+                        <a:rPr lang="en-US" sz="2000" b="1" i="0" dirty="0">
                           <a:latin typeface="Cambria" charset="0"/>
                           <a:ea typeface="Cambria" charset="0"/>
                           <a:cs typeface="Cambria" charset="0"/>
@@ -22537,18 +21942,13 @@
                         <a:t>↓</a:t>
                       </a:r>
                       <a:r>
-                        <a:rPr lang="en-US" sz="2000" b="0" i="0" dirty="0" smtClean="0">
+                        <a:rPr lang="en-US" sz="2000" b="0" i="0" dirty="0">
                           <a:latin typeface="Cambria" charset="0"/>
                           <a:ea typeface="Cambria" charset="0"/>
                           <a:cs typeface="Cambria" charset="0"/>
                         </a:rPr>
                         <a:t> 90%)</a:t>
                       </a:r>
-                      <a:endParaRPr lang="en-US" sz="2000" b="0" i="0" dirty="0">
-                        <a:latin typeface="Cambria" charset="0"/>
-                        <a:ea typeface="Cambria" charset="0"/>
-                        <a:cs typeface="Cambria" charset="0"/>
-                      </a:endParaRPr>
                     </a:p>
                   </a:txBody>
                   <a:tcPr>
@@ -22590,6 +21990,11 @@
                     </a:lnB>
                   </a:tcPr>
                 </a:tc>
+                <a:extLst>
+                  <a:ext uri="{0D108BD9-81ED-4DB2-BD59-A6C34878D82A}">
+                    <a16:rowId xmlns:a16="http://schemas.microsoft.com/office/drawing/2014/main" val="10003"/>
+                  </a:ext>
+                </a:extLst>
               </a:tr>
               <a:tr h="657910">
                 <a:tc>
@@ -22598,18 +22003,13 @@
                     <a:lstStyle/>
                     <a:p>
                       <a:r>
-                        <a:rPr lang="en-US" sz="2000" b="0" i="0" dirty="0" smtClean="0">
+                        <a:rPr lang="en-US" sz="2000" b="0" i="0" dirty="0">
                           <a:latin typeface="Cambria" charset="0"/>
                           <a:ea typeface="Cambria" charset="0"/>
                           <a:cs typeface="Cambria" charset="0"/>
                         </a:rPr>
                         <a:t>2015</a:t>
                       </a:r>
-                      <a:endParaRPr lang="en-US" sz="2000" b="0" i="0" dirty="0">
-                        <a:latin typeface="Cambria" charset="0"/>
-                        <a:ea typeface="Cambria" charset="0"/>
-                        <a:cs typeface="Cambria" charset="0"/>
-                      </a:endParaRPr>
                     </a:p>
                   </a:txBody>
                   <a:tcPr>
@@ -22657,7 +22057,7 @@
                     <a:lstStyle/>
                     <a:p>
                       <a:r>
-                        <a:rPr lang="is-IS" sz="2000" b="0" i="0" smtClean="0">
+                        <a:rPr lang="is-IS" sz="2000" b="0" i="0">
                           <a:latin typeface="Cambria" charset="0"/>
                           <a:ea typeface="Cambria" charset="0"/>
                           <a:cs typeface="Cambria" charset="0"/>
@@ -22716,18 +22116,13 @@
                     <a:lstStyle/>
                     <a:p>
                       <a:r>
-                        <a:rPr lang="en-US" sz="2000" b="0" i="0" dirty="0" smtClean="0">
+                        <a:rPr lang="en-US" sz="2000" b="0" i="0" dirty="0">
                           <a:latin typeface="Cambria" charset="0"/>
                           <a:ea typeface="Cambria" charset="0"/>
                           <a:cs typeface="Cambria" charset="0"/>
                         </a:rPr>
                         <a:t>1.14 GB</a:t>
                       </a:r>
-                      <a:endParaRPr lang="en-US" sz="2000" b="0" i="0" dirty="0">
-                        <a:latin typeface="Cambria" charset="0"/>
-                        <a:ea typeface="Cambria" charset="0"/>
-                        <a:cs typeface="Cambria" charset="0"/>
-                      </a:endParaRPr>
                     </a:p>
                   </a:txBody>
                   <a:tcPr>
@@ -22775,7 +22170,7 @@
                     <a:lstStyle/>
                     <a:p>
                       <a:r>
-                        <a:rPr lang="en-US" sz="2000" b="0" i="0" dirty="0" smtClean="0">
+                        <a:rPr lang="en-US" sz="2000" b="0" i="0" dirty="0">
                           <a:latin typeface="Cambria" charset="0"/>
                           <a:ea typeface="Cambria" charset="0"/>
                           <a:cs typeface="Cambria" charset="0"/>
@@ -22783,7 +22178,7 @@
                         <a:t>0.05 GB (</a:t>
                       </a:r>
                       <a:r>
-                        <a:rPr lang="en-US" sz="2000" b="1" i="0" dirty="0" smtClean="0">
+                        <a:rPr lang="en-US" sz="2000" b="1" i="0" dirty="0">
                           <a:latin typeface="Cambria" charset="0"/>
                           <a:ea typeface="Cambria" charset="0"/>
                           <a:cs typeface="Cambria" charset="0"/>
@@ -22791,18 +22186,13 @@
                         <a:t>↓ </a:t>
                       </a:r>
                       <a:r>
-                        <a:rPr lang="en-US" sz="2000" b="0" i="0" dirty="0" smtClean="0">
+                        <a:rPr lang="en-US" sz="2000" b="0" i="0" dirty="0">
                           <a:latin typeface="Cambria" charset="0"/>
                           <a:ea typeface="Cambria" charset="0"/>
                           <a:cs typeface="Cambria" charset="0"/>
                         </a:rPr>
                         <a:t>96%)</a:t>
                       </a:r>
-                      <a:endParaRPr lang="en-US" sz="2000" b="0" i="0" dirty="0">
-                        <a:latin typeface="Cambria" charset="0"/>
-                        <a:ea typeface="Cambria" charset="0"/>
-                        <a:cs typeface="Cambria" charset="0"/>
-                      </a:endParaRPr>
                     </a:p>
                   </a:txBody>
                   <a:tcPr>
@@ -22844,6 +22234,11 @@
                     </a:lnB>
                   </a:tcPr>
                 </a:tc>
+                <a:extLst>
+                  <a:ext uri="{0D108BD9-81ED-4DB2-BD59-A6C34878D82A}">
+                    <a16:rowId xmlns:a16="http://schemas.microsoft.com/office/drawing/2014/main" val="10004"/>
+                  </a:ext>
+                </a:extLst>
               </a:tr>
               <a:tr h="657910">
                 <a:tc>
@@ -22852,18 +22247,13 @@
                     <a:lstStyle/>
                     <a:p>
                       <a:r>
-                        <a:rPr lang="en-US" sz="2000" b="0" i="0" dirty="0" smtClean="0">
+                        <a:rPr lang="en-US" sz="2000" b="0" i="0" dirty="0">
                           <a:latin typeface="Cambria" charset="0"/>
                           <a:ea typeface="Cambria" charset="0"/>
                           <a:cs typeface="Cambria" charset="0"/>
                         </a:rPr>
                         <a:t>2016</a:t>
                       </a:r>
-                      <a:endParaRPr lang="en-US" sz="2000" b="0" i="0" dirty="0">
-                        <a:latin typeface="Cambria" charset="0"/>
-                        <a:ea typeface="Cambria" charset="0"/>
-                        <a:cs typeface="Cambria" charset="0"/>
-                      </a:endParaRPr>
                     </a:p>
                   </a:txBody>
                   <a:tcPr>
@@ -22911,7 +22301,7 @@
                     <a:lstStyle/>
                     <a:p>
                       <a:r>
-                        <a:rPr lang="is-IS" sz="2000" b="0" i="0" smtClean="0">
+                        <a:rPr lang="is-IS" sz="2000" b="0" i="0">
                           <a:latin typeface="Cambria" charset="0"/>
                           <a:ea typeface="Cambria" charset="0"/>
                           <a:cs typeface="Cambria" charset="0"/>
@@ -22970,18 +22360,13 @@
                     <a:lstStyle/>
                     <a:p>
                       <a:r>
-                        <a:rPr lang="en-US" sz="2000" b="0" i="0" dirty="0" smtClean="0">
+                        <a:rPr lang="en-US" sz="2000" b="0" i="0" dirty="0">
                           <a:latin typeface="Cambria" charset="0"/>
                           <a:ea typeface="Cambria" charset="0"/>
                           <a:cs typeface="Cambria" charset="0"/>
                         </a:rPr>
                         <a:t>1.07 GB</a:t>
                       </a:r>
-                      <a:endParaRPr lang="en-US" sz="2000" b="0" i="0" dirty="0">
-                        <a:latin typeface="Cambria" charset="0"/>
-                        <a:ea typeface="Cambria" charset="0"/>
-                        <a:cs typeface="Cambria" charset="0"/>
-                      </a:endParaRPr>
                     </a:p>
                   </a:txBody>
                   <a:tcPr>
@@ -23029,7 +22414,7 @@
                     <a:lstStyle/>
                     <a:p>
                       <a:r>
-                        <a:rPr lang="en-US" sz="2000" b="0" i="0" dirty="0" smtClean="0">
+                        <a:rPr lang="en-US" sz="2000" b="0" i="0" dirty="0">
                           <a:latin typeface="Cambria" charset="0"/>
                           <a:ea typeface="Cambria" charset="0"/>
                           <a:cs typeface="Cambria" charset="0"/>
@@ -23037,7 +22422,7 @@
                         <a:t>0.06 GB (</a:t>
                       </a:r>
                       <a:r>
-                        <a:rPr lang="en-US" sz="2000" b="1" i="0" dirty="0" smtClean="0">
+                        <a:rPr lang="en-US" sz="2000" b="1" i="0" dirty="0">
                           <a:latin typeface="Cambria" charset="0"/>
                           <a:ea typeface="Cambria" charset="0"/>
                           <a:cs typeface="Cambria" charset="0"/>
@@ -23045,18 +22430,13 @@
                         <a:t>↓</a:t>
                       </a:r>
                       <a:r>
-                        <a:rPr lang="en-US" sz="2000" b="0" i="0" dirty="0" smtClean="0">
+                        <a:rPr lang="en-US" sz="2000" b="0" i="0" dirty="0">
                           <a:latin typeface="Cambria" charset="0"/>
                           <a:ea typeface="Cambria" charset="0"/>
                           <a:cs typeface="Cambria" charset="0"/>
                         </a:rPr>
                         <a:t> 94%)</a:t>
                       </a:r>
-                      <a:endParaRPr lang="en-US" sz="2000" b="0" i="0" dirty="0">
-                        <a:latin typeface="Cambria" charset="0"/>
-                        <a:ea typeface="Cambria" charset="0"/>
-                        <a:cs typeface="Cambria" charset="0"/>
-                      </a:endParaRPr>
                     </a:p>
                   </a:txBody>
                   <a:tcPr>
@@ -23098,6 +22478,11 @@
                     </a:lnB>
                   </a:tcPr>
                 </a:tc>
+                <a:extLst>
+                  <a:ext uri="{0D108BD9-81ED-4DB2-BD59-A6C34878D82A}">
+                    <a16:rowId xmlns:a16="http://schemas.microsoft.com/office/drawing/2014/main" val="10005"/>
+                  </a:ext>
+                </a:extLst>
               </a:tr>
             </a:tbl>
           </a:graphicData>
@@ -23113,13 +22498,6 @@
   <p:clrMapOvr>
     <a:masterClrMapping/>
   </p:clrMapOvr>
-  <p:timing>
-    <p:tnLst>
-      <p:par>
-        <p:cTn id="1" dur="indefinite" restart="never" nodeType="tmRoot"/>
-      </p:par>
-    </p:tnLst>
-  </p:timing>
 </p:sld>
 </file>
 
@@ -23163,7 +22541,7 @@
           <a:lstStyle/>
           <a:p>
             <a:r>
-              <a:rPr lang="en-US" dirty="0" smtClean="0">
+              <a:rPr lang="en-US" dirty="0">
                 <a:latin typeface="Cambria" charset="0"/>
                 <a:ea typeface="Cambria" charset="0"/>
                 <a:cs typeface="Cambria" charset="0"/>
@@ -23171,25 +22549,20 @@
               <a:t>APPROACH:   </a:t>
             </a:r>
             <a:br>
-              <a:rPr lang="en-US" dirty="0" smtClean="0">
+              <a:rPr lang="en-US" dirty="0">
                 <a:latin typeface="Cambria" charset="0"/>
                 <a:ea typeface="Cambria" charset="0"/>
                 <a:cs typeface="Cambria" charset="0"/>
               </a:rPr>
             </a:br>
             <a:r>
-              <a:rPr lang="en-US" dirty="0" smtClean="0">
+              <a:rPr lang="en-US" dirty="0">
                 <a:latin typeface="Cambria" charset="0"/>
                 <a:ea typeface="Cambria" charset="0"/>
                 <a:cs typeface="Cambria" charset="0"/>
               </a:rPr>
               <a:t>DEFINTION OF “MENTAL HEALTH” STATE</a:t>
             </a:r>
-            <a:endParaRPr lang="en-US" dirty="0">
-              <a:latin typeface="Cambria" charset="0"/>
-              <a:ea typeface="Cambria" charset="0"/>
-              <a:cs typeface="Cambria" charset="0"/>
-            </a:endParaRPr>
           </a:p>
         </p:txBody>
       </p:sp>
@@ -23216,7 +22589,7 @@
           <a:lstStyle/>
           <a:p>
             <a:r>
-              <a:rPr lang="en-US" b="1" dirty="0" smtClean="0">
+              <a:rPr lang="en-US" b="1" dirty="0">
                 <a:solidFill>
                   <a:schemeClr val="tx1"/>
                 </a:solidFill>
@@ -23225,17 +22598,6 @@
                 <a:cs typeface="Cambria" charset="0"/>
               </a:rPr>
               <a:t>“Mental Health Score”:  23 Variables used to calculate it.  </a:t>
-            </a:r>
-            <a:r>
-              <a:rPr lang="en-US" dirty="0" smtClean="0">
-                <a:solidFill>
-                  <a:schemeClr val="tx1"/>
-                </a:solidFill>
-                <a:latin typeface="Cambria" charset="0"/>
-                <a:ea typeface="Cambria" charset="0"/>
-                <a:cs typeface="Cambria" charset="0"/>
-              </a:rPr>
-              <a:t>Factors </a:t>
             </a:r>
             <a:r>
               <a:rPr lang="en-US" dirty="0">
@@ -23246,20 +22608,9 @@
                 <a:ea typeface="Cambria" charset="0"/>
                 <a:cs typeface="Cambria" charset="0"/>
               </a:rPr>
-              <a:t>Included in coming up </a:t>
-            </a:r>
-            <a:r>
-              <a:rPr lang="en-US" dirty="0" smtClean="0">
-                <a:solidFill>
-                  <a:schemeClr val="tx1"/>
-                </a:solidFill>
-                <a:latin typeface="Cambria" charset="0"/>
-                <a:ea typeface="Cambria" charset="0"/>
-                <a:cs typeface="Cambria" charset="0"/>
-              </a:rPr>
-              <a:t>with a score:</a:t>
-            </a:r>
-            <a:endParaRPr lang="en-US" b="1" dirty="0" smtClean="0">
+              <a:t>Factors Included in coming up with a score:</a:t>
+            </a:r>
+            <a:endParaRPr lang="en-US" b="1" dirty="0">
               <a:solidFill>
                 <a:schemeClr val="tx1"/>
               </a:solidFill>
@@ -23279,18 +22630,7 @@
                 <a:ea typeface="Cambria" charset="0"/>
                 <a:cs typeface="Cambria" charset="0"/>
               </a:rPr>
-              <a:t>Sleep </a:t>
-            </a:r>
-            <a:r>
-              <a:rPr lang="en-US" dirty="0" smtClean="0">
-                <a:solidFill>
-                  <a:schemeClr val="tx1"/>
-                </a:solidFill>
-                <a:latin typeface="Cambria" charset="0"/>
-                <a:ea typeface="Cambria" charset="0"/>
-                <a:cs typeface="Cambria" charset="0"/>
-              </a:rPr>
-              <a:t>Deprivation Levels</a:t>
+              <a:t>Sleep Deprivation Levels</a:t>
             </a:r>
           </a:p>
           <a:p>
@@ -23304,147 +22644,11 @@
                 <a:ea typeface="Cambria" charset="0"/>
                 <a:cs typeface="Cambria" charset="0"/>
               </a:rPr>
-              <a:t>Chronic </a:t>
-            </a:r>
-            <a:r>
-              <a:rPr lang="en-US" dirty="0" smtClean="0">
-                <a:solidFill>
-                  <a:schemeClr val="tx1"/>
-                </a:solidFill>
-                <a:latin typeface="Cambria" charset="0"/>
-                <a:ea typeface="Cambria" charset="0"/>
-                <a:cs typeface="Cambria" charset="0"/>
-              </a:rPr>
-              <a:t>Disease Conditions</a:t>
+              <a:t>Chronic Disease Conditions</a:t>
             </a:r>
           </a:p>
           <a:p>
             <a:pPr lvl="1"/>
-            <a:r>
-              <a:rPr lang="en-US" dirty="0" smtClean="0">
-                <a:solidFill>
-                  <a:schemeClr val="tx1"/>
-                </a:solidFill>
-                <a:latin typeface="Cambria" charset="0"/>
-                <a:ea typeface="Cambria" charset="0"/>
-                <a:cs typeface="Cambria" charset="0"/>
-              </a:rPr>
-              <a:t>General Health </a:t>
-            </a:r>
-            <a:r>
-              <a:rPr lang="mr-IN" dirty="0" smtClean="0">
-                <a:solidFill>
-                  <a:schemeClr val="tx1"/>
-                </a:solidFill>
-                <a:latin typeface="Cambria" charset="0"/>
-                <a:ea typeface="Cambria" charset="0"/>
-                <a:cs typeface="Cambria" charset="0"/>
-              </a:rPr>
-              <a:t>–</a:t>
-            </a:r>
-            <a:r>
-              <a:rPr lang="en-US" dirty="0" smtClean="0">
-                <a:solidFill>
-                  <a:schemeClr val="tx1"/>
-                </a:solidFill>
-                <a:latin typeface="Cambria" charset="0"/>
-                <a:ea typeface="Cambria" charset="0"/>
-                <a:cs typeface="Cambria" charset="0"/>
-              </a:rPr>
-              <a:t> Including BMI + Physical Inactivity</a:t>
-            </a:r>
-          </a:p>
-          <a:p>
-            <a:pPr lvl="1"/>
-            <a:r>
-              <a:rPr lang="en-US" dirty="0" smtClean="0">
-                <a:solidFill>
-                  <a:schemeClr val="tx1"/>
-                </a:solidFill>
-                <a:latin typeface="Cambria" charset="0"/>
-                <a:ea typeface="Cambria" charset="0"/>
-                <a:cs typeface="Cambria" charset="0"/>
-              </a:rPr>
-              <a:t>Income</a:t>
-            </a:r>
-          </a:p>
-          <a:p>
-            <a:pPr lvl="1"/>
-            <a:r>
-              <a:rPr lang="en-US" dirty="0" smtClean="0">
-                <a:solidFill>
-                  <a:schemeClr val="tx1"/>
-                </a:solidFill>
-                <a:latin typeface="Cambria" charset="0"/>
-                <a:ea typeface="Cambria" charset="0"/>
-                <a:cs typeface="Cambria" charset="0"/>
-              </a:rPr>
-              <a:t>Depression Related Factors (Chronic Depression, StressDays, DepressedDays)</a:t>
-            </a:r>
-          </a:p>
-          <a:p>
-            <a:pPr lvl="1"/>
-            <a:r>
-              <a:rPr lang="en-US" dirty="0" smtClean="0">
-                <a:solidFill>
-                  <a:schemeClr val="tx1"/>
-                </a:solidFill>
-                <a:latin typeface="Cambria" charset="0"/>
-                <a:ea typeface="Cambria" charset="0"/>
-                <a:cs typeface="Cambria" charset="0"/>
-              </a:rPr>
-              <a:t>Smoking Frequency</a:t>
-            </a:r>
-          </a:p>
-          <a:p>
-            <a:pPr lvl="1"/>
-            <a:r>
-              <a:rPr lang="en-US" dirty="0" smtClean="0">
-                <a:solidFill>
-                  <a:schemeClr val="tx1"/>
-                </a:solidFill>
-                <a:latin typeface="Cambria" charset="0"/>
-                <a:ea typeface="Cambria" charset="0"/>
-                <a:cs typeface="Cambria" charset="0"/>
-              </a:rPr>
-              <a:t>Alcohol Consumption Frequency</a:t>
-            </a:r>
-          </a:p>
-          <a:p>
-            <a:pPr lvl="1"/>
-            <a:r>
-              <a:rPr lang="en-US" dirty="0" smtClean="0">
-                <a:solidFill>
-                  <a:schemeClr val="tx1"/>
-                </a:solidFill>
-                <a:latin typeface="Cambria" charset="0"/>
-                <a:ea typeface="Cambria" charset="0"/>
-                <a:cs typeface="Cambria" charset="0"/>
-              </a:rPr>
-              <a:t>Incase of Women - Pregnancy</a:t>
-            </a:r>
-            <a:endParaRPr lang="en-US" dirty="0">
-              <a:solidFill>
-                <a:schemeClr val="tx1"/>
-              </a:solidFill>
-              <a:latin typeface="Cambria" charset="0"/>
-              <a:ea typeface="Cambria" charset="0"/>
-              <a:cs typeface="Cambria" charset="0"/>
-            </a:endParaRPr>
-          </a:p>
-          <a:p>
-            <a:pPr lvl="1"/>
-            <a:r>
-              <a:rPr lang="en-US" dirty="0" smtClean="0">
-                <a:solidFill>
-                  <a:schemeClr val="tx1"/>
-                </a:solidFill>
-                <a:latin typeface="Cambria" charset="0"/>
-                <a:ea typeface="Cambria" charset="0"/>
-                <a:cs typeface="Cambria" charset="0"/>
-              </a:rPr>
-              <a:t>Emotional </a:t>
-            </a:r>
             <a:r>
               <a:rPr lang="en-US" dirty="0">
                 <a:solidFill>
@@ -23454,10 +22658,10 @@
                 <a:ea typeface="Cambria" charset="0"/>
                 <a:cs typeface="Cambria" charset="0"/>
               </a:rPr>
-              <a:t>Support </a:t>
-            </a:r>
-            <a:r>
-              <a:rPr lang="en-US" dirty="0" smtClean="0">
+              <a:t>General Health </a:t>
+            </a:r>
+            <a:r>
+              <a:rPr lang="mr-IN" dirty="0">
                 <a:solidFill>
                   <a:schemeClr val="tx1"/>
                 </a:solidFill>
@@ -23465,12 +22669,10 @@
                 <a:ea typeface="Cambria" charset="0"/>
                 <a:cs typeface="Cambria" charset="0"/>
               </a:rPr>
-              <a:t>Availability &amp; Life Satisfaction</a:t>
-            </a:r>
-          </a:p>
-          <a:p>
-            <a:r>
-              <a:rPr lang="en-US" b="1" dirty="0" smtClean="0">
+              <a:t>–</a:t>
+            </a:r>
+            <a:r>
+              <a:rPr lang="en-US" dirty="0">
                 <a:solidFill>
                   <a:schemeClr val="tx1"/>
                 </a:solidFill>
@@ -23478,10 +22680,13 @@
                 <a:ea typeface="Cambria" charset="0"/>
                 <a:cs typeface="Cambria" charset="0"/>
               </a:rPr>
-              <a:t>Result: Weighted Average </a:t>
-            </a:r>
-            <a:r>
-              <a:rPr lang="en-US" dirty="0" smtClean="0">
+              <a:t> Including BMI + Physical Inactivity</a:t>
+            </a:r>
+          </a:p>
+          <a:p>
+            <a:pPr lvl="1"/>
+            <a:r>
+              <a:rPr lang="en-US" dirty="0">
                 <a:solidFill>
                   <a:schemeClr val="tx1"/>
                 </a:solidFill>
@@ -23489,13 +22694,13 @@
                 <a:ea typeface="Cambria" charset="0"/>
                 <a:cs typeface="Cambria" charset="0"/>
               </a:rPr>
-              <a:t>Mental Health Score with higher weights given for factors historically found to highly impact “mental health” state.</a:t>
+              <a:t>Income</a:t>
             </a:r>
           </a:p>
           <a:p>
             <a:pPr lvl="1"/>
             <a:r>
-              <a:rPr lang="en-US" dirty="0" smtClean="0">
+              <a:rPr lang="en-US" dirty="0">
                 <a:solidFill>
                   <a:schemeClr val="tx1"/>
                 </a:solidFill>
@@ -23503,12 +22708,13 @@
                 <a:ea typeface="Cambria" charset="0"/>
                 <a:cs typeface="Cambria" charset="0"/>
               </a:rPr>
-              <a:t>Example: Stress and Depression </a:t>
-            </a:r>
-          </a:p>
-          <a:p>
-            <a:r>
-              <a:rPr lang="en-US" b="1" dirty="0" smtClean="0">
+              <a:t>Depression Related Factors (Chronic Depression, StressDays, DepressedDays)</a:t>
+            </a:r>
+          </a:p>
+          <a:p>
+            <a:pPr lvl="1"/>
+            <a:r>
+              <a:rPr lang="en-US" dirty="0">
                 <a:solidFill>
                   <a:schemeClr val="tx1"/>
                 </a:solidFill>
@@ -23516,10 +22722,103 @@
                 <a:ea typeface="Cambria" charset="0"/>
                 <a:cs typeface="Cambria" charset="0"/>
               </a:rPr>
+              <a:t>Smoking Frequency</a:t>
+            </a:r>
+          </a:p>
+          <a:p>
+            <a:pPr lvl="1"/>
+            <a:r>
+              <a:rPr lang="en-US" dirty="0">
+                <a:solidFill>
+                  <a:schemeClr val="tx1"/>
+                </a:solidFill>
+                <a:latin typeface="Cambria" charset="0"/>
+                <a:ea typeface="Cambria" charset="0"/>
+                <a:cs typeface="Cambria" charset="0"/>
+              </a:rPr>
+              <a:t>Alcohol Consumption Frequency</a:t>
+            </a:r>
+          </a:p>
+          <a:p>
+            <a:pPr lvl="1"/>
+            <a:r>
+              <a:rPr lang="en-US" dirty="0">
+                <a:solidFill>
+                  <a:schemeClr val="tx1"/>
+                </a:solidFill>
+                <a:latin typeface="Cambria" charset="0"/>
+                <a:ea typeface="Cambria" charset="0"/>
+                <a:cs typeface="Cambria" charset="0"/>
+              </a:rPr>
+              <a:t>Incase of Women - Pregnancy</a:t>
+            </a:r>
+          </a:p>
+          <a:p>
+            <a:pPr lvl="1"/>
+            <a:r>
+              <a:rPr lang="en-US" dirty="0">
+                <a:solidFill>
+                  <a:schemeClr val="tx1"/>
+                </a:solidFill>
+                <a:latin typeface="Cambria" charset="0"/>
+                <a:ea typeface="Cambria" charset="0"/>
+                <a:cs typeface="Cambria" charset="0"/>
+              </a:rPr>
+              <a:t>Emotional Support Availability &amp; Life Satisfaction</a:t>
+            </a:r>
+          </a:p>
+          <a:p>
+            <a:r>
+              <a:rPr lang="en-US" b="1" dirty="0">
+                <a:solidFill>
+                  <a:schemeClr val="tx1"/>
+                </a:solidFill>
+                <a:latin typeface="Cambria" charset="0"/>
+                <a:ea typeface="Cambria" charset="0"/>
+                <a:cs typeface="Cambria" charset="0"/>
+              </a:rPr>
+              <a:t>Result: Weighted Average </a:t>
+            </a:r>
+            <a:r>
+              <a:rPr lang="en-US" dirty="0">
+                <a:solidFill>
+                  <a:schemeClr val="tx1"/>
+                </a:solidFill>
+                <a:latin typeface="Cambria" charset="0"/>
+                <a:ea typeface="Cambria" charset="0"/>
+                <a:cs typeface="Cambria" charset="0"/>
+              </a:rPr>
+              <a:t>Mental Health Score with higher weights given for factors historically found to highly impact “mental health” state.</a:t>
+            </a:r>
+          </a:p>
+          <a:p>
+            <a:pPr lvl="1"/>
+            <a:r>
+              <a:rPr lang="en-US" dirty="0">
+                <a:solidFill>
+                  <a:schemeClr val="tx1"/>
+                </a:solidFill>
+                <a:latin typeface="Cambria" charset="0"/>
+                <a:ea typeface="Cambria" charset="0"/>
+                <a:cs typeface="Cambria" charset="0"/>
+              </a:rPr>
+              <a:t>Example: Stress and Depression </a:t>
+            </a:r>
+          </a:p>
+          <a:p>
+            <a:r>
+              <a:rPr lang="en-US" b="1" dirty="0">
+                <a:solidFill>
+                  <a:schemeClr val="tx1"/>
+                </a:solidFill>
+                <a:latin typeface="Cambria" charset="0"/>
+                <a:ea typeface="Cambria" charset="0"/>
+                <a:cs typeface="Cambria" charset="0"/>
+              </a:rPr>
               <a:t>Higher Mental Health Score means </a:t>
             </a:r>
             <a:r>
-              <a:rPr lang="en-US" dirty="0" smtClean="0">
+              <a:rPr lang="en-US" dirty="0">
                 <a:solidFill>
                   <a:schemeClr val="tx1"/>
                 </a:solidFill>
@@ -23575,13 +22874,6 @@
   <p:clrMapOvr>
     <a:masterClrMapping/>
   </p:clrMapOvr>
-  <p:timing>
-    <p:tnLst>
-      <p:par>
-        <p:cTn id="1" dur="indefinite" restart="never" nodeType="tmRoot"/>
-      </p:par>
-    </p:tnLst>
-  </p:timing>
 </p:sld>
 </file>
 
@@ -23625,7 +22917,7 @@
           <a:lstStyle/>
           <a:p>
             <a:r>
-              <a:rPr lang="en-US" sz="3200" dirty="0" smtClean="0">
+              <a:rPr lang="en-US" sz="3200" dirty="0">
                 <a:latin typeface="Cambria" charset="0"/>
                 <a:ea typeface="Cambria" charset="0"/>
                 <a:cs typeface="Cambria" charset="0"/>
@@ -23633,7 +22925,7 @@
               <a:t>FINDINGS:  MENTAL HEALTH STATE BY YEAR ACROSS US STATES </a:t>
             </a:r>
             <a:r>
-              <a:rPr lang="en-US" sz="2000" dirty="0" smtClean="0">
+              <a:rPr lang="en-US" sz="2000" dirty="0">
                 <a:latin typeface="Cambria" charset="0"/>
                 <a:ea typeface="Cambria" charset="0"/>
                 <a:cs typeface="Cambria" charset="0"/>
@@ -23641,7 +22933,7 @@
               <a:t>(For details, click </a:t>
             </a:r>
             <a:r>
-              <a:rPr lang="en-US" sz="2000" dirty="0" smtClean="0">
+              <a:rPr lang="en-US" sz="2000" dirty="0">
                 <a:latin typeface="Cambria" charset="0"/>
                 <a:ea typeface="Cambria" charset="0"/>
                 <a:cs typeface="Cambria" charset="0"/>
@@ -23650,18 +22942,13 @@
               <a:t>here</a:t>
             </a:r>
             <a:r>
-              <a:rPr lang="en-US" sz="2000" dirty="0" smtClean="0">
+              <a:rPr lang="en-US" sz="2000" dirty="0">
                 <a:latin typeface="Cambria" charset="0"/>
                 <a:ea typeface="Cambria" charset="0"/>
                 <a:cs typeface="Cambria" charset="0"/>
               </a:rPr>
               <a:t>)</a:t>
             </a:r>
-            <a:endParaRPr lang="en-US" sz="2000" dirty="0">
-              <a:latin typeface="Cambria" charset="0"/>
-              <a:ea typeface="Cambria" charset="0"/>
-              <a:cs typeface="Cambria" charset="0"/>
-            </a:endParaRPr>
           </a:p>
         </p:txBody>
       </p:sp>
@@ -23686,33 +22973,6 @@
             <a:noAutofit/>
           </a:bodyPr>
           <a:lstStyle/>
-          <a:p>
-            <a:pPr marL="0" marR="0" lvl="0" indent="0" defTabSz="914400" eaLnBrk="1" fontAlgn="auto" latinLnBrk="0" hangingPunct="1">
-              <a:lnSpc>
-                <a:spcPct val="100000"/>
-              </a:lnSpc>
-              <a:spcBef>
-                <a:spcPts val="0"/>
-              </a:spcBef>
-              <a:spcAft>
-                <a:spcPts val="0"/>
-              </a:spcAft>
-              <a:buClrTx/>
-              <a:buSzTx/>
-              <a:buFontTx/>
-              <a:buNone/>
-              <a:tabLst/>
-              <a:defRPr/>
-            </a:pPr>
-            <a:endParaRPr lang="en-US" sz="2000" dirty="0" smtClean="0">
-              <a:solidFill>
-                <a:srgbClr val="FF0000"/>
-              </a:solidFill>
-              <a:latin typeface="Cambria" charset="0"/>
-              <a:ea typeface="Cambria" charset="0"/>
-              <a:cs typeface="Cambria" charset="0"/>
-            </a:endParaRPr>
-          </a:p>
           <a:p>
             <a:pPr marL="0" marR="0" lvl="0" indent="0" defTabSz="914400" eaLnBrk="1" fontAlgn="auto" latinLnBrk="0" hangingPunct="1">
               <a:lnSpc>
@@ -23758,7 +23018,7 @@
               <a:tabLst/>
               <a:defRPr/>
             </a:pPr>
-            <a:endParaRPr lang="en-US" sz="2000" dirty="0" smtClean="0">
+            <a:endParaRPr lang="en-US" sz="2000" dirty="0">
               <a:solidFill>
                 <a:srgbClr val="FF0000"/>
               </a:solidFill>
@@ -23812,7 +23072,7 @@
               <a:tabLst/>
               <a:defRPr/>
             </a:pPr>
-            <a:endParaRPr lang="en-US" sz="2000" dirty="0" smtClean="0">
+            <a:endParaRPr lang="en-US" sz="2000" dirty="0">
               <a:solidFill>
                 <a:srgbClr val="FF0000"/>
               </a:solidFill>
@@ -23866,7 +23126,7 @@
               <a:tabLst/>
               <a:defRPr/>
             </a:pPr>
-            <a:endParaRPr lang="en-US" sz="2000" dirty="0" smtClean="0">
+            <a:endParaRPr lang="en-US" sz="2000" dirty="0">
               <a:solidFill>
                 <a:srgbClr val="FF0000"/>
               </a:solidFill>
@@ -23920,7 +23180,7 @@
               <a:tabLst/>
               <a:defRPr/>
             </a:pPr>
-            <a:endParaRPr lang="en-US" sz="2000" dirty="0" smtClean="0">
+            <a:endParaRPr lang="en-US" sz="2000" dirty="0">
               <a:solidFill>
                 <a:srgbClr val="FF0000"/>
               </a:solidFill>
@@ -23974,7 +23234,7 @@
               <a:tabLst/>
               <a:defRPr/>
             </a:pPr>
-            <a:endParaRPr lang="en-US" sz="2000" dirty="0" smtClean="0">
+            <a:endParaRPr lang="en-US" sz="2000" dirty="0">
               <a:solidFill>
                 <a:srgbClr val="FF0000"/>
               </a:solidFill>
@@ -23984,13 +23244,40 @@
             </a:endParaRPr>
           </a:p>
           <a:p>
+            <a:pPr marL="0" marR="0" lvl="0" indent="0" defTabSz="914400" eaLnBrk="1" fontAlgn="auto" latinLnBrk="0" hangingPunct="1">
+              <a:lnSpc>
+                <a:spcPct val="100000"/>
+              </a:lnSpc>
+              <a:spcBef>
+                <a:spcPts val="0"/>
+              </a:spcBef>
+              <a:spcAft>
+                <a:spcPts val="0"/>
+              </a:spcAft>
+              <a:buClrTx/>
+              <a:buSzTx/>
+              <a:buFontTx/>
+              <a:buNone/>
+              <a:tabLst/>
+              <a:defRPr/>
+            </a:pPr>
+            <a:endParaRPr lang="en-US" sz="2000" dirty="0">
+              <a:solidFill>
+                <a:srgbClr val="FF0000"/>
+              </a:solidFill>
+              <a:latin typeface="Cambria" charset="0"/>
+              <a:ea typeface="Cambria" charset="0"/>
+              <a:cs typeface="Cambria" charset="0"/>
+            </a:endParaRPr>
+          </a:p>
+          <a:p>
             <a:pPr defTabSz="914400">
               <a:spcBef>
                 <a:spcPts val="0"/>
               </a:spcBef>
               <a:buClrTx/>
             </a:pPr>
-            <a:endParaRPr lang="en-US" sz="2000" dirty="0" smtClean="0">
+            <a:endParaRPr lang="en-US" sz="2000" dirty="0">
               <a:solidFill>
                 <a:srgbClr val="FF0000"/>
               </a:solidFill>
@@ -24026,10 +23313,34 @@
                 <a:tableStyleId>{BDBED569-4797-4DF1-A0F4-6AAB3CD982D8}</a:tableStyleId>
               </a:tblPr>
               <a:tblGrid>
-                <a:gridCol w="648447"/>
-                <a:gridCol w="1003300"/>
-                <a:gridCol w="977900"/>
-                <a:gridCol w="749300"/>
+                <a:gridCol w="648447">
+                  <a:extLst>
+                    <a:ext uri="{9D8B030D-6E8A-4147-A177-3AD203B41FA5}">
+                      <a16:colId xmlns:a16="http://schemas.microsoft.com/office/drawing/2014/main" val="20000"/>
+                    </a:ext>
+                  </a:extLst>
+                </a:gridCol>
+                <a:gridCol w="1003300">
+                  <a:extLst>
+                    <a:ext uri="{9D8B030D-6E8A-4147-A177-3AD203B41FA5}">
+                      <a16:colId xmlns:a16="http://schemas.microsoft.com/office/drawing/2014/main" val="20001"/>
+                    </a:ext>
+                  </a:extLst>
+                </a:gridCol>
+                <a:gridCol w="977900">
+                  <a:extLst>
+                    <a:ext uri="{9D8B030D-6E8A-4147-A177-3AD203B41FA5}">
+                      <a16:colId xmlns:a16="http://schemas.microsoft.com/office/drawing/2014/main" val="20002"/>
+                    </a:ext>
+                  </a:extLst>
+                </a:gridCol>
+                <a:gridCol w="749300">
+                  <a:extLst>
+                    <a:ext uri="{9D8B030D-6E8A-4147-A177-3AD203B41FA5}">
+                      <a16:colId xmlns:a16="http://schemas.microsoft.com/office/drawing/2014/main" val="20003"/>
+                    </a:ext>
+                  </a:extLst>
+                </a:gridCol>
               </a:tblGrid>
               <a:tr h="0">
                 <a:tc>
@@ -24038,7 +23349,7 @@
                     <a:lstStyle/>
                     <a:p>
                       <a:r>
-                        <a:rPr lang="en-US" sz="1600" b="1" i="0" kern="1200" dirty="0" smtClean="0">
+                        <a:rPr lang="en-US" sz="1600" b="1" i="0" kern="1200" dirty="0">
                           <a:solidFill>
                             <a:schemeClr val="dk1"/>
                           </a:solidFill>
@@ -24048,14 +23359,6 @@
                         </a:rPr>
                         <a:t>Year</a:t>
                       </a:r>
-                      <a:endParaRPr lang="en-US" sz="1600" b="1" i="0" kern="1200" dirty="0">
-                        <a:solidFill>
-                          <a:schemeClr val="dk1"/>
-                        </a:solidFill>
-                        <a:latin typeface="Cambria" charset="0"/>
-                        <a:ea typeface="Cambria" charset="0"/>
-                        <a:cs typeface="Cambria" charset="0"/>
-                      </a:endParaRPr>
                     </a:p>
                   </a:txBody>
                   <a:tcPr>
@@ -24103,18 +23406,13 @@
                     <a:lstStyle/>
                     <a:p>
                       <a:r>
-                        <a:rPr lang="en-US" sz="1400" b="1" i="0" dirty="0" smtClean="0">
+                        <a:rPr lang="en-US" sz="1400" b="1" i="0" dirty="0">
                           <a:latin typeface="Cambria" charset="0"/>
                           <a:ea typeface="Cambria" charset="0"/>
                           <a:cs typeface="Cambria" charset="0"/>
                         </a:rPr>
                         <a:t>Highly Impacted State</a:t>
                       </a:r>
-                      <a:endParaRPr lang="en-US" sz="1400" b="1" i="0" dirty="0">
-                        <a:latin typeface="Cambria" charset="0"/>
-                        <a:ea typeface="Cambria" charset="0"/>
-                        <a:cs typeface="Cambria" charset="0"/>
-                      </a:endParaRPr>
                     </a:p>
                   </a:txBody>
                   <a:tcPr>
@@ -24162,7 +23460,7 @@
                     <a:lstStyle/>
                     <a:p>
                       <a:r>
-                        <a:rPr lang="en-US" sz="1400" b="1" i="0" dirty="0" smtClean="0">
+                        <a:rPr lang="en-US" sz="1400" b="1" i="0" dirty="0">
                           <a:latin typeface="Cambria" charset="0"/>
                           <a:ea typeface="Cambria" charset="0"/>
                           <a:cs typeface="Cambria" charset="0"/>
@@ -24216,7 +23514,7 @@
                     <a:lstStyle/>
                     <a:p>
                       <a:r>
-                        <a:rPr lang="en-US" sz="1400" b="1" i="0" dirty="0" smtClean="0">
+                        <a:rPr lang="en-US" sz="1400" b="1" i="0" dirty="0">
                           <a:latin typeface="Cambria" charset="0"/>
                           <a:ea typeface="Cambria" charset="0"/>
                           <a:cs typeface="Cambria" charset="0"/>
@@ -24264,6 +23562,11 @@
                     </a:lnB>
                   </a:tcPr>
                 </a:tc>
+                <a:extLst>
+                  <a:ext uri="{0D108BD9-81ED-4DB2-BD59-A6C34878D82A}">
+                    <a16:rowId xmlns:a16="http://schemas.microsoft.com/office/drawing/2014/main" val="10000"/>
+                  </a:ext>
+                </a:extLst>
               </a:tr>
               <a:tr h="370840">
                 <a:tc>
@@ -24272,18 +23575,13 @@
                     <a:lstStyle/>
                     <a:p>
                       <a:r>
-                        <a:rPr lang="en-US" sz="1400" b="0" i="0" dirty="0" smtClean="0">
+                        <a:rPr lang="en-US" sz="1400" b="0" i="0" dirty="0">
                           <a:latin typeface="Cambria" charset="0"/>
                           <a:ea typeface="Cambria" charset="0"/>
                           <a:cs typeface="Cambria" charset="0"/>
                         </a:rPr>
                         <a:t>2012</a:t>
                       </a:r>
-                      <a:endParaRPr lang="en-US" sz="1400" b="0" i="0" dirty="0">
-                        <a:latin typeface="Cambria" charset="0"/>
-                        <a:ea typeface="Cambria" charset="0"/>
-                        <a:cs typeface="Cambria" charset="0"/>
-                      </a:endParaRPr>
                     </a:p>
                   </a:txBody>
                   <a:tcPr>
@@ -24332,7 +23630,7 @@
                     <a:p>
                       <a:pPr algn="l" fontAlgn="t"/>
                       <a:r>
-                        <a:rPr lang="it-IT" sz="1400" b="0" i="0" u="none" strike="noStrike" dirty="0" smtClean="0">
+                        <a:rPr lang="it-IT" sz="1400" b="0" i="0" u="none" strike="noStrike" dirty="0">
                           <a:solidFill>
                             <a:srgbClr val="000000"/>
                           </a:solidFill>
@@ -24343,15 +23641,6 @@
                         </a:rPr>
                         <a:t>Ohio</a:t>
                       </a:r>
-                      <a:endParaRPr lang="it-IT" sz="1400" b="0" i="0" u="none" strike="noStrike" dirty="0">
-                        <a:solidFill>
-                          <a:srgbClr val="000000"/>
-                        </a:solidFill>
-                        <a:effectLst/>
-                        <a:latin typeface="Cambria" charset="0"/>
-                        <a:ea typeface="Cambria" charset="0"/>
-                        <a:cs typeface="Cambria" charset="0"/>
-                      </a:endParaRPr>
                     </a:p>
                   </a:txBody>
                   <a:tcPr marL="12700" marR="12700" marT="12700" marB="0">
@@ -24400,7 +23689,7 @@
                     <a:p>
                       <a:pPr algn="l" fontAlgn="t"/>
                       <a:r>
-                        <a:rPr lang="is-IS" sz="1400" b="0" i="0" u="none" strike="noStrike" smtClean="0">
+                        <a:rPr lang="is-IS" sz="1400" b="0" i="0" u="none" strike="noStrike">
                           <a:solidFill>
                             <a:srgbClr val="000000"/>
                           </a:solidFill>
@@ -24411,15 +23700,6 @@
                         </a:rPr>
                         <a:t> Alaska</a:t>
                       </a:r>
-                      <a:endParaRPr lang="is-IS" sz="1400" b="0" i="0" u="none" strike="noStrike">
-                        <a:solidFill>
-                          <a:srgbClr val="000000"/>
-                        </a:solidFill>
-                        <a:effectLst/>
-                        <a:latin typeface="Cambria" charset="0"/>
-                        <a:ea typeface="Cambria" charset="0"/>
-                        <a:cs typeface="Cambria" charset="0"/>
-                      </a:endParaRPr>
                     </a:p>
                   </a:txBody>
                   <a:tcPr marL="12700" marR="12700" marT="12700" marB="0">
@@ -24468,7 +23748,7 @@
                     <a:p>
                       <a:pPr algn="l" fontAlgn="t"/>
                       <a:r>
-                        <a:rPr lang="is-IS" sz="1400" b="0" i="0" u="none" strike="noStrike" smtClean="0">
+                        <a:rPr lang="is-IS" sz="1400" b="0" i="0" u="none" strike="noStrike">
                           <a:solidFill>
                             <a:srgbClr val="FF0000"/>
                           </a:solidFill>
@@ -24480,7 +23760,7 @@
                         <a:t> </a:t>
                       </a:r>
                       <a:r>
-                        <a:rPr lang="en-US" sz="1400" b="1" i="0" dirty="0" smtClean="0">
+                        <a:rPr lang="en-US" sz="1400" b="1" i="0" dirty="0">
                           <a:solidFill>
                             <a:srgbClr val="FF0000"/>
                           </a:solidFill>
@@ -24491,7 +23771,7 @@
                         <a:t>↓ </a:t>
                       </a:r>
                       <a:r>
-                        <a:rPr lang="is-IS" sz="1400" b="0" i="0" u="none" strike="noStrike" smtClean="0">
+                        <a:rPr lang="is-IS" sz="1400" b="0" i="0" u="none" strike="noStrike">
                           <a:solidFill>
                             <a:srgbClr val="FF0000"/>
                           </a:solidFill>
@@ -24502,15 +23782,6 @@
                         </a:rPr>
                         <a:t>64%</a:t>
                       </a:r>
-                      <a:endParaRPr lang="is-IS" sz="1400" b="0" i="0" u="none" strike="noStrike">
-                        <a:solidFill>
-                          <a:srgbClr val="FF0000"/>
-                        </a:solidFill>
-                        <a:effectLst/>
-                        <a:latin typeface="Cambria" charset="0"/>
-                        <a:ea typeface="Cambria" charset="0"/>
-                        <a:cs typeface="Cambria" charset="0"/>
-                      </a:endParaRPr>
                     </a:p>
                   </a:txBody>
                   <a:tcPr marL="12700" marR="12700" marT="12700" marB="0">
@@ -24552,6 +23823,11 @@
                     </a:lnB>
                   </a:tcPr>
                 </a:tc>
+                <a:extLst>
+                  <a:ext uri="{0D108BD9-81ED-4DB2-BD59-A6C34878D82A}">
+                    <a16:rowId xmlns:a16="http://schemas.microsoft.com/office/drawing/2014/main" val="10001"/>
+                  </a:ext>
+                </a:extLst>
               </a:tr>
               <a:tr h="370840">
                 <a:tc>
@@ -24560,18 +23836,13 @@
                     <a:lstStyle/>
                     <a:p>
                       <a:r>
-                        <a:rPr lang="en-US" sz="1400" b="0" i="0" dirty="0" smtClean="0">
+                        <a:rPr lang="en-US" sz="1400" b="0" i="0" dirty="0">
                           <a:latin typeface="Cambria" charset="0"/>
                           <a:ea typeface="Cambria" charset="0"/>
                           <a:cs typeface="Cambria" charset="0"/>
                         </a:rPr>
                         <a:t>2013</a:t>
                       </a:r>
-                      <a:endParaRPr lang="en-US" sz="1400" b="0" i="0" dirty="0">
-                        <a:latin typeface="Cambria" charset="0"/>
-                        <a:ea typeface="Cambria" charset="0"/>
-                        <a:cs typeface="Cambria" charset="0"/>
-                      </a:endParaRPr>
                     </a:p>
                   </a:txBody>
                   <a:tcPr>
@@ -24620,7 +23891,7 @@
                     <a:p>
                       <a:pPr algn="l" fontAlgn="t"/>
                       <a:r>
-                        <a:rPr lang="pt-BR" sz="1400" b="0" i="0" u="none" strike="noStrike" dirty="0" smtClean="0">
+                        <a:rPr lang="pt-BR" sz="1400" b="0" i="0" u="none" strike="noStrike" dirty="0">
                           <a:solidFill>
                             <a:srgbClr val="000000"/>
                           </a:solidFill>
@@ -24631,15 +23902,6 @@
                         </a:rPr>
                         <a:t>Florida</a:t>
                       </a:r>
-                      <a:endParaRPr lang="pt-BR" sz="1400" b="0" i="0" u="none" strike="noStrike" dirty="0">
-                        <a:solidFill>
-                          <a:srgbClr val="000000"/>
-                        </a:solidFill>
-                        <a:effectLst/>
-                        <a:latin typeface="Cambria" charset="0"/>
-                        <a:ea typeface="Cambria" charset="0"/>
-                        <a:cs typeface="Cambria" charset="0"/>
-                      </a:endParaRPr>
                     </a:p>
                   </a:txBody>
                   <a:tcPr marL="12700" marR="12700" marT="12700" marB="0">
@@ -24688,7 +23950,7 @@
                     <a:p>
                       <a:pPr algn="l" fontAlgn="t"/>
                       <a:r>
-                        <a:rPr lang="is-IS" sz="1400" b="0" i="0" u="none" strike="noStrike" smtClean="0">
+                        <a:rPr lang="is-IS" sz="1400" b="0" i="0" u="none" strike="noStrike">
                           <a:solidFill>
                             <a:srgbClr val="000000"/>
                           </a:solidFill>
@@ -24699,15 +23961,6 @@
                         </a:rPr>
                         <a:t> Alaska</a:t>
                       </a:r>
-                      <a:endParaRPr lang="is-IS" sz="1400" b="0" i="0" u="none" strike="noStrike">
-                        <a:solidFill>
-                          <a:srgbClr val="000000"/>
-                        </a:solidFill>
-                        <a:effectLst/>
-                        <a:latin typeface="Cambria" charset="0"/>
-                        <a:ea typeface="Cambria" charset="0"/>
-                        <a:cs typeface="Cambria" charset="0"/>
-                      </a:endParaRPr>
                     </a:p>
                   </a:txBody>
                   <a:tcPr marL="12700" marR="12700" marT="12700" marB="0">
@@ -24756,7 +24009,7 @@
                     <a:p>
                       <a:pPr algn="l" fontAlgn="t"/>
                       <a:r>
-                        <a:rPr lang="is-IS" sz="1400" b="0" i="0" u="none" strike="noStrike" smtClean="0">
+                        <a:rPr lang="is-IS" sz="1400" b="0" i="0" u="none" strike="noStrike">
                           <a:solidFill>
                             <a:srgbClr val="000000"/>
                           </a:solidFill>
@@ -24768,7 +24021,7 @@
                         <a:t> </a:t>
                       </a:r>
                       <a:r>
-                        <a:rPr lang="en-US" sz="1400" b="1" i="0" dirty="0" smtClean="0">
+                        <a:rPr lang="en-US" sz="1400" b="1" i="0" dirty="0">
                           <a:latin typeface="Cambria" charset="0"/>
                           <a:ea typeface="Cambria" charset="0"/>
                           <a:cs typeface="Cambria" charset="0"/>
@@ -24776,7 +24029,7 @@
                         <a:t>↓ </a:t>
                       </a:r>
                       <a:r>
-                        <a:rPr lang="en-US" sz="1400" b="0" i="0" dirty="0" smtClean="0">
+                        <a:rPr lang="en-US" sz="1400" b="0" i="0" dirty="0">
                           <a:latin typeface="Cambria" charset="0"/>
                           <a:ea typeface="Cambria" charset="0"/>
                           <a:cs typeface="Cambria" charset="0"/>
@@ -24833,6 +24086,11 @@
                     </a:lnB>
                   </a:tcPr>
                 </a:tc>
+                <a:extLst>
+                  <a:ext uri="{0D108BD9-81ED-4DB2-BD59-A6C34878D82A}">
+                    <a16:rowId xmlns:a16="http://schemas.microsoft.com/office/drawing/2014/main" val="10002"/>
+                  </a:ext>
+                </a:extLst>
               </a:tr>
               <a:tr h="370840">
                 <a:tc>
@@ -24841,18 +24099,13 @@
                     <a:lstStyle/>
                     <a:p>
                       <a:r>
-                        <a:rPr lang="en-US" sz="1400" b="0" i="0" dirty="0" smtClean="0">
+                        <a:rPr lang="en-US" sz="1400" b="0" i="0" dirty="0">
                           <a:latin typeface="Cambria" charset="0"/>
                           <a:ea typeface="Cambria" charset="0"/>
                           <a:cs typeface="Cambria" charset="0"/>
                         </a:rPr>
                         <a:t>2014</a:t>
                       </a:r>
-                      <a:endParaRPr lang="en-US" sz="1400" b="0" i="0" dirty="0">
-                        <a:latin typeface="Cambria" charset="0"/>
-                        <a:ea typeface="Cambria" charset="0"/>
-                        <a:cs typeface="Cambria" charset="0"/>
-                      </a:endParaRPr>
                     </a:p>
                   </a:txBody>
                   <a:tcPr>
@@ -24901,7 +24154,7 @@
                     <a:p>
                       <a:pPr algn="l" fontAlgn="t"/>
                       <a:r>
-                        <a:rPr lang="en-US" sz="1400" b="0" i="0" u="none" strike="noStrike" dirty="0" smtClean="0">
+                        <a:rPr lang="en-US" sz="1400" b="0" i="0" u="none" strike="noStrike" dirty="0">
                           <a:solidFill>
                             <a:srgbClr val="000000"/>
                           </a:solidFill>
@@ -24912,15 +24165,6 @@
                         </a:rPr>
                         <a:t>Kentucky</a:t>
                       </a:r>
-                      <a:endParaRPr lang="en-US" sz="1400" b="0" i="0" u="none" strike="noStrike" dirty="0">
-                        <a:solidFill>
-                          <a:srgbClr val="000000"/>
-                        </a:solidFill>
-                        <a:effectLst/>
-                        <a:latin typeface="Cambria" charset="0"/>
-                        <a:ea typeface="Cambria" charset="0"/>
-                        <a:cs typeface="Cambria" charset="0"/>
-                      </a:endParaRPr>
                     </a:p>
                   </a:txBody>
                   <a:tcPr marL="12700" marR="12700" marT="12700" marB="0">
@@ -24969,7 +24213,7 @@
                     <a:p>
                       <a:pPr algn="l" fontAlgn="t"/>
                       <a:r>
-                        <a:rPr lang="es-ES_tradnl" sz="1400" b="0" i="0" u="none" strike="noStrike" dirty="0" smtClean="0">
+                        <a:rPr lang="es-ES_tradnl" sz="1400" b="0" i="0" u="none" strike="noStrike" dirty="0">
                           <a:solidFill>
                             <a:srgbClr val="000000"/>
                           </a:solidFill>
@@ -24980,15 +24224,6 @@
                         </a:rPr>
                         <a:t> Nevada</a:t>
                       </a:r>
-                      <a:endParaRPr lang="es-ES_tradnl" sz="1400" b="0" i="0" u="none" strike="noStrike" dirty="0">
-                        <a:solidFill>
-                          <a:srgbClr val="000000"/>
-                        </a:solidFill>
-                        <a:effectLst/>
-                        <a:latin typeface="Cambria" charset="0"/>
-                        <a:ea typeface="Cambria" charset="0"/>
-                        <a:cs typeface="Cambria" charset="0"/>
-                      </a:endParaRPr>
                     </a:p>
                   </a:txBody>
                   <a:tcPr marL="12700" marR="12700" marT="12700" marB="0">
@@ -25037,7 +24272,7 @@
                     <a:p>
                       <a:pPr algn="l" fontAlgn="t"/>
                       <a:r>
-                        <a:rPr lang="es-ES_tradnl" sz="1400" b="0" i="0" u="none" strike="noStrike" dirty="0" smtClean="0">
+                        <a:rPr lang="es-ES_tradnl" sz="1400" b="0" i="0" u="none" strike="noStrike" dirty="0">
                           <a:solidFill>
                             <a:srgbClr val="000000"/>
                           </a:solidFill>
@@ -25049,7 +24284,7 @@
                         <a:t> </a:t>
                       </a:r>
                       <a:r>
-                        <a:rPr lang="en-US" sz="1400" b="1" i="0" dirty="0" smtClean="0">
+                        <a:rPr lang="en-US" sz="1400" b="1" i="0" dirty="0">
                           <a:latin typeface="Cambria" charset="0"/>
                           <a:ea typeface="Cambria" charset="0"/>
                           <a:cs typeface="Cambria" charset="0"/>
@@ -25057,7 +24292,7 @@
                         <a:t>↓ </a:t>
                       </a:r>
                       <a:r>
-                        <a:rPr lang="en-US" sz="1400" b="0" i="0" dirty="0" smtClean="0">
+                        <a:rPr lang="en-US" sz="1400" b="0" i="0" dirty="0">
                           <a:latin typeface="Cambria" charset="0"/>
                           <a:ea typeface="Cambria" charset="0"/>
                           <a:cs typeface="Cambria" charset="0"/>
@@ -25114,6 +24349,11 @@
                     </a:lnB>
                   </a:tcPr>
                 </a:tc>
+                <a:extLst>
+                  <a:ext uri="{0D108BD9-81ED-4DB2-BD59-A6C34878D82A}">
+                    <a16:rowId xmlns:a16="http://schemas.microsoft.com/office/drawing/2014/main" val="10003"/>
+                  </a:ext>
+                </a:extLst>
               </a:tr>
               <a:tr h="370840">
                 <a:tc>
@@ -25122,18 +24362,13 @@
                     <a:lstStyle/>
                     <a:p>
                       <a:r>
-                        <a:rPr lang="en-US" sz="1400" b="0" i="0" dirty="0" smtClean="0">
+                        <a:rPr lang="en-US" sz="1400" b="0" i="0" dirty="0">
                           <a:latin typeface="Cambria" charset="0"/>
                           <a:ea typeface="Cambria" charset="0"/>
                           <a:cs typeface="Cambria" charset="0"/>
                         </a:rPr>
                         <a:t>2015</a:t>
                       </a:r>
-                      <a:endParaRPr lang="en-US" sz="1400" b="0" i="0" dirty="0">
-                        <a:latin typeface="Cambria" charset="0"/>
-                        <a:ea typeface="Cambria" charset="0"/>
-                        <a:cs typeface="Cambria" charset="0"/>
-                      </a:endParaRPr>
                     </a:p>
                   </a:txBody>
                   <a:tcPr>
@@ -25182,7 +24417,7 @@
                     <a:p>
                       <a:pPr algn="l" fontAlgn="t"/>
                       <a:r>
-                        <a:rPr lang="fi-FI" sz="1400" b="0" i="0" u="none" strike="noStrike" dirty="0" smtClean="0">
+                        <a:rPr lang="fi-FI" sz="1400" b="0" i="0" u="none" strike="noStrike" dirty="0">
                           <a:solidFill>
                             <a:srgbClr val="000000"/>
                           </a:solidFill>
@@ -25193,15 +24428,6 @@
                         </a:rPr>
                         <a:t>Kansas</a:t>
                       </a:r>
-                      <a:endParaRPr lang="fi-FI" sz="1400" b="0" i="0" u="none" strike="noStrike" dirty="0">
-                        <a:solidFill>
-                          <a:srgbClr val="000000"/>
-                        </a:solidFill>
-                        <a:effectLst/>
-                        <a:latin typeface="Cambria" charset="0"/>
-                        <a:ea typeface="Cambria" charset="0"/>
-                        <a:cs typeface="Cambria" charset="0"/>
-                      </a:endParaRPr>
                     </a:p>
                   </a:txBody>
                   <a:tcPr marL="12700" marR="12700" marT="12700" marB="0">
@@ -25250,7 +24476,7 @@
                     <a:p>
                       <a:pPr algn="l" fontAlgn="t"/>
                       <a:r>
-                        <a:rPr lang="pt-BR" sz="1400" b="0" i="0" u="none" strike="noStrike" dirty="0" smtClean="0">
+                        <a:rPr lang="pt-BR" sz="1400" b="0" i="0" u="none" strike="noStrike" dirty="0">
                           <a:solidFill>
                             <a:srgbClr val="000000"/>
                           </a:solidFill>
@@ -25261,15 +24487,6 @@
                         </a:rPr>
                         <a:t> Nevada</a:t>
                       </a:r>
-                      <a:endParaRPr lang="pt-BR" sz="1400" b="0" i="0" u="none" strike="noStrike" dirty="0">
-                        <a:solidFill>
-                          <a:srgbClr val="000000"/>
-                        </a:solidFill>
-                        <a:effectLst/>
-                        <a:latin typeface="Cambria" charset="0"/>
-                        <a:ea typeface="Cambria" charset="0"/>
-                        <a:cs typeface="Cambria" charset="0"/>
-                      </a:endParaRPr>
                     </a:p>
                   </a:txBody>
                   <a:tcPr marL="12700" marR="12700" marT="12700" marB="0">
@@ -25318,7 +24535,7 @@
                     <a:p>
                       <a:pPr algn="l" fontAlgn="t"/>
                       <a:r>
-                        <a:rPr lang="en-US" sz="1400" b="0" i="0" dirty="0" smtClean="0">
+                        <a:rPr lang="en-US" sz="1400" b="0" i="0" dirty="0">
                           <a:latin typeface="Cambria" charset="0"/>
                           <a:ea typeface="Cambria" charset="0"/>
                           <a:cs typeface="Cambria" charset="0"/>
@@ -25375,6 +24592,11 @@
                     </a:lnB>
                   </a:tcPr>
                 </a:tc>
+                <a:extLst>
+                  <a:ext uri="{0D108BD9-81ED-4DB2-BD59-A6C34878D82A}">
+                    <a16:rowId xmlns:a16="http://schemas.microsoft.com/office/drawing/2014/main" val="10004"/>
+                  </a:ext>
+                </a:extLst>
               </a:tr>
               <a:tr h="370840">
                 <a:tc>
@@ -25383,18 +24605,13 @@
                     <a:lstStyle/>
                     <a:p>
                       <a:r>
-                        <a:rPr lang="en-US" sz="1400" b="0" i="0" dirty="0" smtClean="0">
+                        <a:rPr lang="en-US" sz="1400" b="0" i="0" dirty="0">
                           <a:latin typeface="Cambria" charset="0"/>
                           <a:ea typeface="Cambria" charset="0"/>
                           <a:cs typeface="Cambria" charset="0"/>
                         </a:rPr>
                         <a:t>2016</a:t>
                       </a:r>
-                      <a:endParaRPr lang="en-US" sz="1400" b="0" i="0" dirty="0">
-                        <a:latin typeface="Cambria" charset="0"/>
-                        <a:ea typeface="Cambria" charset="0"/>
-                        <a:cs typeface="Cambria" charset="0"/>
-                      </a:endParaRPr>
                     </a:p>
                   </a:txBody>
                   <a:tcPr>
@@ -25443,7 +24660,7 @@
                     <a:p>
                       <a:pPr algn="l" fontAlgn="t"/>
                       <a:r>
-                        <a:rPr lang="pt-BR" sz="1400" b="0" i="0" u="none" strike="noStrike" dirty="0" smtClean="0">
+                        <a:rPr lang="pt-BR" sz="1400" b="0" i="0" u="none" strike="noStrike" dirty="0">
                           <a:solidFill>
                             <a:srgbClr val="000000"/>
                           </a:solidFill>
@@ -25454,15 +24671,6 @@
                         </a:rPr>
                         <a:t>Florida</a:t>
                       </a:r>
-                      <a:endParaRPr lang="pt-BR" sz="1400" b="0" i="0" u="none" strike="noStrike" dirty="0">
-                        <a:solidFill>
-                          <a:srgbClr val="000000"/>
-                        </a:solidFill>
-                        <a:effectLst/>
-                        <a:latin typeface="Cambria" charset="0"/>
-                        <a:ea typeface="Cambria" charset="0"/>
-                        <a:cs typeface="Cambria" charset="0"/>
-                      </a:endParaRPr>
                     </a:p>
                   </a:txBody>
                   <a:tcPr marL="12700" marR="12700" marT="12700" marB="0">
@@ -25511,7 +24719,7 @@
                     <a:p>
                       <a:pPr algn="l" fontAlgn="t"/>
                       <a:r>
-                        <a:rPr lang="en-US" sz="1400" b="0" i="0" u="none" strike="noStrike" dirty="0" smtClean="0">
+                        <a:rPr lang="en-US" sz="1400" b="0" i="0" u="none" strike="noStrike" dirty="0">
                           <a:solidFill>
                             <a:srgbClr val="000000"/>
                           </a:solidFill>
@@ -25523,7 +24731,7 @@
                         <a:t> </a:t>
                       </a:r>
                       <a:r>
-                        <a:rPr lang="mr-IN" sz="1400" b="0" i="0" u="none" strike="noStrike" dirty="0" err="1" smtClean="0">
+                        <a:rPr lang="mr-IN" sz="1400" b="0" i="0" u="none" strike="noStrike" dirty="0" err="1">
                           <a:solidFill>
                             <a:srgbClr val="000000"/>
                           </a:solidFill>
@@ -25535,7 +24743,7 @@
                         <a:t>Alask</a:t>
                       </a:r>
                       <a:r>
-                        <a:rPr lang="en-US" sz="1400" b="0" i="0" u="none" strike="noStrike" dirty="0" smtClean="0">
+                        <a:rPr lang="en-US" sz="1400" b="0" i="0" u="none" strike="noStrike" dirty="0">
                           <a:solidFill>
                             <a:srgbClr val="000000"/>
                           </a:solidFill>
@@ -25603,7 +24811,7 @@
                     <a:p>
                       <a:pPr algn="l" fontAlgn="t"/>
                       <a:r>
-                        <a:rPr lang="en-US" sz="1400" b="0" i="0" u="none" strike="noStrike" dirty="0" smtClean="0">
+                        <a:rPr lang="en-US" sz="1400" b="0" i="0" u="none" strike="noStrike" dirty="0">
                           <a:solidFill>
                             <a:srgbClr val="000000"/>
                           </a:solidFill>
@@ -25615,7 +24823,7 @@
                         <a:t> </a:t>
                       </a:r>
                       <a:r>
-                        <a:rPr lang="en-US" sz="1400" b="0" i="0" dirty="0" smtClean="0">
+                        <a:rPr lang="en-US" sz="1400" b="0" i="0" dirty="0">
                           <a:latin typeface="Cambria" charset="0"/>
                           <a:ea typeface="Cambria" charset="0"/>
                           <a:cs typeface="Cambria" charset="0"/>
@@ -25672,6 +24880,11 @@
                     </a:lnB>
                   </a:tcPr>
                 </a:tc>
+                <a:extLst>
+                  <a:ext uri="{0D108BD9-81ED-4DB2-BD59-A6C34878D82A}">
+                    <a16:rowId xmlns:a16="http://schemas.microsoft.com/office/drawing/2014/main" val="10005"/>
+                  </a:ext>
+                </a:extLst>
               </a:tr>
             </a:tbl>
           </a:graphicData>
@@ -25755,7 +24968,7 @@
           <a:p>
             <a:pPr algn="ctr"/>
             <a:r>
-              <a:rPr lang="en-US" sz="1400" b="1" dirty="0" smtClean="0">
+              <a:rPr lang="en-US" sz="1400" b="1" dirty="0">
                 <a:solidFill>
                   <a:schemeClr val="tx1"/>
                 </a:solidFill>
@@ -25807,7 +25020,7 @@
               <a:buFont typeface="Arial" charset="0"/>
               <a:buChar char="•"/>
             </a:pPr>
-            <a:endParaRPr lang="en-US" sz="1600" dirty="0" smtClean="0">
+            <a:endParaRPr lang="en-US" sz="1600" dirty="0">
               <a:latin typeface="Cambria" charset="0"/>
               <a:ea typeface="Cambria" charset="0"/>
               <a:cs typeface="Cambria" charset="0"/>
@@ -25823,44 +25036,12 @@
               <a:buChar char="Ø"/>
             </a:pPr>
             <a:r>
-              <a:rPr lang="en-US" sz="1600" dirty="0" smtClean="0">
-                <a:latin typeface="Cambria" charset="0"/>
-                <a:ea typeface="Cambria" charset="0"/>
-                <a:cs typeface="Cambria" charset="0"/>
-              </a:rPr>
-              <a:t>Notice </a:t>
-            </a:r>
-            <a:r>
               <a:rPr lang="en-US" sz="1600" dirty="0">
                 <a:latin typeface="Cambria" charset="0"/>
                 <a:ea typeface="Cambria" charset="0"/>
                 <a:cs typeface="Cambria" charset="0"/>
               </a:rPr>
-              <a:t>that Alaska and Nevada are always least impacted states </a:t>
-            </a:r>
-            <a:r>
-              <a:rPr lang="en-US" sz="1600" dirty="0" smtClean="0">
-                <a:latin typeface="Cambria" charset="0"/>
-                <a:ea typeface="Cambria" charset="0"/>
-                <a:cs typeface="Cambria" charset="0"/>
-              </a:rPr>
-              <a:t>whereas Highly </a:t>
-            </a:r>
-            <a:r>
-              <a:rPr lang="en-US" sz="1600" dirty="0">
-                <a:latin typeface="Cambria" charset="0"/>
-                <a:ea typeface="Cambria" charset="0"/>
-                <a:cs typeface="Cambria" charset="0"/>
-              </a:rPr>
-              <a:t>Impacted </a:t>
-            </a:r>
-            <a:r>
-              <a:rPr lang="en-US" sz="1600" dirty="0" smtClean="0">
-                <a:latin typeface="Cambria" charset="0"/>
-                <a:ea typeface="Cambria" charset="0"/>
-                <a:cs typeface="Cambria" charset="0"/>
-              </a:rPr>
-              <a:t>varies</a:t>
+              <a:t>Notice that Alaska and Nevada are always least impacted states whereas Highly Impacted varies</a:t>
             </a:r>
           </a:p>
           <a:p>
@@ -25873,7 +25054,7 @@
               <a:buChar char="Ø"/>
             </a:pPr>
             <a:r>
-              <a:rPr lang="en-US" sz="1600" dirty="0" smtClean="0">
+              <a:rPr lang="en-US" sz="1600" dirty="0">
                 <a:latin typeface="Cambria" charset="0"/>
                 <a:ea typeface="Cambria" charset="0"/>
                 <a:cs typeface="Cambria" charset="0"/>
@@ -25891,7 +25072,7 @@
               <a:buChar char="Ø"/>
             </a:pPr>
             <a:r>
-              <a:rPr lang="en-US" sz="1600" dirty="0" smtClean="0">
+              <a:rPr lang="en-US" sz="1600" dirty="0">
                 <a:latin typeface="Cambria" charset="0"/>
                 <a:ea typeface="Cambria" charset="0"/>
                 <a:cs typeface="Cambria" charset="0"/>
@@ -25909,7 +25090,7 @@
               <a:buChar char="Ø"/>
             </a:pPr>
             <a:r>
-              <a:rPr lang="en-US" sz="1600" dirty="0" smtClean="0">
+              <a:rPr lang="en-US" sz="1600" dirty="0">
                 <a:latin typeface="Cambria" charset="0"/>
                 <a:ea typeface="Cambria" charset="0"/>
                 <a:cs typeface="Cambria" charset="0"/>
@@ -26031,7 +25212,7 @@
           <a:p>
             <a:pPr algn="ctr"/>
             <a:r>
-              <a:rPr lang="en-US" sz="1400" b="1" dirty="0" smtClean="0">
+              <a:rPr lang="en-US" sz="1400" b="1" dirty="0">
                 <a:solidFill>
                   <a:schemeClr val="tx1"/>
                 </a:solidFill>
@@ -26131,7 +25312,7 @@
           <a:p>
             <a:pPr algn="ctr"/>
             <a:r>
-              <a:rPr lang="en-US" sz="1400" b="1" dirty="0" smtClean="0">
+              <a:rPr lang="en-US" sz="1400" b="1" dirty="0">
                 <a:solidFill>
                   <a:schemeClr val="tx1"/>
                 </a:solidFill>
@@ -26163,13 +25344,6 @@
   <p:clrMapOvr>
     <a:masterClrMapping/>
   </p:clrMapOvr>
-  <p:timing>
-    <p:tnLst>
-      <p:par>
-        <p:cTn id="1" dur="indefinite" restart="never" nodeType="tmRoot"/>
-      </p:par>
-    </p:tnLst>
-  </p:timing>
 </p:sld>
 </file>
 
@@ -26213,18 +25387,13 @@
           <a:lstStyle/>
           <a:p>
             <a:r>
-              <a:rPr lang="en-US" dirty="0" smtClean="0">
+              <a:rPr lang="en-US" dirty="0">
                 <a:latin typeface="Cambria" charset="0"/>
                 <a:ea typeface="Cambria" charset="0"/>
                 <a:cs typeface="Cambria" charset="0"/>
               </a:rPr>
               <a:t>FINDINGS:  MENTAL HEALTH ACROSS YEARS BY EMPLOYMENT STATE</a:t>
             </a:r>
-            <a:endParaRPr lang="en-US" dirty="0">
-              <a:latin typeface="Cambria" charset="0"/>
-              <a:ea typeface="Cambria" charset="0"/>
-              <a:cs typeface="Cambria" charset="0"/>
-            </a:endParaRPr>
           </a:p>
         </p:txBody>
       </p:sp>
@@ -26259,7 +25428,7 @@
               <a:buChar char="Ø"/>
             </a:pPr>
             <a:r>
-              <a:rPr lang="en-US" sz="1600" dirty="0" smtClean="0">
+              <a:rPr lang="en-US" sz="1600" dirty="0">
                 <a:solidFill>
                   <a:schemeClr val="tx1"/>
                 </a:solidFill>
@@ -26280,7 +25449,7 @@
               <a:buChar char="Ø"/>
             </a:pPr>
             <a:r>
-              <a:rPr lang="en-US" sz="1600" dirty="0" smtClean="0">
+              <a:rPr lang="en-US" sz="1600" dirty="0">
                 <a:solidFill>
                   <a:schemeClr val="tx1"/>
                 </a:solidFill>
@@ -26301,7 +25470,7 @@
               <a:buChar char="Ø"/>
             </a:pPr>
             <a:r>
-              <a:rPr lang="en-US" sz="1600" dirty="0" smtClean="0">
+              <a:rPr lang="en-US" sz="1600" dirty="0">
                 <a:solidFill>
                   <a:schemeClr val="tx1"/>
                 </a:solidFill>
@@ -26312,7 +25481,7 @@
               <a:t>Lowest scores </a:t>
             </a:r>
             <a:r>
-              <a:rPr lang="mr-IN" sz="1600" dirty="0" smtClean="0">
+              <a:rPr lang="mr-IN" sz="1600" dirty="0">
                 <a:solidFill>
                   <a:schemeClr val="tx1"/>
                 </a:solidFill>
@@ -26323,7 +25492,7 @@
               <a:t>–</a:t>
             </a:r>
             <a:r>
-              <a:rPr lang="en-US" sz="1600" dirty="0" smtClean="0">
+              <a:rPr lang="en-US" sz="1600" dirty="0">
                 <a:solidFill>
                   <a:schemeClr val="tx1"/>
                 </a:solidFill>
@@ -26344,7 +25513,7 @@
               <a:buChar char="Ø"/>
             </a:pPr>
             <a:r>
-              <a:rPr lang="en-US" sz="1600" dirty="0" smtClean="0">
+              <a:rPr lang="en-US" sz="1600" dirty="0">
                 <a:solidFill>
                   <a:schemeClr val="tx1"/>
                 </a:solidFill>
@@ -26355,7 +25524,7 @@
               <a:t>Jump in 2014-15 attributed to External factors. E.g., the 2008 housing crisis impact till </a:t>
             </a:r>
             <a:r>
-              <a:rPr lang="en-US" sz="1600" dirty="0" smtClean="0">
+              <a:rPr lang="en-US" sz="1600" dirty="0">
                 <a:solidFill>
                   <a:schemeClr val="tx1"/>
                 </a:solidFill>
@@ -26366,7 +25535,7 @@
               </a:rPr>
               <a:t>2016 Q1 </a:t>
             </a:r>
-            <a:endParaRPr lang="en-US" sz="1600" dirty="0" smtClean="0">
+            <a:endParaRPr lang="en-US" sz="1600" dirty="0">
               <a:solidFill>
                 <a:schemeClr val="tx1"/>
               </a:solidFill>
@@ -26455,7 +25624,7 @@
           <a:p>
             <a:pPr algn="ctr"/>
             <a:r>
-              <a:rPr lang="en-US" sz="1200" b="1" dirty="0" smtClean="0">
+              <a:rPr lang="en-US" sz="1200" b="1" dirty="0">
                 <a:solidFill>
                   <a:schemeClr val="tx1"/>
                 </a:solidFill>
@@ -26487,13 +25656,6 @@
   <p:clrMapOvr>
     <a:masterClrMapping/>
   </p:clrMapOvr>
-  <p:timing>
-    <p:tnLst>
-      <p:par>
-        <p:cTn id="1" dur="indefinite" restart="never" nodeType="tmRoot"/>
-      </p:par>
-    </p:tnLst>
-  </p:timing>
 </p:sld>
 </file>
 
